--- a/markov_chain/markov.pptx
+++ b/markov_chain/markov.pptx
@@ -5,7 +5,7 @@
     <p:sldMasterId id="2147483665" r:id="rId1"/>
   </p:sldMasterIdLst>
   <p:notesMasterIdLst>
-    <p:notesMasterId r:id="rId14"/>
+    <p:notesMasterId r:id="rId20"/>
   </p:notesMasterIdLst>
   <p:sldIdLst>
     <p:sldId id="256" r:id="rId2"/>
@@ -18,8 +18,14 @@
     <p:sldId id="424" r:id="rId9"/>
     <p:sldId id="425" r:id="rId10"/>
     <p:sldId id="426" r:id="rId11"/>
-    <p:sldId id="419" r:id="rId12"/>
-    <p:sldId id="417" r:id="rId13"/>
+    <p:sldId id="427" r:id="rId12"/>
+    <p:sldId id="428" r:id="rId13"/>
+    <p:sldId id="429" r:id="rId14"/>
+    <p:sldId id="430" r:id="rId15"/>
+    <p:sldId id="431" r:id="rId16"/>
+    <p:sldId id="432" r:id="rId17"/>
+    <p:sldId id="419" r:id="rId18"/>
+    <p:sldId id="417" r:id="rId19"/>
   </p:sldIdLst>
   <p:sldSz cx="9144000" cy="6858000" type="screen4x3"/>
   <p:notesSz cx="6858000" cy="9144000"/>
@@ -1398,7 +1404,7 @@
         </p:nvSpPr>
         <p:spPr>
           <a:xfrm>
-            <a:off x="503548" y="1052736"/>
+            <a:off x="568482" y="1061049"/>
             <a:ext cx="7236804" cy="400110"/>
           </a:xfrm>
           <a:prstGeom prst="rect">
@@ -1436,8 +1442,8 @@
           </a:p>
         </p:txBody>
       </p:sp>
-      <mc:AlternateContent xmlns:mc="http://schemas.openxmlformats.org/markup-compatibility/2006">
-        <mc:Choice xmlns:a14="http://schemas.microsoft.com/office/drawing/2010/main" Requires="a14">
+      <mc:AlternateContent xmlns:mc="http://schemas.openxmlformats.org/markup-compatibility/2006" xmlns:a14="http://schemas.microsoft.com/office/drawing/2010/main">
+        <mc:Choice Requires="a14">
           <p:sp>
             <p:nvSpPr>
               <p:cNvPr id="5" name="テキスト ボックス 4">
@@ -1466,6 +1472,7 @@
               </a:bodyPr>
               <a:lstStyle/>
               <a:p>
+                <a:pPr/>
                 <a14:m>
                   <m:oMathPara xmlns:m="http://schemas.openxmlformats.org/officeDocument/2006/math">
                     <m:oMathParaPr>
@@ -1579,7 +1586,7 @@
             </p:txBody>
           </p:sp>
         </mc:Choice>
-        <mc:Fallback>
+        <mc:Fallback xmlns="">
           <p:sp>
             <p:nvSpPr>
               <p:cNvPr id="5" name="テキスト ボックス 4">
@@ -1659,8 +1666,8 @@
           </a:p>
         </p:txBody>
       </p:sp>
-      <mc:AlternateContent xmlns:mc="http://schemas.openxmlformats.org/markup-compatibility/2006">
-        <mc:Choice xmlns:a14="http://schemas.microsoft.com/office/drawing/2010/main" Requires="a14">
+      <mc:AlternateContent xmlns:mc="http://schemas.openxmlformats.org/markup-compatibility/2006" xmlns:a14="http://schemas.microsoft.com/office/drawing/2010/main">
+        <mc:Choice Requires="a14">
           <p:sp>
             <p:nvSpPr>
               <p:cNvPr id="7" name="テキスト ボックス 6">
@@ -1689,6 +1696,7 @@
               </a:bodyPr>
               <a:lstStyle/>
               <a:p>
+                <a:pPr/>
                 <a14:m>
                   <m:oMathPara xmlns:m="http://schemas.openxmlformats.org/officeDocument/2006/math">
                     <m:oMathParaPr>
@@ -1793,7 +1801,7 @@
             </p:txBody>
           </p:sp>
         </mc:Choice>
-        <mc:Fallback>
+        <mc:Fallback xmlns="">
           <p:sp>
             <p:nvSpPr>
               <p:cNvPr id="7" name="テキスト ボックス 6">
@@ -1873,6 +1881,684 @@
           </a:p>
         </p:txBody>
       </p:sp>
+      <p:sp>
+        <p:nvSpPr>
+          <p:cNvPr id="3" name="テキスト ボックス 2">
+            <a:extLst>
+              <a:ext uri="{FF2B5EF4-FFF2-40B4-BE49-F238E27FC236}">
+                <a16:creationId xmlns:a16="http://schemas.microsoft.com/office/drawing/2014/main" id="{13A7E8EA-3659-DBE2-CA76-413428C40FA4}"/>
+              </a:ext>
+            </a:extLst>
+          </p:cNvPr>
+          <p:cNvSpPr txBox="1"/>
+          <p:nvPr/>
+        </p:nvSpPr>
+        <p:spPr>
+          <a:xfrm>
+            <a:off x="611560" y="2904322"/>
+            <a:ext cx="4108817" cy="369332"/>
+          </a:xfrm>
+          <a:prstGeom prst="rect">
+            <a:avLst/>
+          </a:prstGeom>
+          <a:noFill/>
+        </p:spPr>
+        <p:txBody>
+          <a:bodyPr wrap="none" rtlCol="0">
+            <a:spAutoFit/>
+          </a:bodyPr>
+          <a:lstStyle/>
+          <a:p>
+            <a:r>
+              <a:rPr kumimoji="1" lang="ja-JP" altLang="en-US"/>
+              <a:t>行列の</a:t>
+            </a:r>
+            <a:r>
+              <a:rPr lang="ja-JP" altLang="en-US"/>
+              <a:t>ベキ</a:t>
+            </a:r>
+            <a:r>
+              <a:rPr kumimoji="1" lang="ja-JP" altLang="en-US"/>
+              <a:t>乗を求めるには対角化する</a:t>
+            </a:r>
+          </a:p>
+        </p:txBody>
+      </p:sp>
+      <mc:AlternateContent xmlns:mc="http://schemas.openxmlformats.org/markup-compatibility/2006">
+        <mc:Choice xmlns:a14="http://schemas.microsoft.com/office/drawing/2010/main" Requires="a14">
+          <p:sp>
+            <p:nvSpPr>
+              <p:cNvPr id="9" name="テキスト ボックス 8">
+                <a:extLst>
+                  <a:ext uri="{FF2B5EF4-FFF2-40B4-BE49-F238E27FC236}">
+                    <a16:creationId xmlns:a16="http://schemas.microsoft.com/office/drawing/2014/main" id="{C7929479-D87E-CBDE-1CE7-1744F15072EA}"/>
+                  </a:ext>
+                </a:extLst>
+              </p:cNvPr>
+              <p:cNvSpPr txBox="1"/>
+              <p:nvPr/>
+            </p:nvSpPr>
+            <p:spPr>
+              <a:xfrm>
+                <a:off x="2314399" y="3413669"/>
+                <a:ext cx="2481577" cy="553998"/>
+              </a:xfrm>
+              <a:prstGeom prst="rect">
+                <a:avLst/>
+              </a:prstGeom>
+              <a:noFill/>
+            </p:spPr>
+            <p:txBody>
+              <a:bodyPr wrap="none" lIns="0" tIns="0" rIns="0" bIns="0" rtlCol="0">
+                <a:spAutoFit/>
+              </a:bodyPr>
+              <a:lstStyle/>
+              <a:p>
+                <a14:m>
+                  <m:oMathPara xmlns:m="http://schemas.openxmlformats.org/officeDocument/2006/math">
+                    <m:oMathParaPr>
+                      <m:jc m:val="centerGroup"/>
+                    </m:oMathParaPr>
+                    <m:oMath xmlns:m="http://schemas.openxmlformats.org/officeDocument/2006/math">
+                      <m:r>
+                        <a:rPr kumimoji="1" lang="en-US" altLang="ja-JP" sz="3600" b="0" i="1" smtClean="0">
+                          <a:latin typeface="Cambria Math" panose="02040503050406030204" pitchFamily="18" charset="0"/>
+                        </a:rPr>
+                        <m:t>𝑀</m:t>
+                      </m:r>
+                      <m:r>
+                        <a:rPr kumimoji="1" lang="en-US" altLang="ja-JP" sz="3600" b="0" i="1" smtClean="0">
+                          <a:latin typeface="Cambria Math" panose="02040503050406030204" pitchFamily="18" charset="0"/>
+                        </a:rPr>
+                        <m:t>=</m:t>
+                      </m:r>
+                      <m:sSup>
+                        <m:sSupPr>
+                          <m:ctrlPr>
+                            <a:rPr kumimoji="1" lang="en-US" altLang="ja-JP" sz="3600" b="0" i="1" smtClean="0">
+                              <a:latin typeface="Cambria Math" panose="02040503050406030204" pitchFamily="18" charset="0"/>
+                            </a:rPr>
+                          </m:ctrlPr>
+                        </m:sSupPr>
+                        <m:e>
+                          <m:r>
+                            <a:rPr kumimoji="1" lang="en-US" altLang="ja-JP" sz="3600" b="0" i="1" smtClean="0">
+                              <a:latin typeface="Cambria Math" panose="02040503050406030204" pitchFamily="18" charset="0"/>
+                            </a:rPr>
+                            <m:t>𝑃</m:t>
+                          </m:r>
+                        </m:e>
+                        <m:sup>
+                          <m:r>
+                            <a:rPr kumimoji="1" lang="en-US" altLang="ja-JP" sz="3600" b="0" i="1" smtClean="0">
+                              <a:latin typeface="Cambria Math" panose="02040503050406030204" pitchFamily="18" charset="0"/>
+                            </a:rPr>
+                            <m:t>−1</m:t>
+                          </m:r>
+                        </m:sup>
+                      </m:sSup>
+                      <m:r>
+                        <a:rPr kumimoji="1" lang="en-US" altLang="ja-JP" sz="3600" b="0" i="1" smtClean="0">
+                          <a:latin typeface="Cambria Math" panose="02040503050406030204" pitchFamily="18" charset="0"/>
+                        </a:rPr>
+                        <m:t>𝐴𝑃</m:t>
+                      </m:r>
+                    </m:oMath>
+                  </m:oMathPara>
+                </a14:m>
+                <a:endParaRPr kumimoji="1" lang="ja-JP" altLang="en-US" sz="3600"/>
+              </a:p>
+            </p:txBody>
+          </p:sp>
+        </mc:Choice>
+        <mc:Fallback>
+          <p:sp>
+            <p:nvSpPr>
+              <p:cNvPr id="9" name="テキスト ボックス 8">
+                <a:extLst>
+                  <a:ext uri="{FF2B5EF4-FFF2-40B4-BE49-F238E27FC236}">
+                    <a16:creationId xmlns:a16="http://schemas.microsoft.com/office/drawing/2014/main" id="{C7929479-D87E-CBDE-1CE7-1744F15072EA}"/>
+                  </a:ext>
+                </a:extLst>
+              </p:cNvPr>
+              <p:cNvSpPr txBox="1">
+                <a:spLocks noRot="1" noChangeAspect="1" noMove="1" noResize="1" noEditPoints="1" noAdjustHandles="1" noChangeArrowheads="1" noChangeShapeType="1" noTextEdit="1"/>
+              </p:cNvSpPr>
+              <p:nvPr/>
+            </p:nvSpPr>
+            <p:spPr>
+              <a:xfrm>
+                <a:off x="2314399" y="3413669"/>
+                <a:ext cx="2481577" cy="553998"/>
+              </a:xfrm>
+              <a:prstGeom prst="rect">
+                <a:avLst/>
+              </a:prstGeom>
+              <a:blipFill>
+                <a:blip r:embed="rId4"/>
+                <a:stretch>
+                  <a:fillRect l="-3061" r="-3061" b="-6667"/>
+                </a:stretch>
+              </a:blipFill>
+            </p:spPr>
+            <p:txBody>
+              <a:bodyPr/>
+              <a:lstStyle/>
+              <a:p>
+                <a:r>
+                  <a:rPr lang="ja-JP" altLang="en-US">
+                    <a:noFill/>
+                  </a:rPr>
+                  <a:t> </a:t>
+                </a:r>
+              </a:p>
+            </p:txBody>
+          </p:sp>
+        </mc:Fallback>
+      </mc:AlternateContent>
+      <mc:AlternateContent xmlns:mc="http://schemas.openxmlformats.org/markup-compatibility/2006">
+        <mc:Choice xmlns:a14="http://schemas.microsoft.com/office/drawing/2010/main" Requires="a14">
+          <p:sp>
+            <p:nvSpPr>
+              <p:cNvPr id="10" name="テキスト ボックス 9">
+                <a:extLst>
+                  <a:ext uri="{FF2B5EF4-FFF2-40B4-BE49-F238E27FC236}">
+                    <a16:creationId xmlns:a16="http://schemas.microsoft.com/office/drawing/2014/main" id="{DB814AFD-044E-E077-9D7B-F8C1EBC83556}"/>
+                  </a:ext>
+                </a:extLst>
+              </p:cNvPr>
+              <p:cNvSpPr txBox="1"/>
+              <p:nvPr/>
+            </p:nvSpPr>
+            <p:spPr>
+              <a:xfrm>
+                <a:off x="2120142" y="4208152"/>
+                <a:ext cx="3219343" cy="553998"/>
+              </a:xfrm>
+              <a:prstGeom prst="rect">
+                <a:avLst/>
+              </a:prstGeom>
+              <a:noFill/>
+            </p:spPr>
+            <p:txBody>
+              <a:bodyPr wrap="none" lIns="0" tIns="0" rIns="0" bIns="0" rtlCol="0">
+                <a:spAutoFit/>
+              </a:bodyPr>
+              <a:lstStyle/>
+              <a:p>
+                <a14:m>
+                  <m:oMathPara xmlns:m="http://schemas.openxmlformats.org/officeDocument/2006/math">
+                    <m:oMathParaPr>
+                      <m:jc m:val="centerGroup"/>
+                    </m:oMathParaPr>
+                    <m:oMath xmlns:m="http://schemas.openxmlformats.org/officeDocument/2006/math">
+                      <m:sSup>
+                        <m:sSupPr>
+                          <m:ctrlPr>
+                            <a:rPr kumimoji="1" lang="en-US" altLang="ja-JP" sz="3600" b="0" i="1" smtClean="0">
+                              <a:latin typeface="Cambria Math" panose="02040503050406030204" pitchFamily="18" charset="0"/>
+                            </a:rPr>
+                          </m:ctrlPr>
+                        </m:sSupPr>
+                        <m:e>
+                          <m:r>
+                            <a:rPr kumimoji="1" lang="en-US" altLang="ja-JP" sz="3600" b="0" i="1" smtClean="0">
+                              <a:latin typeface="Cambria Math" panose="02040503050406030204" pitchFamily="18" charset="0"/>
+                            </a:rPr>
+                            <m:t>𝑀</m:t>
+                          </m:r>
+                        </m:e>
+                        <m:sup>
+                          <m:r>
+                            <a:rPr kumimoji="1" lang="en-US" altLang="ja-JP" sz="3600" b="0" i="1" smtClean="0">
+                              <a:latin typeface="Cambria Math" panose="02040503050406030204" pitchFamily="18" charset="0"/>
+                            </a:rPr>
+                            <m:t>𝑡</m:t>
+                          </m:r>
+                        </m:sup>
+                      </m:sSup>
+                      <m:r>
+                        <a:rPr lang="en-US" altLang="ja-JP" sz="3600" i="1">
+                          <a:latin typeface="Cambria Math" panose="02040503050406030204" pitchFamily="18" charset="0"/>
+                        </a:rPr>
+                        <m:t>=</m:t>
+                      </m:r>
+                      <m:sSup>
+                        <m:sSupPr>
+                          <m:ctrlPr>
+                            <a:rPr lang="en-US" altLang="ja-JP" sz="3600" i="1">
+                              <a:latin typeface="Cambria Math" panose="02040503050406030204" pitchFamily="18" charset="0"/>
+                            </a:rPr>
+                          </m:ctrlPr>
+                        </m:sSupPr>
+                        <m:e>
+                          <m:d>
+                            <m:dPr>
+                              <m:ctrlPr>
+                                <a:rPr lang="en-US" altLang="ja-JP" sz="3600" i="1">
+                                  <a:latin typeface="Cambria Math" panose="02040503050406030204" pitchFamily="18" charset="0"/>
+                                </a:rPr>
+                              </m:ctrlPr>
+                            </m:dPr>
+                            <m:e>
+                              <m:sSup>
+                                <m:sSupPr>
+                                  <m:ctrlPr>
+                                    <a:rPr lang="en-US" altLang="ja-JP" sz="3600" i="1">
+                                      <a:latin typeface="Cambria Math" panose="02040503050406030204" pitchFamily="18" charset="0"/>
+                                    </a:rPr>
+                                  </m:ctrlPr>
+                                </m:sSupPr>
+                                <m:e>
+                                  <m:r>
+                                    <a:rPr lang="en-US" altLang="ja-JP" sz="3600" i="1">
+                                      <a:latin typeface="Cambria Math" panose="02040503050406030204" pitchFamily="18" charset="0"/>
+                                    </a:rPr>
+                                    <m:t>𝑃</m:t>
+                                  </m:r>
+                                </m:e>
+                                <m:sup>
+                                  <m:r>
+                                    <a:rPr lang="en-US" altLang="ja-JP" sz="3600" i="1">
+                                      <a:latin typeface="Cambria Math" panose="02040503050406030204" pitchFamily="18" charset="0"/>
+                                    </a:rPr>
+                                    <m:t>−1</m:t>
+                                  </m:r>
+                                </m:sup>
+                              </m:sSup>
+                              <m:r>
+                                <a:rPr lang="en-US" altLang="ja-JP" sz="3600" i="1">
+                                  <a:latin typeface="Cambria Math" panose="02040503050406030204" pitchFamily="18" charset="0"/>
+                                </a:rPr>
+                                <m:t>𝐴𝑃</m:t>
+                              </m:r>
+                            </m:e>
+                          </m:d>
+                        </m:e>
+                        <m:sup>
+                          <m:r>
+                            <a:rPr lang="en-US" altLang="ja-JP" sz="3600" i="1">
+                              <a:latin typeface="Cambria Math" panose="02040503050406030204" pitchFamily="18" charset="0"/>
+                            </a:rPr>
+                            <m:t>𝑡</m:t>
+                          </m:r>
+                        </m:sup>
+                      </m:sSup>
+                    </m:oMath>
+                  </m:oMathPara>
+                </a14:m>
+                <a:endParaRPr kumimoji="1" lang="ja-JP" altLang="en-US" sz="3600"/>
+              </a:p>
+            </p:txBody>
+          </p:sp>
+        </mc:Choice>
+        <mc:Fallback>
+          <p:sp>
+            <p:nvSpPr>
+              <p:cNvPr id="10" name="テキスト ボックス 9">
+                <a:extLst>
+                  <a:ext uri="{FF2B5EF4-FFF2-40B4-BE49-F238E27FC236}">
+                    <a16:creationId xmlns:a16="http://schemas.microsoft.com/office/drawing/2014/main" id="{DB814AFD-044E-E077-9D7B-F8C1EBC83556}"/>
+                  </a:ext>
+                </a:extLst>
+              </p:cNvPr>
+              <p:cNvSpPr txBox="1">
+                <a:spLocks noRot="1" noChangeAspect="1" noMove="1" noResize="1" noEditPoints="1" noAdjustHandles="1" noChangeArrowheads="1" noChangeShapeType="1" noTextEdit="1"/>
+              </p:cNvSpPr>
+              <p:nvPr/>
+            </p:nvSpPr>
+            <p:spPr>
+              <a:xfrm>
+                <a:off x="2120142" y="4208152"/>
+                <a:ext cx="3219343" cy="553998"/>
+              </a:xfrm>
+              <a:prstGeom prst="rect">
+                <a:avLst/>
+              </a:prstGeom>
+              <a:blipFill>
+                <a:blip r:embed="rId5"/>
+                <a:stretch>
+                  <a:fillRect l="-2756" b="-9091"/>
+                </a:stretch>
+              </a:blipFill>
+            </p:spPr>
+            <p:txBody>
+              <a:bodyPr/>
+              <a:lstStyle/>
+              <a:p>
+                <a:r>
+                  <a:rPr lang="ja-JP" altLang="en-US">
+                    <a:noFill/>
+                  </a:rPr>
+                  <a:t> </a:t>
+                </a:r>
+              </a:p>
+            </p:txBody>
+          </p:sp>
+        </mc:Fallback>
+      </mc:AlternateContent>
+      <mc:AlternateContent xmlns:mc="http://schemas.openxmlformats.org/markup-compatibility/2006">
+        <mc:Choice xmlns:a14="http://schemas.microsoft.com/office/drawing/2010/main" Requires="a14">
+          <p:sp>
+            <p:nvSpPr>
+              <p:cNvPr id="12" name="テキスト ボックス 11">
+                <a:extLst>
+                  <a:ext uri="{FF2B5EF4-FFF2-40B4-BE49-F238E27FC236}">
+                    <a16:creationId xmlns:a16="http://schemas.microsoft.com/office/drawing/2014/main" id="{0F1EBA6C-81B0-107C-EE39-C20EFBE65932}"/>
+                  </a:ext>
+                </a:extLst>
+              </p:cNvPr>
+              <p:cNvSpPr txBox="1"/>
+              <p:nvPr/>
+            </p:nvSpPr>
+            <p:spPr>
+              <a:xfrm>
+                <a:off x="2743854" y="4803034"/>
+                <a:ext cx="4572000" cy="646331"/>
+              </a:xfrm>
+              <a:prstGeom prst="rect">
+                <a:avLst/>
+              </a:prstGeom>
+              <a:noFill/>
+            </p:spPr>
+            <p:txBody>
+              <a:bodyPr wrap="square">
+                <a:spAutoFit/>
+              </a:bodyPr>
+              <a:lstStyle/>
+              <a:p>
+                <a:pPr/>
+                <a14:m>
+                  <m:oMathPara xmlns:m="http://schemas.openxmlformats.org/officeDocument/2006/math">
+                    <m:oMathParaPr>
+                      <m:jc m:val="centerGroup"/>
+                    </m:oMathParaPr>
+                    <m:oMath xmlns:m="http://schemas.openxmlformats.org/officeDocument/2006/math">
+                      <m:r>
+                        <a:rPr kumimoji="1" lang="en-US" altLang="ja-JP" sz="3600" b="0" i="1" smtClean="0">
+                          <a:latin typeface="Cambria Math" panose="02040503050406030204" pitchFamily="18" charset="0"/>
+                        </a:rPr>
+                        <m:t>=</m:t>
+                      </m:r>
+                      <m:sSup>
+                        <m:sSupPr>
+                          <m:ctrlPr>
+                            <a:rPr kumimoji="1" lang="en-US" altLang="ja-JP" sz="3600" b="0" i="1" smtClean="0">
+                              <a:latin typeface="Cambria Math" panose="02040503050406030204" pitchFamily="18" charset="0"/>
+                            </a:rPr>
+                          </m:ctrlPr>
+                        </m:sSupPr>
+                        <m:e>
+                          <m:r>
+                            <a:rPr kumimoji="1" lang="en-US" altLang="ja-JP" sz="3600" b="0" i="1" smtClean="0">
+                              <a:latin typeface="Cambria Math" panose="02040503050406030204" pitchFamily="18" charset="0"/>
+                            </a:rPr>
+                            <m:t>𝑃</m:t>
+                          </m:r>
+                        </m:e>
+                        <m:sup>
+                          <m:r>
+                            <a:rPr kumimoji="1" lang="en-US" altLang="ja-JP" sz="3600" b="0" i="1" smtClean="0">
+                              <a:latin typeface="Cambria Math" panose="02040503050406030204" pitchFamily="18" charset="0"/>
+                            </a:rPr>
+                            <m:t>−1</m:t>
+                          </m:r>
+                        </m:sup>
+                      </m:sSup>
+                      <m:r>
+                        <a:rPr kumimoji="1" lang="en-US" altLang="ja-JP" sz="3600" b="0" i="1" smtClean="0">
+                          <a:latin typeface="Cambria Math" panose="02040503050406030204" pitchFamily="18" charset="0"/>
+                        </a:rPr>
+                        <m:t>𝐴𝑃</m:t>
+                      </m:r>
+                      <m:sSup>
+                        <m:sSupPr>
+                          <m:ctrlPr>
+                            <a:rPr kumimoji="1" lang="en-US" altLang="ja-JP" sz="3600" b="0" i="1" smtClean="0">
+                              <a:latin typeface="Cambria Math" panose="02040503050406030204" pitchFamily="18" charset="0"/>
+                            </a:rPr>
+                          </m:ctrlPr>
+                        </m:sSupPr>
+                        <m:e>
+                          <m:r>
+                            <a:rPr kumimoji="1" lang="en-US" altLang="ja-JP" sz="3600" b="0" i="1" smtClean="0">
+                              <a:latin typeface="Cambria Math" panose="02040503050406030204" pitchFamily="18" charset="0"/>
+                            </a:rPr>
+                            <m:t>𝑃</m:t>
+                          </m:r>
+                        </m:e>
+                        <m:sup>
+                          <m:r>
+                            <a:rPr kumimoji="1" lang="en-US" altLang="ja-JP" sz="3600" b="0" i="1" smtClean="0">
+                              <a:latin typeface="Cambria Math" panose="02040503050406030204" pitchFamily="18" charset="0"/>
+                            </a:rPr>
+                            <m:t>−1</m:t>
+                          </m:r>
+                        </m:sup>
+                      </m:sSup>
+                      <m:r>
+                        <a:rPr kumimoji="1" lang="en-US" altLang="ja-JP" sz="3600" b="0" i="1" smtClean="0">
+                          <a:latin typeface="Cambria Math" panose="02040503050406030204" pitchFamily="18" charset="0"/>
+                        </a:rPr>
+                        <m:t>𝐴𝑃</m:t>
+                      </m:r>
+                      <m:r>
+                        <a:rPr kumimoji="1" lang="en-US" altLang="ja-JP" sz="3600" b="0" i="1" smtClean="0">
+                          <a:latin typeface="Cambria Math" panose="02040503050406030204" pitchFamily="18" charset="0"/>
+                        </a:rPr>
+                        <m:t>…</m:t>
+                      </m:r>
+                      <m:r>
+                        <a:rPr kumimoji="1" lang="en-US" altLang="ja-JP" sz="3600" b="0" i="1" smtClean="0">
+                          <a:latin typeface="Cambria Math" panose="02040503050406030204" pitchFamily="18" charset="0"/>
+                        </a:rPr>
+                        <m:t>𝐴𝑃</m:t>
+                      </m:r>
+                    </m:oMath>
+                  </m:oMathPara>
+                </a14:m>
+                <a:endParaRPr lang="ja-JP" altLang="en-US" sz="3600"/>
+              </a:p>
+            </p:txBody>
+          </p:sp>
+        </mc:Choice>
+        <mc:Fallback>
+          <p:sp>
+            <p:nvSpPr>
+              <p:cNvPr id="12" name="テキスト ボックス 11">
+                <a:extLst>
+                  <a:ext uri="{FF2B5EF4-FFF2-40B4-BE49-F238E27FC236}">
+                    <a16:creationId xmlns:a16="http://schemas.microsoft.com/office/drawing/2014/main" id="{0F1EBA6C-81B0-107C-EE39-C20EFBE65932}"/>
+                  </a:ext>
+                </a:extLst>
+              </p:cNvPr>
+              <p:cNvSpPr txBox="1">
+                <a:spLocks noRot="1" noChangeAspect="1" noMove="1" noResize="1" noEditPoints="1" noAdjustHandles="1" noChangeArrowheads="1" noChangeShapeType="1" noTextEdit="1"/>
+              </p:cNvSpPr>
+              <p:nvPr/>
+            </p:nvSpPr>
+            <p:spPr>
+              <a:xfrm>
+                <a:off x="2743854" y="4803034"/>
+                <a:ext cx="4572000" cy="646331"/>
+              </a:xfrm>
+              <a:prstGeom prst="rect">
+                <a:avLst/>
+              </a:prstGeom>
+              <a:blipFill>
+                <a:blip r:embed="rId6"/>
+                <a:stretch>
+                  <a:fillRect/>
+                </a:stretch>
+              </a:blipFill>
+            </p:spPr>
+            <p:txBody>
+              <a:bodyPr/>
+              <a:lstStyle/>
+              <a:p>
+                <a:r>
+                  <a:rPr lang="ja-JP" altLang="en-US">
+                    <a:noFill/>
+                  </a:rPr>
+                  <a:t> </a:t>
+                </a:r>
+              </a:p>
+            </p:txBody>
+          </p:sp>
+        </mc:Fallback>
+      </mc:AlternateContent>
+      <mc:AlternateContent xmlns:mc="http://schemas.openxmlformats.org/markup-compatibility/2006">
+        <mc:Choice xmlns:a14="http://schemas.microsoft.com/office/drawing/2010/main" Requires="a14">
+          <p:sp>
+            <p:nvSpPr>
+              <p:cNvPr id="13" name="テキスト ボックス 12">
+                <a:extLst>
+                  <a:ext uri="{FF2B5EF4-FFF2-40B4-BE49-F238E27FC236}">
+                    <a16:creationId xmlns:a16="http://schemas.microsoft.com/office/drawing/2014/main" id="{4AB2EA28-A3A1-8CA6-F77C-8FEE171A10B3}"/>
+                  </a:ext>
+                </a:extLst>
+              </p:cNvPr>
+              <p:cNvSpPr txBox="1"/>
+              <p:nvPr/>
+            </p:nvSpPr>
+            <p:spPr>
+              <a:xfrm>
+                <a:off x="1619672" y="5385194"/>
+                <a:ext cx="4572000" cy="646331"/>
+              </a:xfrm>
+              <a:prstGeom prst="rect">
+                <a:avLst/>
+              </a:prstGeom>
+              <a:noFill/>
+            </p:spPr>
+            <p:txBody>
+              <a:bodyPr wrap="square">
+                <a:spAutoFit/>
+              </a:bodyPr>
+              <a:lstStyle/>
+              <a:p>
+                <a:pPr/>
+                <a14:m>
+                  <m:oMathPara xmlns:m="http://schemas.openxmlformats.org/officeDocument/2006/math">
+                    <m:oMathParaPr>
+                      <m:jc m:val="centerGroup"/>
+                    </m:oMathParaPr>
+                    <m:oMath xmlns:m="http://schemas.openxmlformats.org/officeDocument/2006/math">
+                      <m:r>
+                        <a:rPr kumimoji="1" lang="en-US" altLang="ja-JP" sz="3600" b="0" i="1" smtClean="0">
+                          <a:latin typeface="Cambria Math" panose="02040503050406030204" pitchFamily="18" charset="0"/>
+                        </a:rPr>
+                        <m:t>=</m:t>
+                      </m:r>
+                      <m:sSup>
+                        <m:sSupPr>
+                          <m:ctrlPr>
+                            <a:rPr kumimoji="1" lang="en-US" altLang="ja-JP" sz="3600" b="0" i="1" smtClean="0">
+                              <a:latin typeface="Cambria Math" panose="02040503050406030204" pitchFamily="18" charset="0"/>
+                            </a:rPr>
+                          </m:ctrlPr>
+                        </m:sSupPr>
+                        <m:e>
+                          <m:r>
+                            <a:rPr kumimoji="1" lang="en-US" altLang="ja-JP" sz="3600" b="0" i="1" smtClean="0">
+                              <a:latin typeface="Cambria Math" panose="02040503050406030204" pitchFamily="18" charset="0"/>
+                            </a:rPr>
+                            <m:t>𝑃</m:t>
+                          </m:r>
+                        </m:e>
+                        <m:sup>
+                          <m:r>
+                            <a:rPr kumimoji="1" lang="en-US" altLang="ja-JP" sz="3600" b="0" i="1" smtClean="0">
+                              <a:latin typeface="Cambria Math" panose="02040503050406030204" pitchFamily="18" charset="0"/>
+                            </a:rPr>
+                            <m:t>−1</m:t>
+                          </m:r>
+                        </m:sup>
+                      </m:sSup>
+                      <m:sSup>
+                        <m:sSupPr>
+                          <m:ctrlPr>
+                            <a:rPr kumimoji="1" lang="en-US" altLang="ja-JP" sz="3600" b="0" i="1" smtClean="0">
+                              <a:latin typeface="Cambria Math" panose="02040503050406030204" pitchFamily="18" charset="0"/>
+                            </a:rPr>
+                          </m:ctrlPr>
+                        </m:sSupPr>
+                        <m:e>
+                          <m:r>
+                            <a:rPr kumimoji="1" lang="en-US" altLang="ja-JP" sz="3600" b="0" i="1" smtClean="0">
+                              <a:latin typeface="Cambria Math" panose="02040503050406030204" pitchFamily="18" charset="0"/>
+                            </a:rPr>
+                            <m:t>𝐴</m:t>
+                          </m:r>
+                        </m:e>
+                        <m:sup>
+                          <m:r>
+                            <a:rPr kumimoji="1" lang="en-US" altLang="ja-JP" sz="3600" b="0" i="1" smtClean="0">
+                              <a:latin typeface="Cambria Math" panose="02040503050406030204" pitchFamily="18" charset="0"/>
+                            </a:rPr>
+                            <m:t>𝑡</m:t>
+                          </m:r>
+                        </m:sup>
+                      </m:sSup>
+                      <m:r>
+                        <a:rPr kumimoji="1" lang="en-US" altLang="ja-JP" sz="3600" b="0" i="1" smtClean="0">
+                          <a:latin typeface="Cambria Math" panose="02040503050406030204" pitchFamily="18" charset="0"/>
+                        </a:rPr>
+                        <m:t>𝑃</m:t>
+                      </m:r>
+                    </m:oMath>
+                  </m:oMathPara>
+                </a14:m>
+                <a:endParaRPr lang="ja-JP" altLang="en-US" sz="3600"/>
+              </a:p>
+            </p:txBody>
+          </p:sp>
+        </mc:Choice>
+        <mc:Fallback>
+          <p:sp>
+            <p:nvSpPr>
+              <p:cNvPr id="13" name="テキスト ボックス 12">
+                <a:extLst>
+                  <a:ext uri="{FF2B5EF4-FFF2-40B4-BE49-F238E27FC236}">
+                    <a16:creationId xmlns:a16="http://schemas.microsoft.com/office/drawing/2014/main" id="{4AB2EA28-A3A1-8CA6-F77C-8FEE171A10B3}"/>
+                  </a:ext>
+                </a:extLst>
+              </p:cNvPr>
+              <p:cNvSpPr txBox="1">
+                <a:spLocks noRot="1" noChangeAspect="1" noMove="1" noResize="1" noEditPoints="1" noAdjustHandles="1" noChangeArrowheads="1" noChangeShapeType="1" noTextEdit="1"/>
+              </p:cNvSpPr>
+              <p:nvPr/>
+            </p:nvSpPr>
+            <p:spPr>
+              <a:xfrm>
+                <a:off x="1619672" y="5385194"/>
+                <a:ext cx="4572000" cy="646331"/>
+              </a:xfrm>
+              <a:prstGeom prst="rect">
+                <a:avLst/>
+              </a:prstGeom>
+              <a:blipFill>
+                <a:blip r:embed="rId7"/>
+                <a:stretch>
+                  <a:fillRect/>
+                </a:stretch>
+              </a:blipFill>
+            </p:spPr>
+            <p:txBody>
+              <a:bodyPr/>
+              <a:lstStyle/>
+              <a:p>
+                <a:r>
+                  <a:rPr lang="ja-JP" altLang="en-US">
+                    <a:noFill/>
+                  </a:rPr>
+                  <a:t> </a:t>
+                </a:r>
+              </a:p>
+            </p:txBody>
+          </p:sp>
+        </mc:Fallback>
+      </mc:AlternateContent>
     </p:spTree>
     <p:extLst>
       <p:ext uri="{BB962C8B-B14F-4D97-AF65-F5344CB8AC3E}">
@@ -1887,6 +2573,7885 @@
 </file>
 
 <file path=ppt/slides/slide11.xml><?xml version="1.0" encoding="utf-8"?>
+<p:sld xmlns:a="http://schemas.openxmlformats.org/drawingml/2006/main" xmlns:r="http://schemas.openxmlformats.org/officeDocument/2006/relationships" xmlns:p="http://schemas.openxmlformats.org/presentationml/2006/main">
+  <p:cSld>
+    <p:spTree>
+      <p:nvGrpSpPr>
+        <p:cNvPr id="1" name=""/>
+        <p:cNvGrpSpPr/>
+        <p:nvPr/>
+      </p:nvGrpSpPr>
+      <p:grpSpPr>
+        <a:xfrm>
+          <a:off x="0" y="0"/>
+          <a:ext cx="0" cy="0"/>
+          <a:chOff x="0" y="0"/>
+          <a:chExt cx="0" cy="0"/>
+        </a:xfrm>
+      </p:grpSpPr>
+      <p:sp>
+        <p:nvSpPr>
+          <p:cNvPr id="2" name="テキスト プレースホルダー 1">
+            <a:extLst>
+              <a:ext uri="{FF2B5EF4-FFF2-40B4-BE49-F238E27FC236}">
+                <a16:creationId xmlns:a16="http://schemas.microsoft.com/office/drawing/2014/main" id="{F59B89B0-AB4D-E7CD-2F87-15813429BFAF}"/>
+              </a:ext>
+            </a:extLst>
+          </p:cNvPr>
+          <p:cNvSpPr>
+            <a:spLocks noGrp="1"/>
+          </p:cNvSpPr>
+          <p:nvPr>
+            <p:ph type="body" sz="quarter" idx="10"/>
+          </p:nvPr>
+        </p:nvSpPr>
+        <p:spPr/>
+        <p:txBody>
+          <a:bodyPr/>
+          <a:lstStyle/>
+          <a:p>
+            <a:r>
+              <a:rPr kumimoji="1" lang="ja-JP" altLang="en-US"/>
+              <a:t>マルコフ行列</a:t>
+            </a:r>
+          </a:p>
+        </p:txBody>
+      </p:sp>
+      <p:sp>
+        <p:nvSpPr>
+          <p:cNvPr id="4" name="テキスト ボックス 3">
+            <a:extLst>
+              <a:ext uri="{FF2B5EF4-FFF2-40B4-BE49-F238E27FC236}">
+                <a16:creationId xmlns:a16="http://schemas.microsoft.com/office/drawing/2014/main" id="{E61976F1-AD6F-56A6-27E6-F979BA76424D}"/>
+              </a:ext>
+            </a:extLst>
+          </p:cNvPr>
+          <p:cNvSpPr txBox="1"/>
+          <p:nvPr/>
+        </p:nvSpPr>
+        <p:spPr>
+          <a:xfrm>
+            <a:off x="324851" y="994626"/>
+            <a:ext cx="7632848" cy="400110"/>
+          </a:xfrm>
+          <a:prstGeom prst="rect">
+            <a:avLst/>
+          </a:prstGeom>
+          <a:noFill/>
+        </p:spPr>
+        <p:txBody>
+          <a:bodyPr wrap="square">
+            <a:spAutoFit/>
+          </a:bodyPr>
+          <a:lstStyle/>
+          <a:p>
+            <a:r>
+              <a:rPr lang="ja-JP" altLang="en-US" sz="2000"/>
+              <a:t>十分に時間が経過したとき、各状態にいる確率</a:t>
+            </a:r>
+            <a:endParaRPr kumimoji="1" lang="ja-JP" altLang="en-US" sz="2000"/>
+          </a:p>
+        </p:txBody>
+      </p:sp>
+      <mc:AlternateContent xmlns:mc="http://schemas.openxmlformats.org/markup-compatibility/2006">
+        <mc:Choice xmlns:a14="http://schemas.microsoft.com/office/drawing/2010/main" Requires="a14">
+          <p:sp>
+            <p:nvSpPr>
+              <p:cNvPr id="5" name="テキスト ボックス 4">
+                <a:extLst>
+                  <a:ext uri="{FF2B5EF4-FFF2-40B4-BE49-F238E27FC236}">
+                    <a16:creationId xmlns:a16="http://schemas.microsoft.com/office/drawing/2014/main" id="{7ED29D57-0FBA-62AD-C388-1A5C98F3C197}"/>
+                  </a:ext>
+                </a:extLst>
+              </p:cNvPr>
+              <p:cNvSpPr txBox="1"/>
+              <p:nvPr/>
+            </p:nvSpPr>
+            <p:spPr>
+              <a:xfrm>
+                <a:off x="1575042" y="1577906"/>
+                <a:ext cx="2649250" cy="430887"/>
+              </a:xfrm>
+              <a:prstGeom prst="rect">
+                <a:avLst/>
+              </a:prstGeom>
+              <a:noFill/>
+            </p:spPr>
+            <p:txBody>
+              <a:bodyPr wrap="none" lIns="0" tIns="0" rIns="0" bIns="0" rtlCol="0">
+                <a:spAutoFit/>
+              </a:bodyPr>
+              <a:lstStyle/>
+              <a:p>
+                <a:pPr/>
+                <a14:m>
+                  <m:oMathPara xmlns:m="http://schemas.openxmlformats.org/officeDocument/2006/math">
+                    <m:oMathParaPr>
+                      <m:jc m:val="centerGroup"/>
+                    </m:oMathParaPr>
+                    <m:oMath xmlns:m="http://schemas.openxmlformats.org/officeDocument/2006/math">
+                      <m:acc>
+                        <m:accPr>
+                          <m:chr m:val="⃗"/>
+                          <m:ctrlPr>
+                            <a:rPr kumimoji="1" lang="en-US" altLang="ja-JP" sz="2800" b="0" i="1" smtClean="0">
+                              <a:latin typeface="Cambria Math" panose="02040503050406030204" pitchFamily="18" charset="0"/>
+                            </a:rPr>
+                          </m:ctrlPr>
+                        </m:accPr>
+                        <m:e>
+                          <m:r>
+                            <a:rPr kumimoji="1" lang="en-US" altLang="ja-JP" sz="2800" b="0" i="1" smtClean="0">
+                              <a:latin typeface="Cambria Math" panose="02040503050406030204" pitchFamily="18" charset="0"/>
+                            </a:rPr>
+                            <m:t>𝑝</m:t>
+                          </m:r>
+                        </m:e>
+                      </m:acc>
+                      <m:r>
+                        <a:rPr kumimoji="1" lang="en-US" altLang="ja-JP" sz="2800" b="0" i="1" smtClean="0">
+                          <a:latin typeface="Cambria Math" panose="02040503050406030204" pitchFamily="18" charset="0"/>
+                        </a:rPr>
+                        <m:t>(∞)</m:t>
+                      </m:r>
+                      <m:r>
+                        <a:rPr kumimoji="1" lang="en-US" altLang="ja-JP" sz="2800" b="0" i="1" smtClean="0">
+                          <a:latin typeface="Cambria Math" panose="02040503050406030204" pitchFamily="18" charset="0"/>
+                        </a:rPr>
+                        <m:t>=</m:t>
+                      </m:r>
+                      <m:sSup>
+                        <m:sSupPr>
+                          <m:ctrlPr>
+                            <a:rPr kumimoji="1" lang="en-US" altLang="ja-JP" sz="2800" b="0" i="1" smtClean="0">
+                              <a:latin typeface="Cambria Math" panose="02040503050406030204" pitchFamily="18" charset="0"/>
+                            </a:rPr>
+                          </m:ctrlPr>
+                        </m:sSupPr>
+                        <m:e>
+                          <m:r>
+                            <a:rPr kumimoji="1" lang="en-US" altLang="ja-JP" sz="2800" b="0" i="1" smtClean="0">
+                              <a:latin typeface="Cambria Math" panose="02040503050406030204" pitchFamily="18" charset="0"/>
+                            </a:rPr>
+                            <m:t>𝑀</m:t>
+                          </m:r>
+                        </m:e>
+                        <m:sup>
+                          <m:r>
+                            <a:rPr kumimoji="1" lang="en-US" altLang="ja-JP" sz="2800" b="0" i="1" smtClean="0">
+                              <a:latin typeface="Cambria Math" panose="02040503050406030204" pitchFamily="18" charset="0"/>
+                            </a:rPr>
+                            <m:t>∞</m:t>
+                          </m:r>
+                        </m:sup>
+                      </m:sSup>
+                      <m:acc>
+                        <m:accPr>
+                          <m:chr m:val="⃗"/>
+                          <m:ctrlPr>
+                            <a:rPr kumimoji="1" lang="en-US" altLang="ja-JP" sz="2800" b="0" i="1" smtClean="0">
+                              <a:latin typeface="Cambria Math" panose="02040503050406030204" pitchFamily="18" charset="0"/>
+                            </a:rPr>
+                          </m:ctrlPr>
+                        </m:accPr>
+                        <m:e>
+                          <m:r>
+                            <a:rPr kumimoji="1" lang="en-US" altLang="ja-JP" sz="2800" b="0" i="1" smtClean="0">
+                              <a:latin typeface="Cambria Math" panose="02040503050406030204" pitchFamily="18" charset="0"/>
+                            </a:rPr>
+                            <m:t>𝑝</m:t>
+                          </m:r>
+                        </m:e>
+                      </m:acc>
+                      <m:r>
+                        <a:rPr kumimoji="1" lang="en-US" altLang="ja-JP" sz="2800" b="0" i="1" smtClean="0">
+                          <a:latin typeface="Cambria Math" panose="02040503050406030204" pitchFamily="18" charset="0"/>
+                        </a:rPr>
+                        <m:t>(0)</m:t>
+                      </m:r>
+                    </m:oMath>
+                  </m:oMathPara>
+                </a14:m>
+                <a:endParaRPr kumimoji="1" lang="ja-JP" altLang="en-US" sz="2800"/>
+              </a:p>
+            </p:txBody>
+          </p:sp>
+        </mc:Choice>
+        <mc:Fallback>
+          <p:sp>
+            <p:nvSpPr>
+              <p:cNvPr id="5" name="テキスト ボックス 4">
+                <a:extLst>
+                  <a:ext uri="{FF2B5EF4-FFF2-40B4-BE49-F238E27FC236}">
+                    <a16:creationId xmlns:a16="http://schemas.microsoft.com/office/drawing/2014/main" id="{7ED29D57-0FBA-62AD-C388-1A5C98F3C197}"/>
+                  </a:ext>
+                </a:extLst>
+              </p:cNvPr>
+              <p:cNvSpPr txBox="1">
+                <a:spLocks noRot="1" noChangeAspect="1" noMove="1" noResize="1" noEditPoints="1" noAdjustHandles="1" noChangeArrowheads="1" noChangeShapeType="1" noTextEdit="1"/>
+              </p:cNvSpPr>
+              <p:nvPr/>
+            </p:nvSpPr>
+            <p:spPr>
+              <a:xfrm>
+                <a:off x="1575042" y="1577906"/>
+                <a:ext cx="2649250" cy="430887"/>
+              </a:xfrm>
+              <a:prstGeom prst="rect">
+                <a:avLst/>
+              </a:prstGeom>
+              <a:blipFill>
+                <a:blip r:embed="rId2"/>
+                <a:stretch>
+                  <a:fillRect l="-1905" t="-37143" r="-3810" b="-34286"/>
+                </a:stretch>
+              </a:blipFill>
+            </p:spPr>
+            <p:txBody>
+              <a:bodyPr/>
+              <a:lstStyle/>
+              <a:p>
+                <a:r>
+                  <a:rPr lang="ja-JP" altLang="en-US">
+                    <a:noFill/>
+                  </a:rPr>
+                  <a:t> </a:t>
+                </a:r>
+              </a:p>
+            </p:txBody>
+          </p:sp>
+        </mc:Fallback>
+      </mc:AlternateContent>
+      <p:sp>
+        <p:nvSpPr>
+          <p:cNvPr id="6" name="テキスト ボックス 5">
+            <a:extLst>
+              <a:ext uri="{FF2B5EF4-FFF2-40B4-BE49-F238E27FC236}">
+                <a16:creationId xmlns:a16="http://schemas.microsoft.com/office/drawing/2014/main" id="{1146958B-7AD1-30D8-012C-37CCDFB3EE1D}"/>
+              </a:ext>
+            </a:extLst>
+          </p:cNvPr>
+          <p:cNvSpPr txBox="1"/>
+          <p:nvPr/>
+        </p:nvSpPr>
+        <p:spPr>
+          <a:xfrm>
+            <a:off x="4240641" y="1555089"/>
+            <a:ext cx="1723549" cy="461665"/>
+          </a:xfrm>
+          <a:prstGeom prst="rect">
+            <a:avLst/>
+          </a:prstGeom>
+          <a:noFill/>
+        </p:spPr>
+        <p:txBody>
+          <a:bodyPr wrap="none" rtlCol="0">
+            <a:spAutoFit/>
+          </a:bodyPr>
+          <a:lstStyle/>
+          <a:p>
+            <a:r>
+              <a:rPr kumimoji="1" lang="ja-JP" altLang="en-US" sz="2400"/>
+              <a:t>を求めたい</a:t>
+            </a:r>
+          </a:p>
+        </p:txBody>
+      </p:sp>
+      <mc:AlternateContent xmlns:mc="http://schemas.openxmlformats.org/markup-compatibility/2006">
+        <mc:Choice xmlns:a14="http://schemas.microsoft.com/office/drawing/2010/main" Requires="a14">
+          <p:sp>
+            <p:nvSpPr>
+              <p:cNvPr id="8" name="テキスト ボックス 7">
+                <a:extLst>
+                  <a:ext uri="{FF2B5EF4-FFF2-40B4-BE49-F238E27FC236}">
+                    <a16:creationId xmlns:a16="http://schemas.microsoft.com/office/drawing/2014/main" id="{9A780C9F-1462-6AC8-12EA-80D4AB673ED3}"/>
+                  </a:ext>
+                </a:extLst>
+              </p:cNvPr>
+              <p:cNvSpPr txBox="1"/>
+              <p:nvPr/>
+            </p:nvSpPr>
+            <p:spPr>
+              <a:xfrm>
+                <a:off x="348705" y="2213590"/>
+                <a:ext cx="7288727" cy="400110"/>
+              </a:xfrm>
+              <a:prstGeom prst="rect">
+                <a:avLst/>
+              </a:prstGeom>
+              <a:noFill/>
+            </p:spPr>
+            <p:txBody>
+              <a:bodyPr wrap="none" rtlCol="0">
+                <a:spAutoFit/>
+              </a:bodyPr>
+              <a:lstStyle/>
+              <a:p>
+                <a:r>
+                  <a:rPr kumimoji="1" lang="ja-JP" altLang="en-US" sz="2000"/>
+                  <a:t>マルコフ行列の固有値を</a:t>
+                </a:r>
+                <a14:m>
+                  <m:oMath xmlns:m="http://schemas.openxmlformats.org/officeDocument/2006/math">
+                    <m:sSub>
+                      <m:sSubPr>
+                        <m:ctrlPr>
+                          <a:rPr kumimoji="1" lang="en-US" altLang="ja-JP" sz="2000" b="0" i="1" smtClean="0">
+                            <a:latin typeface="Cambria Math" panose="02040503050406030204" pitchFamily="18" charset="0"/>
+                          </a:rPr>
+                        </m:ctrlPr>
+                      </m:sSubPr>
+                      <m:e>
+                        <m:r>
+                          <a:rPr kumimoji="1" lang="en-US" altLang="ja-JP" sz="2000" b="0" i="1" smtClean="0">
+                            <a:latin typeface="Cambria Math" panose="02040503050406030204" pitchFamily="18" charset="0"/>
+                          </a:rPr>
+                          <m:t>𝜆</m:t>
+                        </m:r>
+                      </m:e>
+                      <m:sub>
+                        <m:r>
+                          <a:rPr kumimoji="1" lang="en-US" altLang="ja-JP" sz="2000" b="0" i="1" smtClean="0">
+                            <a:latin typeface="Cambria Math" panose="02040503050406030204" pitchFamily="18" charset="0"/>
+                          </a:rPr>
+                          <m:t>𝑖</m:t>
+                        </m:r>
+                      </m:sub>
+                    </m:sSub>
+                    <m:r>
+                      <a:rPr lang="ja-JP" altLang="en-US" sz="2000" i="1">
+                        <a:latin typeface="Cambria Math" panose="02040503050406030204" pitchFamily="18" charset="0"/>
+                      </a:rPr>
+                      <m:t>、</m:t>
+                    </m:r>
+                  </m:oMath>
+                </a14:m>
+                <a:r>
+                  <a:rPr kumimoji="1" lang="ja-JP" altLang="en-US" sz="2000"/>
+                  <a:t>対応する固有ベクトルを</a:t>
+                </a:r>
+                <a14:m>
+                  <m:oMath xmlns:m="http://schemas.openxmlformats.org/officeDocument/2006/math">
+                    <m:sSub>
+                      <m:sSubPr>
+                        <m:ctrlPr>
+                          <a:rPr kumimoji="1" lang="en-US" altLang="ja-JP" sz="2000" b="0" i="1" smtClean="0">
+                            <a:latin typeface="Cambria Math" panose="02040503050406030204" pitchFamily="18" charset="0"/>
+                          </a:rPr>
+                        </m:ctrlPr>
+                      </m:sSubPr>
+                      <m:e>
+                        <m:acc>
+                          <m:accPr>
+                            <m:chr m:val="⃗"/>
+                            <m:ctrlPr>
+                              <a:rPr kumimoji="1" lang="en-US" altLang="ja-JP" sz="2000" b="0" i="1" smtClean="0">
+                                <a:latin typeface="Cambria Math" panose="02040503050406030204" pitchFamily="18" charset="0"/>
+                              </a:rPr>
+                            </m:ctrlPr>
+                          </m:accPr>
+                          <m:e>
+                            <m:r>
+                              <a:rPr kumimoji="1" lang="en-US" altLang="ja-JP" sz="2000" b="0" i="1" smtClean="0">
+                                <a:latin typeface="Cambria Math" panose="02040503050406030204" pitchFamily="18" charset="0"/>
+                              </a:rPr>
+                              <m:t>𝑣</m:t>
+                            </m:r>
+                          </m:e>
+                        </m:acc>
+                      </m:e>
+                      <m:sub>
+                        <m:r>
+                          <a:rPr kumimoji="1" lang="en-US" altLang="ja-JP" sz="2000" b="0" i="1" smtClean="0">
+                            <a:latin typeface="Cambria Math" panose="02040503050406030204" pitchFamily="18" charset="0"/>
+                          </a:rPr>
+                          <m:t>𝑖</m:t>
+                        </m:r>
+                      </m:sub>
+                    </m:sSub>
+                  </m:oMath>
+                </a14:m>
+                <a:r>
+                  <a:rPr kumimoji="1" lang="ja-JP" altLang="en-US" sz="2000"/>
+                  <a:t>とする</a:t>
+                </a:r>
+              </a:p>
+            </p:txBody>
+          </p:sp>
+        </mc:Choice>
+        <mc:Fallback>
+          <p:sp>
+            <p:nvSpPr>
+              <p:cNvPr id="8" name="テキスト ボックス 7">
+                <a:extLst>
+                  <a:ext uri="{FF2B5EF4-FFF2-40B4-BE49-F238E27FC236}">
+                    <a16:creationId xmlns:a16="http://schemas.microsoft.com/office/drawing/2014/main" id="{9A780C9F-1462-6AC8-12EA-80D4AB673ED3}"/>
+                  </a:ext>
+                </a:extLst>
+              </p:cNvPr>
+              <p:cNvSpPr txBox="1">
+                <a:spLocks noRot="1" noChangeAspect="1" noMove="1" noResize="1" noEditPoints="1" noAdjustHandles="1" noChangeArrowheads="1" noChangeShapeType="1" noTextEdit="1"/>
+              </p:cNvSpPr>
+              <p:nvPr/>
+            </p:nvSpPr>
+            <p:spPr>
+              <a:xfrm>
+                <a:off x="348705" y="2213590"/>
+                <a:ext cx="7288727" cy="400110"/>
+              </a:xfrm>
+              <a:prstGeom prst="rect">
+                <a:avLst/>
+              </a:prstGeom>
+              <a:blipFill>
+                <a:blip r:embed="rId3"/>
+                <a:stretch>
+                  <a:fillRect l="-870" t="-15625" b="-25000"/>
+                </a:stretch>
+              </a:blipFill>
+            </p:spPr>
+            <p:txBody>
+              <a:bodyPr/>
+              <a:lstStyle/>
+              <a:p>
+                <a:r>
+                  <a:rPr lang="ja-JP" altLang="en-US">
+                    <a:noFill/>
+                  </a:rPr>
+                  <a:t> </a:t>
+                </a:r>
+              </a:p>
+            </p:txBody>
+          </p:sp>
+        </mc:Fallback>
+      </mc:AlternateContent>
+      <p:sp>
+        <p:nvSpPr>
+          <p:cNvPr id="16" name="テキスト ボックス 15">
+            <a:extLst>
+              <a:ext uri="{FF2B5EF4-FFF2-40B4-BE49-F238E27FC236}">
+                <a16:creationId xmlns:a16="http://schemas.microsoft.com/office/drawing/2014/main" id="{B85D22E3-74A5-D167-305A-AAEB1A8A61A1}"/>
+              </a:ext>
+            </a:extLst>
+          </p:cNvPr>
+          <p:cNvSpPr txBox="1"/>
+          <p:nvPr/>
+        </p:nvSpPr>
+        <p:spPr>
+          <a:xfrm>
+            <a:off x="357914" y="3409222"/>
+            <a:ext cx="6226384" cy="400110"/>
+          </a:xfrm>
+          <a:prstGeom prst="rect">
+            <a:avLst/>
+          </a:prstGeom>
+          <a:noFill/>
+        </p:spPr>
+        <p:txBody>
+          <a:bodyPr wrap="none" rtlCol="0">
+            <a:spAutoFit/>
+          </a:bodyPr>
+          <a:lstStyle/>
+          <a:p>
+            <a:r>
+              <a:rPr kumimoji="1" lang="ja-JP" altLang="en-US" sz="2000"/>
+              <a:t>マルコフ行列の最大固有値の絶対値は</a:t>
+            </a:r>
+            <a:r>
+              <a:rPr kumimoji="1" lang="en-US" altLang="ja-JP" sz="2000" dirty="0"/>
+              <a:t>1</a:t>
+            </a:r>
+            <a:r>
+              <a:rPr kumimoji="1" lang="ja-JP" altLang="en-US" sz="2000"/>
+              <a:t>であるから、</a:t>
+            </a:r>
+          </a:p>
+        </p:txBody>
+      </p:sp>
+      <mc:AlternateContent xmlns:mc="http://schemas.openxmlformats.org/markup-compatibility/2006">
+        <mc:Choice xmlns:a14="http://schemas.microsoft.com/office/drawing/2010/main" Requires="a14">
+          <p:sp>
+            <p:nvSpPr>
+              <p:cNvPr id="17" name="テキスト ボックス 16">
+                <a:extLst>
+                  <a:ext uri="{FF2B5EF4-FFF2-40B4-BE49-F238E27FC236}">
+                    <a16:creationId xmlns:a16="http://schemas.microsoft.com/office/drawing/2014/main" id="{9F006139-3AB2-2E15-2038-A7A6860C4542}"/>
+                  </a:ext>
+                </a:extLst>
+              </p:cNvPr>
+              <p:cNvSpPr txBox="1"/>
+              <p:nvPr/>
+            </p:nvSpPr>
+            <p:spPr>
+              <a:xfrm>
+                <a:off x="1043271" y="4016678"/>
+                <a:ext cx="2941318" cy="369332"/>
+              </a:xfrm>
+              <a:prstGeom prst="rect">
+                <a:avLst/>
+              </a:prstGeom>
+              <a:noFill/>
+            </p:spPr>
+            <p:txBody>
+              <a:bodyPr wrap="none" lIns="0" tIns="0" rIns="0" bIns="0" rtlCol="0">
+                <a:spAutoFit/>
+              </a:bodyPr>
+              <a:lstStyle/>
+              <a:p>
+                <a14:m>
+                  <m:oMathPara xmlns:m="http://schemas.openxmlformats.org/officeDocument/2006/math">
+                    <m:oMathParaPr>
+                      <m:jc m:val="centerGroup"/>
+                    </m:oMathParaPr>
+                    <m:oMath xmlns:m="http://schemas.openxmlformats.org/officeDocument/2006/math">
+                      <m:sSub>
+                        <m:sSubPr>
+                          <m:ctrlPr>
+                            <a:rPr kumimoji="1" lang="en-US" altLang="ja-JP" sz="2400" b="0" i="1" smtClean="0">
+                              <a:latin typeface="Cambria Math" panose="02040503050406030204" pitchFamily="18" charset="0"/>
+                            </a:rPr>
+                          </m:ctrlPr>
+                        </m:sSubPr>
+                        <m:e>
+                          <m:r>
+                            <a:rPr kumimoji="1" lang="en-US" altLang="ja-JP" sz="2400" b="0" i="1" smtClean="0">
+                              <a:latin typeface="Cambria Math" panose="02040503050406030204" pitchFamily="18" charset="0"/>
+                            </a:rPr>
+                            <m:t>1=|</m:t>
+                          </m:r>
+                          <m:r>
+                            <a:rPr kumimoji="1" lang="en-US" altLang="ja-JP" sz="2400" b="0" i="1" smtClean="0">
+                              <a:latin typeface="Cambria Math" panose="02040503050406030204" pitchFamily="18" charset="0"/>
+                            </a:rPr>
+                            <m:t>𝜆</m:t>
+                          </m:r>
+                        </m:e>
+                        <m:sub>
+                          <m:r>
+                            <a:rPr kumimoji="1" lang="en-US" altLang="ja-JP" sz="2400" b="0" i="1" smtClean="0">
+                              <a:latin typeface="Cambria Math" panose="02040503050406030204" pitchFamily="18" charset="0"/>
+                            </a:rPr>
+                            <m:t>1</m:t>
+                          </m:r>
+                        </m:sub>
+                      </m:sSub>
+                      <m:r>
+                        <a:rPr kumimoji="1" lang="en-US" altLang="ja-JP" sz="2400" b="0" i="1" smtClean="0">
+                          <a:latin typeface="Cambria Math" panose="02040503050406030204" pitchFamily="18" charset="0"/>
+                        </a:rPr>
+                        <m:t>|&gt;</m:t>
+                      </m:r>
+                      <m:d>
+                        <m:dPr>
+                          <m:begChr m:val="|"/>
+                          <m:endChr m:val="|"/>
+                          <m:ctrlPr>
+                            <a:rPr kumimoji="1" lang="en-US" altLang="ja-JP" sz="2400" b="0" i="1" smtClean="0">
+                              <a:latin typeface="Cambria Math" panose="02040503050406030204" pitchFamily="18" charset="0"/>
+                            </a:rPr>
+                          </m:ctrlPr>
+                        </m:dPr>
+                        <m:e>
+                          <m:sSub>
+                            <m:sSubPr>
+                              <m:ctrlPr>
+                                <a:rPr kumimoji="1" lang="en-US" altLang="ja-JP" sz="2400" b="0" i="1" smtClean="0">
+                                  <a:latin typeface="Cambria Math" panose="02040503050406030204" pitchFamily="18" charset="0"/>
+                                </a:rPr>
+                              </m:ctrlPr>
+                            </m:sSubPr>
+                            <m:e>
+                              <m:r>
+                                <a:rPr kumimoji="1" lang="en-US" altLang="ja-JP" sz="2400" b="0" i="1" smtClean="0">
+                                  <a:latin typeface="Cambria Math" panose="02040503050406030204" pitchFamily="18" charset="0"/>
+                                </a:rPr>
+                                <m:t>𝜆</m:t>
+                              </m:r>
+                            </m:e>
+                            <m:sub>
+                              <m:r>
+                                <a:rPr kumimoji="1" lang="en-US" altLang="ja-JP" sz="2400" b="0" i="1" smtClean="0">
+                                  <a:latin typeface="Cambria Math" panose="02040503050406030204" pitchFamily="18" charset="0"/>
+                                </a:rPr>
+                                <m:t>2</m:t>
+                              </m:r>
+                            </m:sub>
+                          </m:sSub>
+                        </m:e>
+                      </m:d>
+                      <m:r>
+                        <a:rPr kumimoji="1" lang="en-US" altLang="ja-JP" sz="2400" b="0" i="1" smtClean="0">
+                          <a:latin typeface="Cambria Math" panose="02040503050406030204" pitchFamily="18" charset="0"/>
+                        </a:rPr>
+                        <m:t>&gt;|</m:t>
+                      </m:r>
+                      <m:sSub>
+                        <m:sSubPr>
+                          <m:ctrlPr>
+                            <a:rPr kumimoji="1" lang="en-US" altLang="ja-JP" sz="2400" b="0" i="1" smtClean="0">
+                              <a:latin typeface="Cambria Math" panose="02040503050406030204" pitchFamily="18" charset="0"/>
+                            </a:rPr>
+                          </m:ctrlPr>
+                        </m:sSubPr>
+                        <m:e>
+                          <m:r>
+                            <a:rPr kumimoji="1" lang="en-US" altLang="ja-JP" sz="2400" b="0" i="1" smtClean="0">
+                              <a:latin typeface="Cambria Math" panose="02040503050406030204" pitchFamily="18" charset="0"/>
+                            </a:rPr>
+                            <m:t>𝜆</m:t>
+                          </m:r>
+                        </m:e>
+                        <m:sub>
+                          <m:r>
+                            <a:rPr kumimoji="1" lang="en-US" altLang="ja-JP" sz="2400" b="0" i="1" smtClean="0">
+                              <a:latin typeface="Cambria Math" panose="02040503050406030204" pitchFamily="18" charset="0"/>
+                            </a:rPr>
+                            <m:t>3</m:t>
+                          </m:r>
+                        </m:sub>
+                      </m:sSub>
+                      <m:r>
+                        <a:rPr kumimoji="1" lang="en-US" altLang="ja-JP" sz="2400" b="0" i="1" smtClean="0">
+                          <a:latin typeface="Cambria Math" panose="02040503050406030204" pitchFamily="18" charset="0"/>
+                        </a:rPr>
+                        <m:t>|</m:t>
+                      </m:r>
+                    </m:oMath>
+                  </m:oMathPara>
+                </a14:m>
+                <a:endParaRPr kumimoji="1" lang="ja-JP" altLang="en-US" sz="2400"/>
+              </a:p>
+            </p:txBody>
+          </p:sp>
+        </mc:Choice>
+        <mc:Fallback>
+          <p:sp>
+            <p:nvSpPr>
+              <p:cNvPr id="17" name="テキスト ボックス 16">
+                <a:extLst>
+                  <a:ext uri="{FF2B5EF4-FFF2-40B4-BE49-F238E27FC236}">
+                    <a16:creationId xmlns:a16="http://schemas.microsoft.com/office/drawing/2014/main" id="{9F006139-3AB2-2E15-2038-A7A6860C4542}"/>
+                  </a:ext>
+                </a:extLst>
+              </p:cNvPr>
+              <p:cNvSpPr txBox="1">
+                <a:spLocks noRot="1" noChangeAspect="1" noMove="1" noResize="1" noEditPoints="1" noAdjustHandles="1" noChangeArrowheads="1" noChangeShapeType="1" noTextEdit="1"/>
+              </p:cNvSpPr>
+              <p:nvPr/>
+            </p:nvSpPr>
+            <p:spPr>
+              <a:xfrm>
+                <a:off x="1043271" y="4016678"/>
+                <a:ext cx="2941318" cy="369332"/>
+              </a:xfrm>
+              <a:prstGeom prst="rect">
+                <a:avLst/>
+              </a:prstGeom>
+              <a:blipFill>
+                <a:blip r:embed="rId4"/>
+                <a:stretch>
+                  <a:fillRect l="-1724" r="-3017" b="-33333"/>
+                </a:stretch>
+              </a:blipFill>
+            </p:spPr>
+            <p:txBody>
+              <a:bodyPr/>
+              <a:lstStyle/>
+              <a:p>
+                <a:r>
+                  <a:rPr lang="ja-JP" altLang="en-US">
+                    <a:noFill/>
+                  </a:rPr>
+                  <a:t> </a:t>
+                </a:r>
+              </a:p>
+            </p:txBody>
+          </p:sp>
+        </mc:Fallback>
+      </mc:AlternateContent>
+      <p:sp>
+        <p:nvSpPr>
+          <p:cNvPr id="18" name="テキスト ボックス 17">
+            <a:extLst>
+              <a:ext uri="{FF2B5EF4-FFF2-40B4-BE49-F238E27FC236}">
+                <a16:creationId xmlns:a16="http://schemas.microsoft.com/office/drawing/2014/main" id="{684C9D50-96CE-5E30-D8DD-9543FA3CF12C}"/>
+              </a:ext>
+            </a:extLst>
+          </p:cNvPr>
+          <p:cNvSpPr txBox="1"/>
+          <p:nvPr/>
+        </p:nvSpPr>
+        <p:spPr>
+          <a:xfrm>
+            <a:off x="4002452" y="4029225"/>
+            <a:ext cx="1210588" cy="400110"/>
+          </a:xfrm>
+          <a:prstGeom prst="rect">
+            <a:avLst/>
+          </a:prstGeom>
+          <a:noFill/>
+        </p:spPr>
+        <p:txBody>
+          <a:bodyPr wrap="none" rtlCol="0">
+            <a:spAutoFit/>
+          </a:bodyPr>
+          <a:lstStyle/>
+          <a:p>
+            <a:r>
+              <a:rPr kumimoji="1" lang="ja-JP" altLang="en-US" sz="2000"/>
+              <a:t>とすると</a:t>
+            </a:r>
+          </a:p>
+        </p:txBody>
+      </p:sp>
+      <mc:AlternateContent xmlns:mc="http://schemas.openxmlformats.org/markup-compatibility/2006">
+        <mc:Choice xmlns:a14="http://schemas.microsoft.com/office/drawing/2010/main" Requires="a14">
+          <p:sp>
+            <p:nvSpPr>
+              <p:cNvPr id="19" name="テキスト ボックス 18">
+                <a:extLst>
+                  <a:ext uri="{FF2B5EF4-FFF2-40B4-BE49-F238E27FC236}">
+                    <a16:creationId xmlns:a16="http://schemas.microsoft.com/office/drawing/2014/main" id="{05FF0BDC-48CF-15B5-9DA2-78055FEFD75E}"/>
+                  </a:ext>
+                </a:extLst>
+              </p:cNvPr>
+              <p:cNvSpPr txBox="1"/>
+              <p:nvPr/>
+            </p:nvSpPr>
+            <p:spPr>
+              <a:xfrm>
+                <a:off x="3192865" y="4612699"/>
+                <a:ext cx="1583447" cy="430887"/>
+              </a:xfrm>
+              <a:prstGeom prst="rect">
+                <a:avLst/>
+              </a:prstGeom>
+              <a:noFill/>
+            </p:spPr>
+            <p:txBody>
+              <a:bodyPr wrap="none" lIns="0" tIns="0" rIns="0" bIns="0" rtlCol="0">
+                <a:spAutoFit/>
+              </a:bodyPr>
+              <a:lstStyle/>
+              <a:p>
+                <a:pPr/>
+                <a14:m>
+                  <m:oMathPara xmlns:m="http://schemas.openxmlformats.org/officeDocument/2006/math">
+                    <m:oMathParaPr>
+                      <m:jc m:val="centerGroup"/>
+                    </m:oMathParaPr>
+                    <m:oMath xmlns:m="http://schemas.openxmlformats.org/officeDocument/2006/math">
+                      <m:r>
+                        <a:rPr kumimoji="1" lang="en-US" altLang="ja-JP" sz="2800" b="0" i="1" smtClean="0">
+                          <a:latin typeface="Cambria Math" panose="02040503050406030204" pitchFamily="18" charset="0"/>
+                        </a:rPr>
+                        <m:t>𝑀</m:t>
+                      </m:r>
+                      <m:sSub>
+                        <m:sSubPr>
+                          <m:ctrlPr>
+                            <a:rPr kumimoji="1" lang="en-US" altLang="ja-JP" sz="2800" b="0" i="1" smtClean="0">
+                              <a:latin typeface="Cambria Math" panose="02040503050406030204" pitchFamily="18" charset="0"/>
+                            </a:rPr>
+                          </m:ctrlPr>
+                        </m:sSubPr>
+                        <m:e>
+                          <m:acc>
+                            <m:accPr>
+                              <m:chr m:val="⃗"/>
+                              <m:ctrlPr>
+                                <a:rPr kumimoji="1" lang="en-US" altLang="ja-JP" sz="2800" b="0" i="1" smtClean="0">
+                                  <a:latin typeface="Cambria Math" panose="02040503050406030204" pitchFamily="18" charset="0"/>
+                                </a:rPr>
+                              </m:ctrlPr>
+                            </m:accPr>
+                            <m:e>
+                              <m:r>
+                                <a:rPr kumimoji="1" lang="en-US" altLang="ja-JP" sz="2800" b="0" i="1" smtClean="0">
+                                  <a:latin typeface="Cambria Math" panose="02040503050406030204" pitchFamily="18" charset="0"/>
+                                </a:rPr>
+                                <m:t>𝑣</m:t>
+                              </m:r>
+                            </m:e>
+                          </m:acc>
+                        </m:e>
+                        <m:sub>
+                          <m:r>
+                            <a:rPr kumimoji="1" lang="en-US" altLang="ja-JP" sz="2800" b="0" i="1" smtClean="0">
+                              <a:latin typeface="Cambria Math" panose="02040503050406030204" pitchFamily="18" charset="0"/>
+                            </a:rPr>
+                            <m:t>1</m:t>
+                          </m:r>
+                        </m:sub>
+                      </m:sSub>
+                      <m:r>
+                        <a:rPr kumimoji="1" lang="en-US" altLang="ja-JP" sz="2800" b="0" i="1" smtClean="0">
+                          <a:latin typeface="Cambria Math" panose="02040503050406030204" pitchFamily="18" charset="0"/>
+                        </a:rPr>
+                        <m:t>=</m:t>
+                      </m:r>
+                      <m:sSub>
+                        <m:sSubPr>
+                          <m:ctrlPr>
+                            <a:rPr kumimoji="1" lang="en-US" altLang="ja-JP" sz="2800" b="0" i="1" smtClean="0">
+                              <a:latin typeface="Cambria Math" panose="02040503050406030204" pitchFamily="18" charset="0"/>
+                            </a:rPr>
+                          </m:ctrlPr>
+                        </m:sSubPr>
+                        <m:e>
+                          <m:acc>
+                            <m:accPr>
+                              <m:chr m:val="⃗"/>
+                              <m:ctrlPr>
+                                <a:rPr kumimoji="1" lang="en-US" altLang="ja-JP" sz="2800" b="0" i="1" smtClean="0">
+                                  <a:latin typeface="Cambria Math" panose="02040503050406030204" pitchFamily="18" charset="0"/>
+                                </a:rPr>
+                              </m:ctrlPr>
+                            </m:accPr>
+                            <m:e>
+                              <m:r>
+                                <a:rPr kumimoji="1" lang="en-US" altLang="ja-JP" sz="2800" b="0" i="1" smtClean="0">
+                                  <a:latin typeface="Cambria Math" panose="02040503050406030204" pitchFamily="18" charset="0"/>
+                                </a:rPr>
+                                <m:t>𝑣</m:t>
+                              </m:r>
+                            </m:e>
+                          </m:acc>
+                        </m:e>
+                        <m:sub>
+                          <m:r>
+                            <a:rPr kumimoji="1" lang="en-US" altLang="ja-JP" sz="2800" b="0" i="1" smtClean="0">
+                              <a:latin typeface="Cambria Math" panose="02040503050406030204" pitchFamily="18" charset="0"/>
+                            </a:rPr>
+                            <m:t>1</m:t>
+                          </m:r>
+                        </m:sub>
+                      </m:sSub>
+                    </m:oMath>
+                  </m:oMathPara>
+                </a14:m>
+                <a:endParaRPr kumimoji="1" lang="ja-JP" altLang="en-US" sz="2800"/>
+              </a:p>
+            </p:txBody>
+          </p:sp>
+        </mc:Choice>
+        <mc:Fallback>
+          <p:sp>
+            <p:nvSpPr>
+              <p:cNvPr id="19" name="テキスト ボックス 18">
+                <a:extLst>
+                  <a:ext uri="{FF2B5EF4-FFF2-40B4-BE49-F238E27FC236}">
+                    <a16:creationId xmlns:a16="http://schemas.microsoft.com/office/drawing/2014/main" id="{05FF0BDC-48CF-15B5-9DA2-78055FEFD75E}"/>
+                  </a:ext>
+                </a:extLst>
+              </p:cNvPr>
+              <p:cNvSpPr txBox="1">
+                <a:spLocks noRot="1" noChangeAspect="1" noMove="1" noResize="1" noEditPoints="1" noAdjustHandles="1" noChangeArrowheads="1" noChangeShapeType="1" noTextEdit="1"/>
+              </p:cNvSpPr>
+              <p:nvPr/>
+            </p:nvSpPr>
+            <p:spPr>
+              <a:xfrm>
+                <a:off x="3192865" y="4612699"/>
+                <a:ext cx="1583447" cy="430887"/>
+              </a:xfrm>
+              <a:prstGeom prst="rect">
+                <a:avLst/>
+              </a:prstGeom>
+              <a:blipFill>
+                <a:blip r:embed="rId5"/>
+                <a:stretch>
+                  <a:fillRect l="-3968" t="-38235" r="-794" b="-17647"/>
+                </a:stretch>
+              </a:blipFill>
+            </p:spPr>
+            <p:txBody>
+              <a:bodyPr/>
+              <a:lstStyle/>
+              <a:p>
+                <a:r>
+                  <a:rPr lang="ja-JP" altLang="en-US">
+                    <a:noFill/>
+                  </a:rPr>
+                  <a:t> </a:t>
+                </a:r>
+              </a:p>
+            </p:txBody>
+          </p:sp>
+        </mc:Fallback>
+      </mc:AlternateContent>
+      <mc:AlternateContent xmlns:mc="http://schemas.openxmlformats.org/markup-compatibility/2006">
+        <mc:Choice xmlns:a14="http://schemas.microsoft.com/office/drawing/2010/main" Requires="a14">
+          <p:sp>
+            <p:nvSpPr>
+              <p:cNvPr id="20" name="テキスト ボックス 19">
+                <a:extLst>
+                  <a:ext uri="{FF2B5EF4-FFF2-40B4-BE49-F238E27FC236}">
+                    <a16:creationId xmlns:a16="http://schemas.microsoft.com/office/drawing/2014/main" id="{0604A016-D5F0-199C-345A-E62020148464}"/>
+                  </a:ext>
+                </a:extLst>
+              </p:cNvPr>
+              <p:cNvSpPr txBox="1"/>
+              <p:nvPr/>
+            </p:nvSpPr>
+            <p:spPr>
+              <a:xfrm>
+                <a:off x="3151896" y="2783717"/>
+                <a:ext cx="1797094" cy="430887"/>
+              </a:xfrm>
+              <a:prstGeom prst="rect">
+                <a:avLst/>
+              </a:prstGeom>
+              <a:noFill/>
+            </p:spPr>
+            <p:txBody>
+              <a:bodyPr wrap="none" lIns="0" tIns="0" rIns="0" bIns="0" rtlCol="0">
+                <a:spAutoFit/>
+              </a:bodyPr>
+              <a:lstStyle/>
+              <a:p>
+                <a:pPr/>
+                <a14:m>
+                  <m:oMathPara xmlns:m="http://schemas.openxmlformats.org/officeDocument/2006/math">
+                    <m:oMathParaPr>
+                      <m:jc m:val="centerGroup"/>
+                    </m:oMathParaPr>
+                    <m:oMath xmlns:m="http://schemas.openxmlformats.org/officeDocument/2006/math">
+                      <m:r>
+                        <a:rPr kumimoji="1" lang="en-US" altLang="ja-JP" sz="2800" b="0" i="1" smtClean="0">
+                          <a:latin typeface="Cambria Math" panose="02040503050406030204" pitchFamily="18" charset="0"/>
+                        </a:rPr>
+                        <m:t>𝑀</m:t>
+                      </m:r>
+                      <m:sSub>
+                        <m:sSubPr>
+                          <m:ctrlPr>
+                            <a:rPr kumimoji="1" lang="en-US" altLang="ja-JP" sz="2800" b="0" i="1" smtClean="0">
+                              <a:latin typeface="Cambria Math" panose="02040503050406030204" pitchFamily="18" charset="0"/>
+                            </a:rPr>
+                          </m:ctrlPr>
+                        </m:sSubPr>
+                        <m:e>
+                          <m:acc>
+                            <m:accPr>
+                              <m:chr m:val="⃗"/>
+                              <m:ctrlPr>
+                                <a:rPr kumimoji="1" lang="en-US" altLang="ja-JP" sz="2800" b="0" i="1" smtClean="0">
+                                  <a:latin typeface="Cambria Math" panose="02040503050406030204" pitchFamily="18" charset="0"/>
+                                </a:rPr>
+                              </m:ctrlPr>
+                            </m:accPr>
+                            <m:e>
+                              <m:r>
+                                <a:rPr kumimoji="1" lang="en-US" altLang="ja-JP" sz="2800" b="0" i="1" smtClean="0">
+                                  <a:latin typeface="Cambria Math" panose="02040503050406030204" pitchFamily="18" charset="0"/>
+                                </a:rPr>
+                                <m:t>𝑣</m:t>
+                              </m:r>
+                            </m:e>
+                          </m:acc>
+                        </m:e>
+                        <m:sub>
+                          <m:r>
+                            <a:rPr kumimoji="1" lang="en-US" altLang="ja-JP" sz="2800" b="0" i="1" smtClean="0">
+                              <a:latin typeface="Cambria Math" panose="02040503050406030204" pitchFamily="18" charset="0"/>
+                            </a:rPr>
+                            <m:t>𝑖</m:t>
+                          </m:r>
+                        </m:sub>
+                      </m:sSub>
+                      <m:r>
+                        <a:rPr kumimoji="1" lang="en-US" altLang="ja-JP" sz="2800" b="0" i="1" smtClean="0">
+                          <a:latin typeface="Cambria Math" panose="02040503050406030204" pitchFamily="18" charset="0"/>
+                        </a:rPr>
+                        <m:t>=</m:t>
+                      </m:r>
+                      <m:sSub>
+                        <m:sSubPr>
+                          <m:ctrlPr>
+                            <a:rPr kumimoji="1" lang="en-US" altLang="ja-JP" sz="2800" b="0" i="1" smtClean="0">
+                              <a:latin typeface="Cambria Math" panose="02040503050406030204" pitchFamily="18" charset="0"/>
+                            </a:rPr>
+                          </m:ctrlPr>
+                        </m:sSubPr>
+                        <m:e>
+                          <m:r>
+                            <a:rPr kumimoji="1" lang="en-US" altLang="ja-JP" sz="2800" b="0" i="1" smtClean="0">
+                              <a:latin typeface="Cambria Math" panose="02040503050406030204" pitchFamily="18" charset="0"/>
+                            </a:rPr>
+                            <m:t>𝜆</m:t>
+                          </m:r>
+                        </m:e>
+                        <m:sub>
+                          <m:r>
+                            <a:rPr kumimoji="1" lang="en-US" altLang="ja-JP" sz="2800" b="0" i="1" smtClean="0">
+                              <a:latin typeface="Cambria Math" panose="02040503050406030204" pitchFamily="18" charset="0"/>
+                            </a:rPr>
+                            <m:t>𝑖</m:t>
+                          </m:r>
+                        </m:sub>
+                      </m:sSub>
+                      <m:sSub>
+                        <m:sSubPr>
+                          <m:ctrlPr>
+                            <a:rPr kumimoji="1" lang="en-US" altLang="ja-JP" sz="2800" b="0" i="1" smtClean="0">
+                              <a:latin typeface="Cambria Math" panose="02040503050406030204" pitchFamily="18" charset="0"/>
+                            </a:rPr>
+                          </m:ctrlPr>
+                        </m:sSubPr>
+                        <m:e>
+                          <m:acc>
+                            <m:accPr>
+                              <m:chr m:val="⃗"/>
+                              <m:ctrlPr>
+                                <a:rPr kumimoji="1" lang="en-US" altLang="ja-JP" sz="2800" b="0" i="1" smtClean="0">
+                                  <a:latin typeface="Cambria Math" panose="02040503050406030204" pitchFamily="18" charset="0"/>
+                                </a:rPr>
+                              </m:ctrlPr>
+                            </m:accPr>
+                            <m:e>
+                              <m:r>
+                                <a:rPr kumimoji="1" lang="en-US" altLang="ja-JP" sz="2800" b="0" i="1" smtClean="0">
+                                  <a:latin typeface="Cambria Math" panose="02040503050406030204" pitchFamily="18" charset="0"/>
+                                </a:rPr>
+                                <m:t>𝑣</m:t>
+                              </m:r>
+                            </m:e>
+                          </m:acc>
+                        </m:e>
+                        <m:sub>
+                          <m:r>
+                            <a:rPr kumimoji="1" lang="en-US" altLang="ja-JP" sz="2800" b="0" i="1" smtClean="0">
+                              <a:latin typeface="Cambria Math" panose="02040503050406030204" pitchFamily="18" charset="0"/>
+                            </a:rPr>
+                            <m:t>𝑖</m:t>
+                          </m:r>
+                        </m:sub>
+                      </m:sSub>
+                    </m:oMath>
+                  </m:oMathPara>
+                </a14:m>
+                <a:endParaRPr kumimoji="1" lang="ja-JP" altLang="en-US" sz="2800"/>
+              </a:p>
+            </p:txBody>
+          </p:sp>
+        </mc:Choice>
+        <mc:Fallback>
+          <p:sp>
+            <p:nvSpPr>
+              <p:cNvPr id="20" name="テキスト ボックス 19">
+                <a:extLst>
+                  <a:ext uri="{FF2B5EF4-FFF2-40B4-BE49-F238E27FC236}">
+                    <a16:creationId xmlns:a16="http://schemas.microsoft.com/office/drawing/2014/main" id="{0604A016-D5F0-199C-345A-E62020148464}"/>
+                  </a:ext>
+                </a:extLst>
+              </p:cNvPr>
+              <p:cNvSpPr txBox="1">
+                <a:spLocks noRot="1" noChangeAspect="1" noMove="1" noResize="1" noEditPoints="1" noAdjustHandles="1" noChangeArrowheads="1" noChangeShapeType="1" noTextEdit="1"/>
+              </p:cNvSpPr>
+              <p:nvPr/>
+            </p:nvSpPr>
+            <p:spPr>
+              <a:xfrm>
+                <a:off x="3151896" y="2783717"/>
+                <a:ext cx="1797094" cy="430887"/>
+              </a:xfrm>
+              <a:prstGeom prst="rect">
+                <a:avLst/>
+              </a:prstGeom>
+              <a:blipFill>
+                <a:blip r:embed="rId6"/>
+                <a:stretch>
+                  <a:fillRect l="-4225" t="-38235" r="-704" b="-20588"/>
+                </a:stretch>
+              </a:blipFill>
+            </p:spPr>
+            <p:txBody>
+              <a:bodyPr/>
+              <a:lstStyle/>
+              <a:p>
+                <a:r>
+                  <a:rPr lang="ja-JP" altLang="en-US">
+                    <a:noFill/>
+                  </a:rPr>
+                  <a:t> </a:t>
+                </a:r>
+              </a:p>
+            </p:txBody>
+          </p:sp>
+        </mc:Fallback>
+      </mc:AlternateContent>
+      <p:sp>
+        <p:nvSpPr>
+          <p:cNvPr id="21" name="テキスト ボックス 20">
+            <a:extLst>
+              <a:ext uri="{FF2B5EF4-FFF2-40B4-BE49-F238E27FC236}">
+                <a16:creationId xmlns:a16="http://schemas.microsoft.com/office/drawing/2014/main" id="{CA2BA40E-476E-3B40-7230-BFE9783A5C52}"/>
+              </a:ext>
+            </a:extLst>
+          </p:cNvPr>
+          <p:cNvSpPr txBox="1"/>
+          <p:nvPr/>
+        </p:nvSpPr>
+        <p:spPr>
+          <a:xfrm>
+            <a:off x="557937" y="5161782"/>
+            <a:ext cx="3005951" cy="400110"/>
+          </a:xfrm>
+          <a:prstGeom prst="rect">
+            <a:avLst/>
+          </a:prstGeom>
+          <a:noFill/>
+        </p:spPr>
+        <p:txBody>
+          <a:bodyPr wrap="none" rtlCol="0">
+            <a:spAutoFit/>
+          </a:bodyPr>
+          <a:lstStyle/>
+          <a:p>
+            <a:r>
+              <a:rPr kumimoji="1" lang="ja-JP" altLang="en-US" sz="2000"/>
+              <a:t>定常状態が存在するなら</a:t>
+            </a:r>
+          </a:p>
+        </p:txBody>
+      </p:sp>
+      <mc:AlternateContent xmlns:mc="http://schemas.openxmlformats.org/markup-compatibility/2006">
+        <mc:Choice xmlns:a14="http://schemas.microsoft.com/office/drawing/2010/main" Requires="a14">
+          <p:sp>
+            <p:nvSpPr>
+              <p:cNvPr id="22" name="テキスト ボックス 21">
+                <a:extLst>
+                  <a:ext uri="{FF2B5EF4-FFF2-40B4-BE49-F238E27FC236}">
+                    <a16:creationId xmlns:a16="http://schemas.microsoft.com/office/drawing/2014/main" id="{C9243C2B-1E3B-1DC7-E2D0-9B881D8FFE48}"/>
+                  </a:ext>
+                </a:extLst>
+              </p:cNvPr>
+              <p:cNvSpPr txBox="1"/>
+              <p:nvPr/>
+            </p:nvSpPr>
+            <p:spPr>
+              <a:xfrm>
+                <a:off x="3563888" y="5064650"/>
+                <a:ext cx="2499722" cy="430887"/>
+              </a:xfrm>
+              <a:prstGeom prst="rect">
+                <a:avLst/>
+              </a:prstGeom>
+              <a:noFill/>
+            </p:spPr>
+            <p:txBody>
+              <a:bodyPr wrap="none" lIns="0" tIns="0" rIns="0" bIns="0" rtlCol="0">
+                <a:spAutoFit/>
+              </a:bodyPr>
+              <a:lstStyle/>
+              <a:p>
+                <a:pPr/>
+                <a14:m>
+                  <m:oMathPara xmlns:m="http://schemas.openxmlformats.org/officeDocument/2006/math">
+                    <m:oMathParaPr>
+                      <m:jc m:val="centerGroup"/>
+                    </m:oMathParaPr>
+                    <m:oMath xmlns:m="http://schemas.openxmlformats.org/officeDocument/2006/math">
+                      <m:acc>
+                        <m:accPr>
+                          <m:chr m:val="⃗"/>
+                          <m:ctrlPr>
+                            <a:rPr kumimoji="1" lang="en-US" altLang="ja-JP" sz="2800" b="0" i="1" smtClean="0">
+                              <a:latin typeface="Cambria Math" panose="02040503050406030204" pitchFamily="18" charset="0"/>
+                            </a:rPr>
+                          </m:ctrlPr>
+                        </m:accPr>
+                        <m:e>
+                          <m:r>
+                            <a:rPr kumimoji="1" lang="en-US" altLang="ja-JP" sz="2800" b="0" i="1" smtClean="0">
+                              <a:latin typeface="Cambria Math" panose="02040503050406030204" pitchFamily="18" charset="0"/>
+                            </a:rPr>
+                            <m:t>𝑝</m:t>
+                          </m:r>
+                        </m:e>
+                      </m:acc>
+                      <m:r>
+                        <a:rPr kumimoji="1" lang="en-US" altLang="ja-JP" sz="2800" b="0" i="1" smtClean="0">
+                          <a:latin typeface="Cambria Math" panose="02040503050406030204" pitchFamily="18" charset="0"/>
+                        </a:rPr>
+                        <m:t>(∞)</m:t>
+                      </m:r>
+                      <m:r>
+                        <a:rPr kumimoji="1" lang="en-US" altLang="ja-JP" sz="2800" b="0" i="1" smtClean="0">
+                          <a:latin typeface="Cambria Math" panose="02040503050406030204" pitchFamily="18" charset="0"/>
+                        </a:rPr>
+                        <m:t>=</m:t>
+                      </m:r>
+                      <m:r>
+                        <a:rPr kumimoji="1" lang="en-US" altLang="ja-JP" sz="2800" b="0" i="1" smtClean="0">
+                          <a:latin typeface="Cambria Math" panose="02040503050406030204" pitchFamily="18" charset="0"/>
+                        </a:rPr>
+                        <m:t>𝑀</m:t>
+                      </m:r>
+                      <m:acc>
+                        <m:accPr>
+                          <m:chr m:val="⃗"/>
+                          <m:ctrlPr>
+                            <a:rPr kumimoji="1" lang="en-US" altLang="ja-JP" sz="2800" b="0" i="1" smtClean="0">
+                              <a:latin typeface="Cambria Math" panose="02040503050406030204" pitchFamily="18" charset="0"/>
+                            </a:rPr>
+                          </m:ctrlPr>
+                        </m:accPr>
+                        <m:e>
+                          <m:r>
+                            <a:rPr kumimoji="1" lang="en-US" altLang="ja-JP" sz="2800" b="0" i="1" smtClean="0">
+                              <a:latin typeface="Cambria Math" panose="02040503050406030204" pitchFamily="18" charset="0"/>
+                            </a:rPr>
+                            <m:t>𝑝</m:t>
+                          </m:r>
+                        </m:e>
+                      </m:acc>
+                      <m:r>
+                        <a:rPr kumimoji="1" lang="en-US" altLang="ja-JP" sz="2800" b="0" i="1" smtClean="0">
+                          <a:latin typeface="Cambria Math" panose="02040503050406030204" pitchFamily="18" charset="0"/>
+                        </a:rPr>
+                        <m:t>(</m:t>
+                      </m:r>
+                      <m:r>
+                        <a:rPr kumimoji="1" lang="en-US" altLang="ja-JP" sz="2800" b="0" i="1" smtClean="0">
+                          <a:latin typeface="Cambria Math" panose="02040503050406030204" pitchFamily="18" charset="0"/>
+                        </a:rPr>
+                        <m:t>∞</m:t>
+                      </m:r>
+                      <m:r>
+                        <a:rPr kumimoji="1" lang="en-US" altLang="ja-JP" sz="2800" b="0" i="1" smtClean="0">
+                          <a:latin typeface="Cambria Math" panose="02040503050406030204" pitchFamily="18" charset="0"/>
+                        </a:rPr>
+                        <m:t>)</m:t>
+                      </m:r>
+                    </m:oMath>
+                  </m:oMathPara>
+                </a14:m>
+                <a:endParaRPr kumimoji="1" lang="ja-JP" altLang="en-US" sz="2800"/>
+              </a:p>
+            </p:txBody>
+          </p:sp>
+        </mc:Choice>
+        <mc:Fallback>
+          <p:sp>
+            <p:nvSpPr>
+              <p:cNvPr id="22" name="テキスト ボックス 21">
+                <a:extLst>
+                  <a:ext uri="{FF2B5EF4-FFF2-40B4-BE49-F238E27FC236}">
+                    <a16:creationId xmlns:a16="http://schemas.microsoft.com/office/drawing/2014/main" id="{C9243C2B-1E3B-1DC7-E2D0-9B881D8FFE48}"/>
+                  </a:ext>
+                </a:extLst>
+              </p:cNvPr>
+              <p:cNvSpPr txBox="1">
+                <a:spLocks noRot="1" noChangeAspect="1" noMove="1" noResize="1" noEditPoints="1" noAdjustHandles="1" noChangeArrowheads="1" noChangeShapeType="1" noTextEdit="1"/>
+              </p:cNvSpPr>
+              <p:nvPr/>
+            </p:nvSpPr>
+            <p:spPr>
+              <a:xfrm>
+                <a:off x="3563888" y="5064650"/>
+                <a:ext cx="2499722" cy="430887"/>
+              </a:xfrm>
+              <a:prstGeom prst="rect">
+                <a:avLst/>
+              </a:prstGeom>
+              <a:blipFill>
+                <a:blip r:embed="rId7"/>
+                <a:stretch>
+                  <a:fillRect l="-2525" t="-34286" r="-4040" b="-34286"/>
+                </a:stretch>
+              </a:blipFill>
+            </p:spPr>
+            <p:txBody>
+              <a:bodyPr/>
+              <a:lstStyle/>
+              <a:p>
+                <a:r>
+                  <a:rPr lang="ja-JP" altLang="en-US">
+                    <a:noFill/>
+                  </a:rPr>
+                  <a:t> </a:t>
+                </a:r>
+              </a:p>
+            </p:txBody>
+          </p:sp>
+        </mc:Fallback>
+      </mc:AlternateContent>
+      <p:sp>
+        <p:nvSpPr>
+          <p:cNvPr id="23" name="テキスト ボックス 22">
+            <a:extLst>
+              <a:ext uri="{FF2B5EF4-FFF2-40B4-BE49-F238E27FC236}">
+                <a16:creationId xmlns:a16="http://schemas.microsoft.com/office/drawing/2014/main" id="{FBB1981E-1178-6734-8BF3-CB85F50173EB}"/>
+              </a:ext>
+            </a:extLst>
+          </p:cNvPr>
+          <p:cNvSpPr txBox="1"/>
+          <p:nvPr/>
+        </p:nvSpPr>
+        <p:spPr>
+          <a:xfrm>
+            <a:off x="6028245" y="5095427"/>
+            <a:ext cx="1467068" cy="400110"/>
+          </a:xfrm>
+          <a:prstGeom prst="rect">
+            <a:avLst/>
+          </a:prstGeom>
+          <a:noFill/>
+        </p:spPr>
+        <p:txBody>
+          <a:bodyPr wrap="none" rtlCol="0">
+            <a:spAutoFit/>
+          </a:bodyPr>
+          <a:lstStyle/>
+          <a:p>
+            <a:r>
+              <a:rPr kumimoji="1" lang="ja-JP" altLang="en-US" sz="2000"/>
+              <a:t>であるから</a:t>
+            </a:r>
+          </a:p>
+        </p:txBody>
+      </p:sp>
+      <mc:AlternateContent xmlns:mc="http://schemas.openxmlformats.org/markup-compatibility/2006">
+        <mc:Choice xmlns:a14="http://schemas.microsoft.com/office/drawing/2010/main" Requires="a14">
+          <p:sp>
+            <p:nvSpPr>
+              <p:cNvPr id="24" name="テキスト ボックス 23">
+                <a:extLst>
+                  <a:ext uri="{FF2B5EF4-FFF2-40B4-BE49-F238E27FC236}">
+                    <a16:creationId xmlns:a16="http://schemas.microsoft.com/office/drawing/2014/main" id="{3195789C-1112-D750-A3D5-DC8EE6D86932}"/>
+                  </a:ext>
+                </a:extLst>
+              </p:cNvPr>
+              <p:cNvSpPr txBox="1"/>
+              <p:nvPr/>
+            </p:nvSpPr>
+            <p:spPr>
+              <a:xfrm>
+                <a:off x="3049685" y="5613733"/>
+                <a:ext cx="1726627" cy="430887"/>
+              </a:xfrm>
+              <a:prstGeom prst="rect">
+                <a:avLst/>
+              </a:prstGeom>
+              <a:noFill/>
+            </p:spPr>
+            <p:txBody>
+              <a:bodyPr wrap="none" lIns="0" tIns="0" rIns="0" bIns="0" rtlCol="0">
+                <a:spAutoFit/>
+              </a:bodyPr>
+              <a:lstStyle/>
+              <a:p>
+                <a:pPr/>
+                <a14:m>
+                  <m:oMathPara xmlns:m="http://schemas.openxmlformats.org/officeDocument/2006/math">
+                    <m:oMathParaPr>
+                      <m:jc m:val="centerGroup"/>
+                    </m:oMathParaPr>
+                    <m:oMath xmlns:m="http://schemas.openxmlformats.org/officeDocument/2006/math">
+                      <m:acc>
+                        <m:accPr>
+                          <m:chr m:val="⃗"/>
+                          <m:ctrlPr>
+                            <a:rPr kumimoji="1" lang="en-US" altLang="ja-JP" sz="2800" b="0" i="1" smtClean="0">
+                              <a:latin typeface="Cambria Math" panose="02040503050406030204" pitchFamily="18" charset="0"/>
+                            </a:rPr>
+                          </m:ctrlPr>
+                        </m:accPr>
+                        <m:e>
+                          <m:r>
+                            <a:rPr kumimoji="1" lang="en-US" altLang="ja-JP" sz="2800" b="0" i="1" smtClean="0">
+                              <a:latin typeface="Cambria Math" panose="02040503050406030204" pitchFamily="18" charset="0"/>
+                            </a:rPr>
+                            <m:t>𝑝</m:t>
+                          </m:r>
+                        </m:e>
+                      </m:acc>
+                      <m:r>
+                        <a:rPr kumimoji="1" lang="en-US" altLang="ja-JP" sz="2800" b="0" i="1" smtClean="0">
+                          <a:latin typeface="Cambria Math" panose="02040503050406030204" pitchFamily="18" charset="0"/>
+                        </a:rPr>
+                        <m:t>(∞)</m:t>
+                      </m:r>
+                      <m:r>
+                        <a:rPr kumimoji="1" lang="en-US" altLang="ja-JP" sz="2800" b="0" i="1" smtClean="0">
+                          <a:latin typeface="Cambria Math" panose="02040503050406030204" pitchFamily="18" charset="0"/>
+                        </a:rPr>
+                        <m:t>=</m:t>
+                      </m:r>
+                      <m:sSub>
+                        <m:sSubPr>
+                          <m:ctrlPr>
+                            <a:rPr kumimoji="1" lang="en-US" altLang="ja-JP" sz="2800" b="0" i="1" smtClean="0">
+                              <a:latin typeface="Cambria Math" panose="02040503050406030204" pitchFamily="18" charset="0"/>
+                            </a:rPr>
+                          </m:ctrlPr>
+                        </m:sSubPr>
+                        <m:e>
+                          <m:acc>
+                            <m:accPr>
+                              <m:chr m:val="⃗"/>
+                              <m:ctrlPr>
+                                <a:rPr kumimoji="1" lang="en-US" altLang="ja-JP" sz="2800" b="0" i="1" smtClean="0">
+                                  <a:latin typeface="Cambria Math" panose="02040503050406030204" pitchFamily="18" charset="0"/>
+                                </a:rPr>
+                              </m:ctrlPr>
+                            </m:accPr>
+                            <m:e>
+                              <m:r>
+                                <a:rPr kumimoji="1" lang="en-US" altLang="ja-JP" sz="2800" b="0" i="1" smtClean="0">
+                                  <a:latin typeface="Cambria Math" panose="02040503050406030204" pitchFamily="18" charset="0"/>
+                                </a:rPr>
+                                <m:t>𝑣</m:t>
+                              </m:r>
+                            </m:e>
+                          </m:acc>
+                        </m:e>
+                        <m:sub>
+                          <m:r>
+                            <a:rPr kumimoji="1" lang="en-US" altLang="ja-JP" sz="2800" b="0" i="1" smtClean="0">
+                              <a:latin typeface="Cambria Math" panose="02040503050406030204" pitchFamily="18" charset="0"/>
+                            </a:rPr>
+                            <m:t>1</m:t>
+                          </m:r>
+                        </m:sub>
+                      </m:sSub>
+                    </m:oMath>
+                  </m:oMathPara>
+                </a14:m>
+                <a:endParaRPr kumimoji="1" lang="ja-JP" altLang="en-US" sz="2800"/>
+              </a:p>
+            </p:txBody>
+          </p:sp>
+        </mc:Choice>
+        <mc:Fallback>
+          <p:sp>
+            <p:nvSpPr>
+              <p:cNvPr id="24" name="テキスト ボックス 23">
+                <a:extLst>
+                  <a:ext uri="{FF2B5EF4-FFF2-40B4-BE49-F238E27FC236}">
+                    <a16:creationId xmlns:a16="http://schemas.microsoft.com/office/drawing/2014/main" id="{3195789C-1112-D750-A3D5-DC8EE6D86932}"/>
+                  </a:ext>
+                </a:extLst>
+              </p:cNvPr>
+              <p:cNvSpPr txBox="1">
+                <a:spLocks noRot="1" noChangeAspect="1" noMove="1" noResize="1" noEditPoints="1" noAdjustHandles="1" noChangeArrowheads="1" noChangeShapeType="1" noTextEdit="1"/>
+              </p:cNvSpPr>
+              <p:nvPr/>
+            </p:nvSpPr>
+            <p:spPr>
+              <a:xfrm>
+                <a:off x="3049685" y="5613733"/>
+                <a:ext cx="1726627" cy="430887"/>
+              </a:xfrm>
+              <a:prstGeom prst="rect">
+                <a:avLst/>
+              </a:prstGeom>
+              <a:blipFill>
+                <a:blip r:embed="rId8"/>
+                <a:stretch>
+                  <a:fillRect l="-4380" t="-37143" r="-730" b="-34286"/>
+                </a:stretch>
+              </a:blipFill>
+            </p:spPr>
+            <p:txBody>
+              <a:bodyPr/>
+              <a:lstStyle/>
+              <a:p>
+                <a:r>
+                  <a:rPr lang="ja-JP" altLang="en-US">
+                    <a:noFill/>
+                  </a:rPr>
+                  <a:t> </a:t>
+                </a:r>
+              </a:p>
+            </p:txBody>
+          </p:sp>
+        </mc:Fallback>
+      </mc:AlternateContent>
+      <p:sp>
+        <p:nvSpPr>
+          <p:cNvPr id="25" name="テキスト ボックス 24">
+            <a:extLst>
+              <a:ext uri="{FF2B5EF4-FFF2-40B4-BE49-F238E27FC236}">
+                <a16:creationId xmlns:a16="http://schemas.microsoft.com/office/drawing/2014/main" id="{EA19FAA0-8321-55BF-DDC0-4C0028B26C60}"/>
+              </a:ext>
+            </a:extLst>
+          </p:cNvPr>
+          <p:cNvSpPr txBox="1"/>
+          <p:nvPr/>
+        </p:nvSpPr>
+        <p:spPr>
+          <a:xfrm>
+            <a:off x="848060" y="6192351"/>
+            <a:ext cx="7109639" cy="369332"/>
+          </a:xfrm>
+          <a:prstGeom prst="rect">
+            <a:avLst/>
+          </a:prstGeom>
+          <a:noFill/>
+        </p:spPr>
+        <p:txBody>
+          <a:bodyPr wrap="none" rtlCol="0">
+            <a:spAutoFit/>
+          </a:bodyPr>
+          <a:lstStyle/>
+          <a:p>
+            <a:r>
+              <a:rPr kumimoji="1" lang="ja-JP" altLang="en-US">
+                <a:solidFill>
+                  <a:srgbClr val="FF0000"/>
+                </a:solidFill>
+              </a:rPr>
+              <a:t>定常状態とは、マルコフ行列の最大固有値に対応する固有ベクトル</a:t>
+            </a:r>
+          </a:p>
+        </p:txBody>
+      </p:sp>
+    </p:spTree>
+    <p:extLst>
+      <p:ext uri="{BB962C8B-B14F-4D97-AF65-F5344CB8AC3E}">
+        <p14:creationId xmlns:p14="http://schemas.microsoft.com/office/powerpoint/2010/main" val="1856511096"/>
+      </p:ext>
+    </p:extLst>
+  </p:cSld>
+  <p:clrMapOvr>
+    <a:masterClrMapping/>
+  </p:clrMapOvr>
+</p:sld>
+</file>
+
+<file path=ppt/slides/slide12.xml><?xml version="1.0" encoding="utf-8"?>
+<p:sld xmlns:a="http://schemas.openxmlformats.org/drawingml/2006/main" xmlns:r="http://schemas.openxmlformats.org/officeDocument/2006/relationships" xmlns:p="http://schemas.openxmlformats.org/presentationml/2006/main">
+  <p:cSld>
+    <p:spTree>
+      <p:nvGrpSpPr>
+        <p:cNvPr id="1" name=""/>
+        <p:cNvGrpSpPr/>
+        <p:nvPr/>
+      </p:nvGrpSpPr>
+      <p:grpSpPr>
+        <a:xfrm>
+          <a:off x="0" y="0"/>
+          <a:ext cx="0" cy="0"/>
+          <a:chOff x="0" y="0"/>
+          <a:chExt cx="0" cy="0"/>
+        </a:xfrm>
+      </p:grpSpPr>
+      <p:sp>
+        <p:nvSpPr>
+          <p:cNvPr id="2" name="テキスト プレースホルダー 1">
+            <a:extLst>
+              <a:ext uri="{FF2B5EF4-FFF2-40B4-BE49-F238E27FC236}">
+                <a16:creationId xmlns:a16="http://schemas.microsoft.com/office/drawing/2014/main" id="{189E2B0F-22D3-E9ED-F565-201181EBB2B8}"/>
+              </a:ext>
+            </a:extLst>
+          </p:cNvPr>
+          <p:cNvSpPr>
+            <a:spLocks noGrp="1"/>
+          </p:cNvSpPr>
+          <p:nvPr>
+            <p:ph type="body" sz="quarter" idx="10"/>
+          </p:nvPr>
+        </p:nvSpPr>
+        <p:spPr/>
+        <p:txBody>
+          <a:bodyPr/>
+          <a:lstStyle/>
+          <a:p>
+            <a:r>
+              <a:rPr kumimoji="1" lang="ja-JP" altLang="en-US"/>
+              <a:t>詳細釣り合い条件</a:t>
+            </a:r>
+          </a:p>
+        </p:txBody>
+      </p:sp>
+      <p:sp>
+        <p:nvSpPr>
+          <p:cNvPr id="10" name="テキスト ボックス 9">
+            <a:extLst>
+              <a:ext uri="{FF2B5EF4-FFF2-40B4-BE49-F238E27FC236}">
+                <a16:creationId xmlns:a16="http://schemas.microsoft.com/office/drawing/2014/main" id="{63EF9657-8780-D22F-25C2-BEDB832BFA76}"/>
+              </a:ext>
+            </a:extLst>
+          </p:cNvPr>
+          <p:cNvSpPr txBox="1"/>
+          <p:nvPr/>
+        </p:nvSpPr>
+        <p:spPr>
+          <a:xfrm>
+            <a:off x="215516" y="908720"/>
+            <a:ext cx="8712968" cy="830997"/>
+          </a:xfrm>
+          <a:prstGeom prst="rect">
+            <a:avLst/>
+          </a:prstGeom>
+          <a:noFill/>
+        </p:spPr>
+        <p:txBody>
+          <a:bodyPr wrap="square" rtlCol="0">
+            <a:spAutoFit/>
+          </a:bodyPr>
+          <a:lstStyle/>
+          <a:p>
+            <a:r>
+              <a:rPr kumimoji="1" lang="ja-JP" altLang="en-US" sz="2400"/>
+              <a:t>定常状態はマルコフ行列の最大固有状態だが、行列の対角化をせずに定常状態を求めたい</a:t>
+            </a:r>
+            <a:endParaRPr kumimoji="1" lang="en-US" altLang="ja-JP" sz="2400" dirty="0"/>
+          </a:p>
+        </p:txBody>
+      </p:sp>
+      <mc:AlternateContent xmlns:mc="http://schemas.openxmlformats.org/markup-compatibility/2006">
+        <mc:Choice xmlns:a14="http://schemas.microsoft.com/office/drawing/2010/main" Requires="a14">
+          <p:sp>
+            <p:nvSpPr>
+              <p:cNvPr id="11" name="テキスト ボックス 10">
+                <a:extLst>
+                  <a:ext uri="{FF2B5EF4-FFF2-40B4-BE49-F238E27FC236}">
+                    <a16:creationId xmlns:a16="http://schemas.microsoft.com/office/drawing/2014/main" id="{817E7938-913F-180B-9252-89C266686963}"/>
+                  </a:ext>
+                </a:extLst>
+              </p:cNvPr>
+              <p:cNvSpPr txBox="1"/>
+              <p:nvPr/>
+            </p:nvSpPr>
+            <p:spPr>
+              <a:xfrm>
+                <a:off x="683568" y="1875228"/>
+                <a:ext cx="2193741" cy="1135375"/>
+              </a:xfrm>
+              <a:prstGeom prst="rect">
+                <a:avLst/>
+              </a:prstGeom>
+              <a:noFill/>
+            </p:spPr>
+            <p:txBody>
+              <a:bodyPr wrap="none" lIns="0" tIns="0" rIns="0" bIns="0" rtlCol="0">
+                <a:spAutoFit/>
+              </a:bodyPr>
+              <a:lstStyle/>
+              <a:p>
+                <a:pPr/>
+                <a14:m>
+                  <m:oMathPara xmlns:m="http://schemas.openxmlformats.org/officeDocument/2006/math">
+                    <m:oMathParaPr>
+                      <m:jc m:val="centerGroup"/>
+                    </m:oMathParaPr>
+                    <m:oMath xmlns:m="http://schemas.openxmlformats.org/officeDocument/2006/math">
+                      <m:acc>
+                        <m:accPr>
+                          <m:chr m:val="⃗"/>
+                          <m:ctrlPr>
+                            <a:rPr kumimoji="1" lang="en-US" altLang="ja-JP" sz="2800" b="0" i="1" smtClean="0">
+                              <a:latin typeface="Cambria Math" panose="02040503050406030204" pitchFamily="18" charset="0"/>
+                            </a:rPr>
+                          </m:ctrlPr>
+                        </m:accPr>
+                        <m:e>
+                          <m:r>
+                            <a:rPr kumimoji="1" lang="en-US" altLang="ja-JP" sz="2800" b="0" i="1" smtClean="0">
+                              <a:latin typeface="Cambria Math" panose="02040503050406030204" pitchFamily="18" charset="0"/>
+                            </a:rPr>
+                            <m:t>𝑝</m:t>
+                          </m:r>
+                        </m:e>
+                      </m:acc>
+                      <m:r>
+                        <a:rPr kumimoji="1" lang="en-US" altLang="ja-JP" sz="2800" b="0" i="1" smtClean="0">
+                          <a:latin typeface="Cambria Math" panose="02040503050406030204" pitchFamily="18" charset="0"/>
+                        </a:rPr>
+                        <m:t>(∞)</m:t>
+                      </m:r>
+                      <m:r>
+                        <a:rPr kumimoji="1" lang="en-US" altLang="ja-JP" sz="2800" b="0" i="1" smtClean="0">
+                          <a:latin typeface="Cambria Math" panose="02040503050406030204" pitchFamily="18" charset="0"/>
+                        </a:rPr>
+                        <m:t>=</m:t>
+                      </m:r>
+                      <m:d>
+                        <m:dPr>
+                          <m:ctrlPr>
+                            <a:rPr kumimoji="1" lang="en-US" altLang="ja-JP" sz="2800" b="0" i="1" smtClean="0">
+                              <a:latin typeface="Cambria Math" panose="02040503050406030204" pitchFamily="18" charset="0"/>
+                            </a:rPr>
+                          </m:ctrlPr>
+                        </m:dPr>
+                        <m:e>
+                          <m:m>
+                            <m:mPr>
+                              <m:mcs>
+                                <m:mc>
+                                  <m:mcPr>
+                                    <m:count m:val="1"/>
+                                    <m:mcJc m:val="center"/>
+                                  </m:mcPr>
+                                </m:mc>
+                              </m:mcs>
+                              <m:ctrlPr>
+                                <a:rPr kumimoji="1" lang="en-US" altLang="ja-JP" sz="2800" b="0" i="1" smtClean="0">
+                                  <a:latin typeface="Cambria Math" panose="02040503050406030204" pitchFamily="18" charset="0"/>
+                                </a:rPr>
+                              </m:ctrlPr>
+                            </m:mPr>
+                            <m:mr>
+                              <m:e>
+                                <m:sSub>
+                                  <m:sSubPr>
+                                    <m:ctrlPr>
+                                      <a:rPr kumimoji="1" lang="en-US" altLang="ja-JP" sz="2800" b="0" i="1" smtClean="0">
+                                        <a:latin typeface="Cambria Math" panose="02040503050406030204" pitchFamily="18" charset="0"/>
+                                      </a:rPr>
+                                    </m:ctrlPr>
+                                  </m:sSubPr>
+                                  <m:e>
+                                    <m:r>
+                                      <a:rPr kumimoji="1" lang="en-US" altLang="ja-JP" sz="2800" b="0" i="1" smtClean="0">
+                                        <a:latin typeface="Cambria Math" panose="02040503050406030204" pitchFamily="18" charset="0"/>
+                                      </a:rPr>
+                                      <m:t>𝜋</m:t>
+                                    </m:r>
+                                  </m:e>
+                                  <m:sub>
+                                    <m:r>
+                                      <a:rPr kumimoji="1" lang="en-US" altLang="ja-JP" sz="2800" b="0" i="1" smtClean="0">
+                                        <a:latin typeface="Cambria Math" panose="02040503050406030204" pitchFamily="18" charset="0"/>
+                                      </a:rPr>
+                                      <m:t>1</m:t>
+                                    </m:r>
+                                  </m:sub>
+                                </m:sSub>
+                              </m:e>
+                            </m:mr>
+                            <m:mr>
+                              <m:e>
+                                <m:sSub>
+                                  <m:sSubPr>
+                                    <m:ctrlPr>
+                                      <a:rPr kumimoji="1" lang="en-US" altLang="ja-JP" sz="2800" b="0" i="1" smtClean="0">
+                                        <a:latin typeface="Cambria Math" panose="02040503050406030204" pitchFamily="18" charset="0"/>
+                                      </a:rPr>
+                                    </m:ctrlPr>
+                                  </m:sSubPr>
+                                  <m:e>
+                                    <m:r>
+                                      <a:rPr kumimoji="1" lang="en-US" altLang="ja-JP" sz="2800" b="0" i="1" smtClean="0">
+                                        <a:latin typeface="Cambria Math" panose="02040503050406030204" pitchFamily="18" charset="0"/>
+                                      </a:rPr>
+                                      <m:t>𝜋</m:t>
+                                    </m:r>
+                                  </m:e>
+                                  <m:sub>
+                                    <m:r>
+                                      <a:rPr kumimoji="1" lang="en-US" altLang="ja-JP" sz="2800" b="0" i="1" smtClean="0">
+                                        <a:latin typeface="Cambria Math" panose="02040503050406030204" pitchFamily="18" charset="0"/>
+                                      </a:rPr>
+                                      <m:t>2</m:t>
+                                    </m:r>
+                                  </m:sub>
+                                </m:sSub>
+                              </m:e>
+                            </m:mr>
+                            <m:mr>
+                              <m:e>
+                                <m:sSub>
+                                  <m:sSubPr>
+                                    <m:ctrlPr>
+                                      <a:rPr kumimoji="1" lang="en-US" altLang="ja-JP" sz="2800" b="0" i="1" smtClean="0">
+                                        <a:latin typeface="Cambria Math" panose="02040503050406030204" pitchFamily="18" charset="0"/>
+                                      </a:rPr>
+                                    </m:ctrlPr>
+                                  </m:sSubPr>
+                                  <m:e>
+                                    <m:r>
+                                      <a:rPr kumimoji="1" lang="en-US" altLang="ja-JP" sz="2800" b="0" i="1" smtClean="0">
+                                        <a:latin typeface="Cambria Math" panose="02040503050406030204" pitchFamily="18" charset="0"/>
+                                      </a:rPr>
+                                      <m:t>𝜋</m:t>
+                                    </m:r>
+                                  </m:e>
+                                  <m:sub>
+                                    <m:r>
+                                      <a:rPr kumimoji="1" lang="en-US" altLang="ja-JP" sz="2800" b="0" i="1" smtClean="0">
+                                        <a:latin typeface="Cambria Math" panose="02040503050406030204" pitchFamily="18" charset="0"/>
+                                      </a:rPr>
+                                      <m:t>3</m:t>
+                                    </m:r>
+                                  </m:sub>
+                                </m:sSub>
+                              </m:e>
+                            </m:mr>
+                          </m:m>
+                        </m:e>
+                      </m:d>
+                    </m:oMath>
+                  </m:oMathPara>
+                </a14:m>
+                <a:endParaRPr kumimoji="1" lang="ja-JP" altLang="en-US" sz="2800"/>
+              </a:p>
+            </p:txBody>
+          </p:sp>
+        </mc:Choice>
+        <mc:Fallback>
+          <p:sp>
+            <p:nvSpPr>
+              <p:cNvPr id="11" name="テキスト ボックス 10">
+                <a:extLst>
+                  <a:ext uri="{FF2B5EF4-FFF2-40B4-BE49-F238E27FC236}">
+                    <a16:creationId xmlns:a16="http://schemas.microsoft.com/office/drawing/2014/main" id="{817E7938-913F-180B-9252-89C266686963}"/>
+                  </a:ext>
+                </a:extLst>
+              </p:cNvPr>
+              <p:cNvSpPr txBox="1">
+                <a:spLocks noRot="1" noChangeAspect="1" noMove="1" noResize="1" noEditPoints="1" noAdjustHandles="1" noChangeArrowheads="1" noChangeShapeType="1" noTextEdit="1"/>
+              </p:cNvSpPr>
+              <p:nvPr/>
+            </p:nvSpPr>
+            <p:spPr>
+              <a:xfrm>
+                <a:off x="683568" y="1875228"/>
+                <a:ext cx="2193741" cy="1135375"/>
+              </a:xfrm>
+              <a:prstGeom prst="rect">
+                <a:avLst/>
+              </a:prstGeom>
+              <a:blipFill>
+                <a:blip r:embed="rId2"/>
+                <a:stretch>
+                  <a:fillRect l="-2874" b="-5495"/>
+                </a:stretch>
+              </a:blipFill>
+            </p:spPr>
+            <p:txBody>
+              <a:bodyPr/>
+              <a:lstStyle/>
+              <a:p>
+                <a:r>
+                  <a:rPr lang="ja-JP" altLang="en-US">
+                    <a:noFill/>
+                  </a:rPr>
+                  <a:t> </a:t>
+                </a:r>
+              </a:p>
+            </p:txBody>
+          </p:sp>
+        </mc:Fallback>
+      </mc:AlternateContent>
+      <mc:AlternateContent xmlns:mc="http://schemas.openxmlformats.org/markup-compatibility/2006">
+        <mc:Choice xmlns:a14="http://schemas.microsoft.com/office/drawing/2010/main" Requires="a14">
+          <p:sp>
+            <p:nvSpPr>
+              <p:cNvPr id="12" name="テキスト ボックス 11">
+                <a:extLst>
+                  <a:ext uri="{FF2B5EF4-FFF2-40B4-BE49-F238E27FC236}">
+                    <a16:creationId xmlns:a16="http://schemas.microsoft.com/office/drawing/2014/main" id="{A4AC7251-B686-96C9-36A0-53A6816B390D}"/>
+                  </a:ext>
+                </a:extLst>
+              </p:cNvPr>
+              <p:cNvSpPr txBox="1"/>
+              <p:nvPr/>
+            </p:nvSpPr>
+            <p:spPr>
+              <a:xfrm>
+                <a:off x="3347864" y="2212082"/>
+                <a:ext cx="5190588" cy="461665"/>
+              </a:xfrm>
+              <a:prstGeom prst="rect">
+                <a:avLst/>
+              </a:prstGeom>
+              <a:noFill/>
+            </p:spPr>
+            <p:txBody>
+              <a:bodyPr wrap="none" rtlCol="0">
+                <a:spAutoFit/>
+              </a:bodyPr>
+              <a:lstStyle/>
+              <a:p>
+                <a14:m>
+                  <m:oMath xmlns:m="http://schemas.openxmlformats.org/officeDocument/2006/math">
+                    <m:sSub>
+                      <m:sSubPr>
+                        <m:ctrlPr>
+                          <a:rPr kumimoji="1" lang="en-US" altLang="ja-JP" sz="2400" b="0" i="1" smtClean="0">
+                            <a:latin typeface="Cambria Math" panose="02040503050406030204" pitchFamily="18" charset="0"/>
+                          </a:rPr>
+                        </m:ctrlPr>
+                      </m:sSubPr>
+                      <m:e>
+                        <m:r>
+                          <a:rPr kumimoji="1" lang="en-US" altLang="ja-JP" sz="2400" b="0" i="1" smtClean="0">
+                            <a:latin typeface="Cambria Math" panose="02040503050406030204" pitchFamily="18" charset="0"/>
+                          </a:rPr>
+                          <m:t>𝜋</m:t>
+                        </m:r>
+                      </m:e>
+                      <m:sub>
+                        <m:r>
+                          <a:rPr kumimoji="1" lang="en-US" altLang="ja-JP" sz="2400" b="0" i="1" smtClean="0">
+                            <a:latin typeface="Cambria Math" panose="02040503050406030204" pitchFamily="18" charset="0"/>
+                          </a:rPr>
+                          <m:t>𝑖</m:t>
+                        </m:r>
+                      </m:sub>
+                    </m:sSub>
+                  </m:oMath>
+                </a14:m>
+                <a:r>
+                  <a:rPr kumimoji="1" lang="ja-JP" altLang="en-US" sz="2400"/>
+                  <a:t>定常状態において状態</a:t>
+                </a:r>
+                <a14:m>
+                  <m:oMath xmlns:m="http://schemas.openxmlformats.org/officeDocument/2006/math">
+                    <m:r>
+                      <a:rPr kumimoji="1" lang="en-US" altLang="ja-JP" sz="2400" b="0" i="1" smtClean="0">
+                        <a:latin typeface="Cambria Math" panose="02040503050406030204" pitchFamily="18" charset="0"/>
+                      </a:rPr>
+                      <m:t>𝑖</m:t>
+                    </m:r>
+                  </m:oMath>
+                </a14:m>
+                <a:r>
+                  <a:rPr kumimoji="1" lang="ja-JP" altLang="en-US" sz="2400"/>
+                  <a:t>にいる確率</a:t>
+                </a:r>
+              </a:p>
+            </p:txBody>
+          </p:sp>
+        </mc:Choice>
+        <mc:Fallback>
+          <p:sp>
+            <p:nvSpPr>
+              <p:cNvPr id="12" name="テキスト ボックス 11">
+                <a:extLst>
+                  <a:ext uri="{FF2B5EF4-FFF2-40B4-BE49-F238E27FC236}">
+                    <a16:creationId xmlns:a16="http://schemas.microsoft.com/office/drawing/2014/main" id="{A4AC7251-B686-96C9-36A0-53A6816B390D}"/>
+                  </a:ext>
+                </a:extLst>
+              </p:cNvPr>
+              <p:cNvSpPr txBox="1">
+                <a:spLocks noRot="1" noChangeAspect="1" noMove="1" noResize="1" noEditPoints="1" noAdjustHandles="1" noChangeArrowheads="1" noChangeShapeType="1" noTextEdit="1"/>
+              </p:cNvSpPr>
+              <p:nvPr/>
+            </p:nvSpPr>
+            <p:spPr>
+              <a:xfrm>
+                <a:off x="3347864" y="2212082"/>
+                <a:ext cx="5190588" cy="461665"/>
+              </a:xfrm>
+              <a:prstGeom prst="rect">
+                <a:avLst/>
+              </a:prstGeom>
+              <a:blipFill>
+                <a:blip r:embed="rId3"/>
+                <a:stretch>
+                  <a:fillRect t="-13514" r="-732" b="-27027"/>
+                </a:stretch>
+              </a:blipFill>
+            </p:spPr>
+            <p:txBody>
+              <a:bodyPr/>
+              <a:lstStyle/>
+              <a:p>
+                <a:r>
+                  <a:rPr lang="ja-JP" altLang="en-US">
+                    <a:noFill/>
+                  </a:rPr>
+                  <a:t> </a:t>
+                </a:r>
+              </a:p>
+            </p:txBody>
+          </p:sp>
+        </mc:Fallback>
+      </mc:AlternateContent>
+      <p:sp>
+        <p:nvSpPr>
+          <p:cNvPr id="13" name="テキスト ボックス 12">
+            <a:extLst>
+              <a:ext uri="{FF2B5EF4-FFF2-40B4-BE49-F238E27FC236}">
+                <a16:creationId xmlns:a16="http://schemas.microsoft.com/office/drawing/2014/main" id="{7FD385FA-A108-90DE-30DE-2C0CC72F7A63}"/>
+              </a:ext>
+            </a:extLst>
+          </p:cNvPr>
+          <p:cNvSpPr txBox="1"/>
+          <p:nvPr/>
+        </p:nvSpPr>
+        <p:spPr>
+          <a:xfrm>
+            <a:off x="323528" y="3356992"/>
+            <a:ext cx="6482865" cy="400110"/>
+          </a:xfrm>
+          <a:prstGeom prst="rect">
+            <a:avLst/>
+          </a:prstGeom>
+          <a:noFill/>
+        </p:spPr>
+        <p:txBody>
+          <a:bodyPr wrap="none" rtlCol="0">
+            <a:spAutoFit/>
+          </a:bodyPr>
+          <a:lstStyle/>
+          <a:p>
+            <a:r>
+              <a:rPr kumimoji="1" lang="ja-JP" altLang="en-US" sz="2000"/>
+              <a:t>ここで、マルコフ遷移図のある</a:t>
+            </a:r>
+            <a:r>
+              <a:rPr kumimoji="1" lang="en-US" altLang="ja-JP" sz="2000" dirty="0"/>
+              <a:t>2</a:t>
+            </a:r>
+            <a:r>
+              <a:rPr kumimoji="1" lang="ja-JP" altLang="en-US" sz="2000"/>
+              <a:t>状態の遷移に注目する</a:t>
+            </a:r>
+          </a:p>
+        </p:txBody>
+      </p:sp>
+      <p:grpSp>
+        <p:nvGrpSpPr>
+          <p:cNvPr id="14" name="グループ化 13">
+            <a:extLst>
+              <a:ext uri="{FF2B5EF4-FFF2-40B4-BE49-F238E27FC236}">
+                <a16:creationId xmlns:a16="http://schemas.microsoft.com/office/drawing/2014/main" id="{A5A24321-B22F-FA2C-7BB9-1F05A463A259}"/>
+              </a:ext>
+            </a:extLst>
+          </p:cNvPr>
+          <p:cNvGrpSpPr/>
+          <p:nvPr/>
+        </p:nvGrpSpPr>
+        <p:grpSpPr>
+          <a:xfrm>
+            <a:off x="2339752" y="4103491"/>
+            <a:ext cx="2936584" cy="2030002"/>
+            <a:chOff x="1230562" y="1770270"/>
+            <a:chExt cx="7087598" cy="4899517"/>
+          </a:xfrm>
+        </p:grpSpPr>
+        <p:sp>
+          <p:nvSpPr>
+            <p:cNvPr id="15" name="円/楕円 14">
+              <a:extLst>
+                <a:ext uri="{FF2B5EF4-FFF2-40B4-BE49-F238E27FC236}">
+                  <a16:creationId xmlns:a16="http://schemas.microsoft.com/office/drawing/2014/main" id="{ACA97C7D-34BD-E291-2F8B-11AAEAB80241}"/>
+                </a:ext>
+              </a:extLst>
+            </p:cNvPr>
+            <p:cNvSpPr/>
+            <p:nvPr/>
+          </p:nvSpPr>
+          <p:spPr>
+            <a:xfrm>
+              <a:off x="4064653" y="2564904"/>
+              <a:ext cx="1014694" cy="1014694"/>
+            </a:xfrm>
+            <a:prstGeom prst="ellipse">
+              <a:avLst/>
+            </a:prstGeom>
+            <a:solidFill>
+              <a:srgbClr val="7030A0"/>
+            </a:solidFill>
+            <a:ln>
+              <a:solidFill>
+                <a:schemeClr val="tx1"/>
+              </a:solidFill>
+            </a:ln>
+          </p:spPr>
+          <p:style>
+            <a:lnRef idx="2">
+              <a:schemeClr val="accent1">
+                <a:shade val="50000"/>
+              </a:schemeClr>
+            </a:lnRef>
+            <a:fillRef idx="1">
+              <a:schemeClr val="accent1"/>
+            </a:fillRef>
+            <a:effectRef idx="0">
+              <a:schemeClr val="accent1"/>
+            </a:effectRef>
+            <a:fontRef idx="minor">
+              <a:schemeClr val="lt1"/>
+            </a:fontRef>
+          </p:style>
+          <p:txBody>
+            <a:bodyPr rtlCol="0" anchor="ctr"/>
+            <a:lstStyle/>
+            <a:p>
+              <a:pPr algn="ctr"/>
+              <a:r>
+                <a:rPr kumimoji="1" lang="en-US" altLang="ja-JP" sz="2800" dirty="0">
+                  <a:solidFill>
+                    <a:schemeClr val="bg1"/>
+                  </a:solidFill>
+                </a:rPr>
+                <a:t>1</a:t>
+              </a:r>
+              <a:endParaRPr kumimoji="1" lang="ja-JP" altLang="en-US" sz="2800">
+                <a:solidFill>
+                  <a:schemeClr val="bg1"/>
+                </a:solidFill>
+              </a:endParaRPr>
+            </a:p>
+          </p:txBody>
+        </p:sp>
+        <p:sp>
+          <p:nvSpPr>
+            <p:cNvPr id="16" name="円/楕円 15">
+              <a:extLst>
+                <a:ext uri="{FF2B5EF4-FFF2-40B4-BE49-F238E27FC236}">
+                  <a16:creationId xmlns:a16="http://schemas.microsoft.com/office/drawing/2014/main" id="{A6D3F90D-0343-B512-4A0F-FE08B57950CE}"/>
+                </a:ext>
+              </a:extLst>
+            </p:cNvPr>
+            <p:cNvSpPr/>
+            <p:nvPr/>
+          </p:nvSpPr>
+          <p:spPr>
+            <a:xfrm>
+              <a:off x="2480477" y="5081148"/>
+              <a:ext cx="1014694" cy="1014694"/>
+            </a:xfrm>
+            <a:prstGeom prst="ellipse">
+              <a:avLst/>
+            </a:prstGeom>
+            <a:solidFill>
+              <a:srgbClr val="CCFF99"/>
+            </a:solidFill>
+            <a:ln>
+              <a:solidFill>
+                <a:schemeClr val="tx1"/>
+              </a:solidFill>
+            </a:ln>
+          </p:spPr>
+          <p:style>
+            <a:lnRef idx="2">
+              <a:schemeClr val="accent1">
+                <a:shade val="50000"/>
+              </a:schemeClr>
+            </a:lnRef>
+            <a:fillRef idx="1">
+              <a:schemeClr val="accent1"/>
+            </a:fillRef>
+            <a:effectRef idx="0">
+              <a:schemeClr val="accent1"/>
+            </a:effectRef>
+            <a:fontRef idx="minor">
+              <a:schemeClr val="lt1"/>
+            </a:fontRef>
+          </p:style>
+          <p:txBody>
+            <a:bodyPr rtlCol="0" anchor="ctr"/>
+            <a:lstStyle/>
+            <a:p>
+              <a:pPr algn="ctr"/>
+              <a:r>
+                <a:rPr kumimoji="1" lang="en-US" altLang="ja-JP" sz="2800" dirty="0">
+                  <a:solidFill>
+                    <a:schemeClr val="tx1"/>
+                  </a:solidFill>
+                </a:rPr>
+                <a:t>2</a:t>
+              </a:r>
+              <a:endParaRPr kumimoji="1" lang="ja-JP" altLang="en-US" sz="2800">
+                <a:solidFill>
+                  <a:schemeClr val="tx1"/>
+                </a:solidFill>
+              </a:endParaRPr>
+            </a:p>
+          </p:txBody>
+        </p:sp>
+        <p:sp>
+          <p:nvSpPr>
+            <p:cNvPr id="17" name="円/楕円 16">
+              <a:extLst>
+                <a:ext uri="{FF2B5EF4-FFF2-40B4-BE49-F238E27FC236}">
+                  <a16:creationId xmlns:a16="http://schemas.microsoft.com/office/drawing/2014/main" id="{31BB3C25-0BE1-3048-BFD5-74E15237406C}"/>
+                </a:ext>
+              </a:extLst>
+            </p:cNvPr>
+            <p:cNvSpPr/>
+            <p:nvPr/>
+          </p:nvSpPr>
+          <p:spPr>
+            <a:xfrm>
+              <a:off x="5648829" y="5081148"/>
+              <a:ext cx="1014694" cy="1014694"/>
+            </a:xfrm>
+            <a:prstGeom prst="ellipse">
+              <a:avLst/>
+            </a:prstGeom>
+            <a:solidFill>
+              <a:srgbClr val="FFC000"/>
+            </a:solidFill>
+            <a:ln>
+              <a:solidFill>
+                <a:schemeClr val="tx1"/>
+              </a:solidFill>
+            </a:ln>
+          </p:spPr>
+          <p:style>
+            <a:lnRef idx="2">
+              <a:schemeClr val="accent1">
+                <a:shade val="50000"/>
+              </a:schemeClr>
+            </a:lnRef>
+            <a:fillRef idx="1">
+              <a:schemeClr val="accent1"/>
+            </a:fillRef>
+            <a:effectRef idx="0">
+              <a:schemeClr val="accent1"/>
+            </a:effectRef>
+            <a:fontRef idx="minor">
+              <a:schemeClr val="lt1"/>
+            </a:fontRef>
+          </p:style>
+          <p:txBody>
+            <a:bodyPr rtlCol="0" anchor="ctr"/>
+            <a:lstStyle/>
+            <a:p>
+              <a:pPr algn="ctr"/>
+              <a:r>
+                <a:rPr kumimoji="1" lang="en-US" altLang="ja-JP" sz="2800" dirty="0">
+                  <a:solidFill>
+                    <a:schemeClr val="tx1"/>
+                  </a:solidFill>
+                </a:rPr>
+                <a:t>3</a:t>
+              </a:r>
+              <a:endParaRPr kumimoji="1" lang="ja-JP" altLang="en-US" sz="2800">
+                <a:solidFill>
+                  <a:schemeClr val="tx1"/>
+                </a:solidFill>
+              </a:endParaRPr>
+            </a:p>
+          </p:txBody>
+        </p:sp>
+        <p:cxnSp>
+          <p:nvCxnSpPr>
+            <p:cNvPr id="18" name="直線矢印コネクタ 17">
+              <a:extLst>
+                <a:ext uri="{FF2B5EF4-FFF2-40B4-BE49-F238E27FC236}">
+                  <a16:creationId xmlns:a16="http://schemas.microsoft.com/office/drawing/2014/main" id="{832BDDF4-A6E4-BDEB-3C96-871D395BA381}"/>
+                </a:ext>
+              </a:extLst>
+            </p:cNvPr>
+            <p:cNvCxnSpPr/>
+            <p:nvPr/>
+          </p:nvCxnSpPr>
+          <p:spPr>
+            <a:xfrm flipH="1">
+              <a:off x="3136776" y="3579598"/>
+              <a:ext cx="716789" cy="1080120"/>
+            </a:xfrm>
+            <a:prstGeom prst="straightConnector1">
+              <a:avLst/>
+            </a:prstGeom>
+            <a:ln>
+              <a:solidFill>
+                <a:schemeClr val="tx1"/>
+              </a:solidFill>
+              <a:headEnd type="none" w="med" len="med"/>
+              <a:tailEnd type="triangle"/>
+            </a:ln>
+          </p:spPr>
+          <p:style>
+            <a:lnRef idx="1">
+              <a:schemeClr val="accent1"/>
+            </a:lnRef>
+            <a:fillRef idx="0">
+              <a:schemeClr val="accent1"/>
+            </a:fillRef>
+            <a:effectRef idx="0">
+              <a:schemeClr val="accent1"/>
+            </a:effectRef>
+            <a:fontRef idx="minor">
+              <a:schemeClr val="tx1"/>
+            </a:fontRef>
+          </p:style>
+        </p:cxnSp>
+        <p:cxnSp>
+          <p:nvCxnSpPr>
+            <p:cNvPr id="19" name="直線矢印コネクタ 18">
+              <a:extLst>
+                <a:ext uri="{FF2B5EF4-FFF2-40B4-BE49-F238E27FC236}">
+                  <a16:creationId xmlns:a16="http://schemas.microsoft.com/office/drawing/2014/main" id="{F1C17D37-276E-DC3D-0AC3-6C7C765EABE8}"/>
+                </a:ext>
+              </a:extLst>
+            </p:cNvPr>
+            <p:cNvCxnSpPr/>
+            <p:nvPr/>
+          </p:nvCxnSpPr>
+          <p:spPr>
+            <a:xfrm flipH="1">
+              <a:off x="3495170" y="3790313"/>
+              <a:ext cx="716789" cy="1080120"/>
+            </a:xfrm>
+            <a:prstGeom prst="straightConnector1">
+              <a:avLst/>
+            </a:prstGeom>
+            <a:ln>
+              <a:solidFill>
+                <a:schemeClr val="tx1"/>
+              </a:solidFill>
+              <a:headEnd type="triangle" w="med" len="med"/>
+              <a:tailEnd type="none" w="med" len="med"/>
+            </a:ln>
+          </p:spPr>
+          <p:style>
+            <a:lnRef idx="1">
+              <a:schemeClr val="accent1"/>
+            </a:lnRef>
+            <a:fillRef idx="0">
+              <a:schemeClr val="accent1"/>
+            </a:fillRef>
+            <a:effectRef idx="0">
+              <a:schemeClr val="accent1"/>
+            </a:effectRef>
+            <a:fontRef idx="minor">
+              <a:schemeClr val="tx1"/>
+            </a:fontRef>
+          </p:style>
+        </p:cxnSp>
+        <p:cxnSp>
+          <p:nvCxnSpPr>
+            <p:cNvPr id="20" name="直線矢印コネクタ 19">
+              <a:extLst>
+                <a:ext uri="{FF2B5EF4-FFF2-40B4-BE49-F238E27FC236}">
+                  <a16:creationId xmlns:a16="http://schemas.microsoft.com/office/drawing/2014/main" id="{1BE2B16E-3D84-ECA8-78DA-F55EF504649F}"/>
+                </a:ext>
+              </a:extLst>
+            </p:cNvPr>
+            <p:cNvCxnSpPr>
+              <a:cxnSpLocks/>
+            </p:cNvCxnSpPr>
+            <p:nvPr/>
+          </p:nvCxnSpPr>
+          <p:spPr>
+            <a:xfrm rot="17353769" flipH="1">
+              <a:off x="5054305" y="3781068"/>
+              <a:ext cx="716789" cy="1080120"/>
+            </a:xfrm>
+            <a:prstGeom prst="straightConnector1">
+              <a:avLst/>
+            </a:prstGeom>
+            <a:ln>
+              <a:solidFill>
+                <a:schemeClr val="tx1"/>
+              </a:solidFill>
+              <a:headEnd type="none" w="med" len="med"/>
+              <a:tailEnd type="triangle"/>
+            </a:ln>
+          </p:spPr>
+          <p:style>
+            <a:lnRef idx="1">
+              <a:schemeClr val="accent1"/>
+            </a:lnRef>
+            <a:fillRef idx="0">
+              <a:schemeClr val="accent1"/>
+            </a:fillRef>
+            <a:effectRef idx="0">
+              <a:schemeClr val="accent1"/>
+            </a:effectRef>
+            <a:fontRef idx="minor">
+              <a:schemeClr val="tx1"/>
+            </a:fontRef>
+          </p:style>
+        </p:cxnSp>
+        <p:cxnSp>
+          <p:nvCxnSpPr>
+            <p:cNvPr id="21" name="直線矢印コネクタ 20">
+              <a:extLst>
+                <a:ext uri="{FF2B5EF4-FFF2-40B4-BE49-F238E27FC236}">
+                  <a16:creationId xmlns:a16="http://schemas.microsoft.com/office/drawing/2014/main" id="{C8FDCFA2-ECE7-AA2B-4D9F-4045DC6CC62E}"/>
+                </a:ext>
+              </a:extLst>
+            </p:cNvPr>
+            <p:cNvCxnSpPr>
+              <a:cxnSpLocks/>
+            </p:cNvCxnSpPr>
+            <p:nvPr/>
+          </p:nvCxnSpPr>
+          <p:spPr>
+            <a:xfrm rot="17353769" flipH="1">
+              <a:off x="5395896" y="3539945"/>
+              <a:ext cx="716789" cy="1080120"/>
+            </a:xfrm>
+            <a:prstGeom prst="straightConnector1">
+              <a:avLst/>
+            </a:prstGeom>
+            <a:ln>
+              <a:solidFill>
+                <a:schemeClr val="tx1"/>
+              </a:solidFill>
+              <a:headEnd type="triangle" w="med" len="med"/>
+              <a:tailEnd type="none" w="med" len="med"/>
+            </a:ln>
+          </p:spPr>
+          <p:style>
+            <a:lnRef idx="1">
+              <a:schemeClr val="accent1"/>
+            </a:lnRef>
+            <a:fillRef idx="0">
+              <a:schemeClr val="accent1"/>
+            </a:fillRef>
+            <a:effectRef idx="0">
+              <a:schemeClr val="accent1"/>
+            </a:effectRef>
+            <a:fontRef idx="minor">
+              <a:schemeClr val="tx1"/>
+            </a:fontRef>
+          </p:style>
+        </p:cxnSp>
+        <p:cxnSp>
+          <p:nvCxnSpPr>
+            <p:cNvPr id="22" name="直線矢印コネクタ 21">
+              <a:extLst>
+                <a:ext uri="{FF2B5EF4-FFF2-40B4-BE49-F238E27FC236}">
+                  <a16:creationId xmlns:a16="http://schemas.microsoft.com/office/drawing/2014/main" id="{9450C234-22E3-6DCE-669A-F9C027AA5D8E}"/>
+                </a:ext>
+              </a:extLst>
+            </p:cNvPr>
+            <p:cNvCxnSpPr>
+              <a:cxnSpLocks/>
+            </p:cNvCxnSpPr>
+            <p:nvPr/>
+          </p:nvCxnSpPr>
+          <p:spPr>
+            <a:xfrm flipH="1">
+              <a:off x="3971630" y="5547977"/>
+              <a:ext cx="1245151" cy="0"/>
+            </a:xfrm>
+            <a:prstGeom prst="straightConnector1">
+              <a:avLst/>
+            </a:prstGeom>
+            <a:ln>
+              <a:solidFill>
+                <a:schemeClr val="tx1"/>
+              </a:solidFill>
+              <a:headEnd type="none" w="med" len="med"/>
+              <a:tailEnd type="triangle"/>
+            </a:ln>
+          </p:spPr>
+          <p:style>
+            <a:lnRef idx="1">
+              <a:schemeClr val="accent1"/>
+            </a:lnRef>
+            <a:fillRef idx="0">
+              <a:schemeClr val="accent1"/>
+            </a:fillRef>
+            <a:effectRef idx="0">
+              <a:schemeClr val="accent1"/>
+            </a:effectRef>
+            <a:fontRef idx="minor">
+              <a:schemeClr val="tx1"/>
+            </a:fontRef>
+          </p:style>
+        </p:cxnSp>
+        <p:cxnSp>
+          <p:nvCxnSpPr>
+            <p:cNvPr id="23" name="直線矢印コネクタ 22">
+              <a:extLst>
+                <a:ext uri="{FF2B5EF4-FFF2-40B4-BE49-F238E27FC236}">
+                  <a16:creationId xmlns:a16="http://schemas.microsoft.com/office/drawing/2014/main" id="{E932A4A4-5E48-5700-A0F8-A41115CA8E6B}"/>
+                </a:ext>
+              </a:extLst>
+            </p:cNvPr>
+            <p:cNvCxnSpPr/>
+            <p:nvPr/>
+          </p:nvCxnSpPr>
+          <p:spPr>
+            <a:xfrm>
+              <a:off x="3971630" y="6021288"/>
+              <a:ext cx="1245151" cy="0"/>
+            </a:xfrm>
+            <a:prstGeom prst="straightConnector1">
+              <a:avLst/>
+            </a:prstGeom>
+            <a:ln>
+              <a:solidFill>
+                <a:schemeClr val="tx1"/>
+              </a:solidFill>
+              <a:headEnd type="none" w="med" len="med"/>
+              <a:tailEnd type="triangle"/>
+            </a:ln>
+          </p:spPr>
+          <p:style>
+            <a:lnRef idx="1">
+              <a:schemeClr val="accent1"/>
+            </a:lnRef>
+            <a:fillRef idx="0">
+              <a:schemeClr val="accent1"/>
+            </a:fillRef>
+            <a:effectRef idx="0">
+              <a:schemeClr val="accent1"/>
+            </a:effectRef>
+            <a:fontRef idx="minor">
+              <a:schemeClr val="tx1"/>
+            </a:fontRef>
+          </p:style>
+        </p:cxnSp>
+        <p:sp>
+          <p:nvSpPr>
+            <p:cNvPr id="24" name="フリーフォーム 23">
+              <a:extLst>
+                <a:ext uri="{FF2B5EF4-FFF2-40B4-BE49-F238E27FC236}">
+                  <a16:creationId xmlns:a16="http://schemas.microsoft.com/office/drawing/2014/main" id="{72926708-F3E5-7E6B-3C24-A31EA644DB41}"/>
+                </a:ext>
+              </a:extLst>
+            </p:cNvPr>
+            <p:cNvSpPr/>
+            <p:nvPr/>
+          </p:nvSpPr>
+          <p:spPr>
+            <a:xfrm rot="2700000">
+              <a:off x="4984048" y="2061183"/>
+              <a:ext cx="569984" cy="504222"/>
+            </a:xfrm>
+            <a:custGeom>
+              <a:avLst/>
+              <a:gdLst>
+                <a:gd name="connsiteX0" fmla="*/ 340243 w 994728"/>
+                <a:gd name="connsiteY0" fmla="*/ 904555 h 904555"/>
+                <a:gd name="connsiteX1" fmla="*/ 3912 w 994728"/>
+                <a:gd name="connsiteY1" fmla="*/ 347507 h 904555"/>
+                <a:gd name="connsiteX2" fmla="*/ 539940 w 994728"/>
+                <a:gd name="connsiteY2" fmla="*/ 665 h 904555"/>
+                <a:gd name="connsiteX3" fmla="*/ 991884 w 994728"/>
+                <a:gd name="connsiteY3" fmla="*/ 431590 h 904555"/>
+                <a:gd name="connsiteX4" fmla="*/ 697595 w 994728"/>
+                <a:gd name="connsiteY4" fmla="*/ 830983 h 904555"/>
+              </a:gdLst>
+              <a:ahLst/>
+              <a:cxnLst>
+                <a:cxn ang="0">
+                  <a:pos x="connsiteX0" y="connsiteY0"/>
+                </a:cxn>
+                <a:cxn ang="0">
+                  <a:pos x="connsiteX1" y="connsiteY1"/>
+                </a:cxn>
+                <a:cxn ang="0">
+                  <a:pos x="connsiteX2" y="connsiteY2"/>
+                </a:cxn>
+                <a:cxn ang="0">
+                  <a:pos x="connsiteX3" y="connsiteY3"/>
+                </a:cxn>
+                <a:cxn ang="0">
+                  <a:pos x="connsiteX4" y="connsiteY4"/>
+                </a:cxn>
+              </a:cxnLst>
+              <a:rect l="l" t="t" r="r" b="b"/>
+              <a:pathLst>
+                <a:path w="994728" h="904555">
+                  <a:moveTo>
+                    <a:pt x="340243" y="904555"/>
+                  </a:moveTo>
+                  <a:cubicBezTo>
+                    <a:pt x="155436" y="701355"/>
+                    <a:pt x="-29371" y="498155"/>
+                    <a:pt x="3912" y="347507"/>
+                  </a:cubicBezTo>
+                  <a:cubicBezTo>
+                    <a:pt x="37195" y="196859"/>
+                    <a:pt x="375278" y="-13349"/>
+                    <a:pt x="539940" y="665"/>
+                  </a:cubicBezTo>
+                  <a:cubicBezTo>
+                    <a:pt x="704602" y="14679"/>
+                    <a:pt x="965608" y="293204"/>
+                    <a:pt x="991884" y="431590"/>
+                  </a:cubicBezTo>
+                  <a:cubicBezTo>
+                    <a:pt x="1018160" y="569976"/>
+                    <a:pt x="857877" y="700479"/>
+                    <a:pt x="697595" y="830983"/>
+                  </a:cubicBezTo>
+                </a:path>
+              </a:pathLst>
+            </a:custGeom>
+            <a:noFill/>
+            <a:ln>
+              <a:solidFill>
+                <a:schemeClr val="tx1"/>
+              </a:solidFill>
+              <a:headEnd type="triangle" w="med" len="med"/>
+              <a:tailEnd type="none" w="med" len="med"/>
+            </a:ln>
+          </p:spPr>
+          <p:style>
+            <a:lnRef idx="2">
+              <a:schemeClr val="accent1">
+                <a:shade val="50000"/>
+              </a:schemeClr>
+            </a:lnRef>
+            <a:fillRef idx="1">
+              <a:schemeClr val="accent1"/>
+            </a:fillRef>
+            <a:effectRef idx="0">
+              <a:schemeClr val="accent1"/>
+            </a:effectRef>
+            <a:fontRef idx="minor">
+              <a:schemeClr val="lt1"/>
+            </a:fontRef>
+          </p:style>
+          <p:txBody>
+            <a:bodyPr rtlCol="0" anchor="ctr"/>
+            <a:lstStyle/>
+            <a:p>
+              <a:pPr algn="ctr"/>
+              <a:endParaRPr kumimoji="1" lang="ja-JP" altLang="en-US" sz="900"/>
+            </a:p>
+          </p:txBody>
+        </p:sp>
+        <p:sp>
+          <p:nvSpPr>
+            <p:cNvPr id="25" name="フリーフォーム 24">
+              <a:extLst>
+                <a:ext uri="{FF2B5EF4-FFF2-40B4-BE49-F238E27FC236}">
+                  <a16:creationId xmlns:a16="http://schemas.microsoft.com/office/drawing/2014/main" id="{301C7971-2A52-4B89-25A1-DE5E5D907842}"/>
+                </a:ext>
+              </a:extLst>
+            </p:cNvPr>
+            <p:cNvSpPr/>
+            <p:nvPr/>
+          </p:nvSpPr>
+          <p:spPr>
+            <a:xfrm rot="5400000">
+              <a:off x="6810579" y="5499808"/>
+              <a:ext cx="569984" cy="504222"/>
+            </a:xfrm>
+            <a:custGeom>
+              <a:avLst/>
+              <a:gdLst>
+                <a:gd name="connsiteX0" fmla="*/ 340243 w 994728"/>
+                <a:gd name="connsiteY0" fmla="*/ 904555 h 904555"/>
+                <a:gd name="connsiteX1" fmla="*/ 3912 w 994728"/>
+                <a:gd name="connsiteY1" fmla="*/ 347507 h 904555"/>
+                <a:gd name="connsiteX2" fmla="*/ 539940 w 994728"/>
+                <a:gd name="connsiteY2" fmla="*/ 665 h 904555"/>
+                <a:gd name="connsiteX3" fmla="*/ 991884 w 994728"/>
+                <a:gd name="connsiteY3" fmla="*/ 431590 h 904555"/>
+                <a:gd name="connsiteX4" fmla="*/ 697595 w 994728"/>
+                <a:gd name="connsiteY4" fmla="*/ 830983 h 904555"/>
+              </a:gdLst>
+              <a:ahLst/>
+              <a:cxnLst>
+                <a:cxn ang="0">
+                  <a:pos x="connsiteX0" y="connsiteY0"/>
+                </a:cxn>
+                <a:cxn ang="0">
+                  <a:pos x="connsiteX1" y="connsiteY1"/>
+                </a:cxn>
+                <a:cxn ang="0">
+                  <a:pos x="connsiteX2" y="connsiteY2"/>
+                </a:cxn>
+                <a:cxn ang="0">
+                  <a:pos x="connsiteX3" y="connsiteY3"/>
+                </a:cxn>
+                <a:cxn ang="0">
+                  <a:pos x="connsiteX4" y="connsiteY4"/>
+                </a:cxn>
+              </a:cxnLst>
+              <a:rect l="l" t="t" r="r" b="b"/>
+              <a:pathLst>
+                <a:path w="994728" h="904555">
+                  <a:moveTo>
+                    <a:pt x="340243" y="904555"/>
+                  </a:moveTo>
+                  <a:cubicBezTo>
+                    <a:pt x="155436" y="701355"/>
+                    <a:pt x="-29371" y="498155"/>
+                    <a:pt x="3912" y="347507"/>
+                  </a:cubicBezTo>
+                  <a:cubicBezTo>
+                    <a:pt x="37195" y="196859"/>
+                    <a:pt x="375278" y="-13349"/>
+                    <a:pt x="539940" y="665"/>
+                  </a:cubicBezTo>
+                  <a:cubicBezTo>
+                    <a:pt x="704602" y="14679"/>
+                    <a:pt x="965608" y="293204"/>
+                    <a:pt x="991884" y="431590"/>
+                  </a:cubicBezTo>
+                  <a:cubicBezTo>
+                    <a:pt x="1018160" y="569976"/>
+                    <a:pt x="857877" y="700479"/>
+                    <a:pt x="697595" y="830983"/>
+                  </a:cubicBezTo>
+                </a:path>
+              </a:pathLst>
+            </a:custGeom>
+            <a:noFill/>
+            <a:ln>
+              <a:solidFill>
+                <a:schemeClr val="tx1"/>
+              </a:solidFill>
+              <a:headEnd type="triangle" w="med" len="med"/>
+              <a:tailEnd type="none" w="med" len="med"/>
+            </a:ln>
+          </p:spPr>
+          <p:style>
+            <a:lnRef idx="2">
+              <a:schemeClr val="accent1">
+                <a:shade val="50000"/>
+              </a:schemeClr>
+            </a:lnRef>
+            <a:fillRef idx="1">
+              <a:schemeClr val="accent1"/>
+            </a:fillRef>
+            <a:effectRef idx="0">
+              <a:schemeClr val="accent1"/>
+            </a:effectRef>
+            <a:fontRef idx="minor">
+              <a:schemeClr val="lt1"/>
+            </a:fontRef>
+          </p:style>
+          <p:txBody>
+            <a:bodyPr rtlCol="0" anchor="ctr"/>
+            <a:lstStyle/>
+            <a:p>
+              <a:pPr algn="ctr"/>
+              <a:endParaRPr kumimoji="1" lang="ja-JP" altLang="en-US" sz="900"/>
+            </a:p>
+          </p:txBody>
+        </p:sp>
+        <p:sp>
+          <p:nvSpPr>
+            <p:cNvPr id="26" name="フリーフォーム 25">
+              <a:extLst>
+                <a:ext uri="{FF2B5EF4-FFF2-40B4-BE49-F238E27FC236}">
+                  <a16:creationId xmlns:a16="http://schemas.microsoft.com/office/drawing/2014/main" id="{3688C309-4CD4-BBBE-80BC-435239CFE356}"/>
+                </a:ext>
+              </a:extLst>
+            </p:cNvPr>
+            <p:cNvSpPr/>
+            <p:nvPr/>
+          </p:nvSpPr>
+          <p:spPr>
+            <a:xfrm rot="14211246">
+              <a:off x="1869550" y="5621375"/>
+              <a:ext cx="569984" cy="504222"/>
+            </a:xfrm>
+            <a:custGeom>
+              <a:avLst/>
+              <a:gdLst>
+                <a:gd name="connsiteX0" fmla="*/ 340243 w 994728"/>
+                <a:gd name="connsiteY0" fmla="*/ 904555 h 904555"/>
+                <a:gd name="connsiteX1" fmla="*/ 3912 w 994728"/>
+                <a:gd name="connsiteY1" fmla="*/ 347507 h 904555"/>
+                <a:gd name="connsiteX2" fmla="*/ 539940 w 994728"/>
+                <a:gd name="connsiteY2" fmla="*/ 665 h 904555"/>
+                <a:gd name="connsiteX3" fmla="*/ 991884 w 994728"/>
+                <a:gd name="connsiteY3" fmla="*/ 431590 h 904555"/>
+                <a:gd name="connsiteX4" fmla="*/ 697595 w 994728"/>
+                <a:gd name="connsiteY4" fmla="*/ 830983 h 904555"/>
+              </a:gdLst>
+              <a:ahLst/>
+              <a:cxnLst>
+                <a:cxn ang="0">
+                  <a:pos x="connsiteX0" y="connsiteY0"/>
+                </a:cxn>
+                <a:cxn ang="0">
+                  <a:pos x="connsiteX1" y="connsiteY1"/>
+                </a:cxn>
+                <a:cxn ang="0">
+                  <a:pos x="connsiteX2" y="connsiteY2"/>
+                </a:cxn>
+                <a:cxn ang="0">
+                  <a:pos x="connsiteX3" y="connsiteY3"/>
+                </a:cxn>
+                <a:cxn ang="0">
+                  <a:pos x="connsiteX4" y="connsiteY4"/>
+                </a:cxn>
+              </a:cxnLst>
+              <a:rect l="l" t="t" r="r" b="b"/>
+              <a:pathLst>
+                <a:path w="994728" h="904555">
+                  <a:moveTo>
+                    <a:pt x="340243" y="904555"/>
+                  </a:moveTo>
+                  <a:cubicBezTo>
+                    <a:pt x="155436" y="701355"/>
+                    <a:pt x="-29371" y="498155"/>
+                    <a:pt x="3912" y="347507"/>
+                  </a:cubicBezTo>
+                  <a:cubicBezTo>
+                    <a:pt x="37195" y="196859"/>
+                    <a:pt x="375278" y="-13349"/>
+                    <a:pt x="539940" y="665"/>
+                  </a:cubicBezTo>
+                  <a:cubicBezTo>
+                    <a:pt x="704602" y="14679"/>
+                    <a:pt x="965608" y="293204"/>
+                    <a:pt x="991884" y="431590"/>
+                  </a:cubicBezTo>
+                  <a:cubicBezTo>
+                    <a:pt x="1018160" y="569976"/>
+                    <a:pt x="857877" y="700479"/>
+                    <a:pt x="697595" y="830983"/>
+                  </a:cubicBezTo>
+                </a:path>
+              </a:pathLst>
+            </a:custGeom>
+            <a:noFill/>
+            <a:ln>
+              <a:solidFill>
+                <a:schemeClr val="tx1"/>
+              </a:solidFill>
+              <a:headEnd type="triangle" w="med" len="med"/>
+              <a:tailEnd type="none" w="med" len="med"/>
+            </a:ln>
+          </p:spPr>
+          <p:style>
+            <a:lnRef idx="2">
+              <a:schemeClr val="accent1">
+                <a:shade val="50000"/>
+              </a:schemeClr>
+            </a:lnRef>
+            <a:fillRef idx="1">
+              <a:schemeClr val="accent1"/>
+            </a:fillRef>
+            <a:effectRef idx="0">
+              <a:schemeClr val="accent1"/>
+            </a:effectRef>
+            <a:fontRef idx="minor">
+              <a:schemeClr val="lt1"/>
+            </a:fontRef>
+          </p:style>
+          <p:txBody>
+            <a:bodyPr rtlCol="0" anchor="ctr"/>
+            <a:lstStyle/>
+            <a:p>
+              <a:pPr algn="ctr"/>
+              <a:endParaRPr kumimoji="1" lang="ja-JP" altLang="en-US" sz="900"/>
+            </a:p>
+          </p:txBody>
+        </p:sp>
+        <p:sp>
+          <p:nvSpPr>
+            <p:cNvPr id="27" name="テキスト ボックス 26">
+              <a:extLst>
+                <a:ext uri="{FF2B5EF4-FFF2-40B4-BE49-F238E27FC236}">
+                  <a16:creationId xmlns:a16="http://schemas.microsoft.com/office/drawing/2014/main" id="{DDE080B3-531E-4B15-D268-D24988E98200}"/>
+                </a:ext>
+              </a:extLst>
+            </p:cNvPr>
+            <p:cNvSpPr txBox="1"/>
+            <p:nvPr/>
+          </p:nvSpPr>
+          <p:spPr>
+            <a:xfrm>
+              <a:off x="5414201" y="1770270"/>
+              <a:ext cx="917710" cy="631410"/>
+            </a:xfrm>
+            <a:prstGeom prst="rect">
+              <a:avLst/>
+            </a:prstGeom>
+            <a:noFill/>
+          </p:spPr>
+          <p:txBody>
+            <a:bodyPr wrap="none" rtlCol="0">
+              <a:spAutoFit/>
+            </a:bodyPr>
+            <a:lstStyle/>
+            <a:p>
+              <a:r>
+                <a:rPr kumimoji="1" lang="en-US" altLang="ja-JP" sz="1100" dirty="0">
+                  <a:solidFill>
+                    <a:srgbClr val="7030A0"/>
+                  </a:solidFill>
+                </a:rPr>
+                <a:t>1/6</a:t>
+              </a:r>
+              <a:endParaRPr kumimoji="1" lang="ja-JP" altLang="en-US" sz="1100">
+                <a:solidFill>
+                  <a:srgbClr val="7030A0"/>
+                </a:solidFill>
+              </a:endParaRPr>
+            </a:p>
+          </p:txBody>
+        </p:sp>
+        <p:sp>
+          <p:nvSpPr>
+            <p:cNvPr id="28" name="テキスト ボックス 27">
+              <a:extLst>
+                <a:ext uri="{FF2B5EF4-FFF2-40B4-BE49-F238E27FC236}">
+                  <a16:creationId xmlns:a16="http://schemas.microsoft.com/office/drawing/2014/main" id="{3647224F-C49C-F797-B515-15DD3D733048}"/>
+                </a:ext>
+              </a:extLst>
+            </p:cNvPr>
+            <p:cNvSpPr txBox="1"/>
+            <p:nvPr/>
+          </p:nvSpPr>
+          <p:spPr>
+            <a:xfrm>
+              <a:off x="2843104" y="3599516"/>
+              <a:ext cx="917710" cy="631410"/>
+            </a:xfrm>
+            <a:prstGeom prst="rect">
+              <a:avLst/>
+            </a:prstGeom>
+            <a:noFill/>
+          </p:spPr>
+          <p:txBody>
+            <a:bodyPr wrap="none" rtlCol="0">
+              <a:spAutoFit/>
+            </a:bodyPr>
+            <a:lstStyle/>
+            <a:p>
+              <a:r>
+                <a:rPr kumimoji="1" lang="en-US" altLang="ja-JP" sz="1100" dirty="0">
+                  <a:solidFill>
+                    <a:srgbClr val="7030A0"/>
+                  </a:solidFill>
+                </a:rPr>
+                <a:t>1/3</a:t>
+              </a:r>
+              <a:endParaRPr kumimoji="1" lang="ja-JP" altLang="en-US" sz="1100">
+                <a:solidFill>
+                  <a:srgbClr val="7030A0"/>
+                </a:solidFill>
+              </a:endParaRPr>
+            </a:p>
+          </p:txBody>
+        </p:sp>
+        <p:sp>
+          <p:nvSpPr>
+            <p:cNvPr id="29" name="テキスト ボックス 28">
+              <a:extLst>
+                <a:ext uri="{FF2B5EF4-FFF2-40B4-BE49-F238E27FC236}">
+                  <a16:creationId xmlns:a16="http://schemas.microsoft.com/office/drawing/2014/main" id="{70FDFD34-28C1-2051-32B1-1BAC3A8BC828}"/>
+                </a:ext>
+              </a:extLst>
+            </p:cNvPr>
+            <p:cNvSpPr txBox="1"/>
+            <p:nvPr/>
+          </p:nvSpPr>
+          <p:spPr>
+            <a:xfrm>
+              <a:off x="4849133" y="4269439"/>
+              <a:ext cx="917710" cy="631410"/>
+            </a:xfrm>
+            <a:prstGeom prst="rect">
+              <a:avLst/>
+            </a:prstGeom>
+            <a:noFill/>
+          </p:spPr>
+          <p:txBody>
+            <a:bodyPr wrap="none" rtlCol="0">
+              <a:spAutoFit/>
+            </a:bodyPr>
+            <a:lstStyle/>
+            <a:p>
+              <a:r>
+                <a:rPr kumimoji="1" lang="en-US" altLang="ja-JP" sz="1100" dirty="0">
+                  <a:solidFill>
+                    <a:srgbClr val="7030A0"/>
+                  </a:solidFill>
+                </a:rPr>
+                <a:t>1/2</a:t>
+              </a:r>
+              <a:endParaRPr kumimoji="1" lang="ja-JP" altLang="en-US" sz="1100">
+                <a:solidFill>
+                  <a:srgbClr val="7030A0"/>
+                </a:solidFill>
+              </a:endParaRPr>
+            </a:p>
+          </p:txBody>
+        </p:sp>
+        <p:sp>
+          <p:nvSpPr>
+            <p:cNvPr id="30" name="テキスト ボックス 29">
+              <a:extLst>
+                <a:ext uri="{FF2B5EF4-FFF2-40B4-BE49-F238E27FC236}">
+                  <a16:creationId xmlns:a16="http://schemas.microsoft.com/office/drawing/2014/main" id="{C41A0B4C-AC25-569F-D8A5-5C29E9AF8606}"/>
+                </a:ext>
+              </a:extLst>
+            </p:cNvPr>
+            <p:cNvSpPr txBox="1"/>
+            <p:nvPr/>
+          </p:nvSpPr>
+          <p:spPr>
+            <a:xfrm>
+              <a:off x="1230562" y="5890832"/>
+              <a:ext cx="917710" cy="631410"/>
+            </a:xfrm>
+            <a:prstGeom prst="rect">
+              <a:avLst/>
+            </a:prstGeom>
+            <a:noFill/>
+          </p:spPr>
+          <p:txBody>
+            <a:bodyPr wrap="none" rtlCol="0">
+              <a:spAutoFit/>
+            </a:bodyPr>
+            <a:lstStyle/>
+            <a:p>
+              <a:r>
+                <a:rPr kumimoji="1" lang="en-US" altLang="ja-JP" sz="1100" dirty="0">
+                  <a:solidFill>
+                    <a:srgbClr val="92D050"/>
+                  </a:solidFill>
+                </a:rPr>
+                <a:t>1/3</a:t>
+              </a:r>
+              <a:endParaRPr kumimoji="1" lang="ja-JP" altLang="en-US" sz="1100">
+                <a:solidFill>
+                  <a:srgbClr val="92D050"/>
+                </a:solidFill>
+              </a:endParaRPr>
+            </a:p>
+          </p:txBody>
+        </p:sp>
+        <p:sp>
+          <p:nvSpPr>
+            <p:cNvPr id="31" name="テキスト ボックス 30">
+              <a:extLst>
+                <a:ext uri="{FF2B5EF4-FFF2-40B4-BE49-F238E27FC236}">
+                  <a16:creationId xmlns:a16="http://schemas.microsoft.com/office/drawing/2014/main" id="{6D33A304-7B6B-050E-8051-BC1DC023DDC8}"/>
+                </a:ext>
+              </a:extLst>
+            </p:cNvPr>
+            <p:cNvSpPr txBox="1"/>
+            <p:nvPr/>
+          </p:nvSpPr>
+          <p:spPr>
+            <a:xfrm>
+              <a:off x="7400450" y="5559533"/>
+              <a:ext cx="917710" cy="631410"/>
+            </a:xfrm>
+            <a:prstGeom prst="rect">
+              <a:avLst/>
+            </a:prstGeom>
+            <a:noFill/>
+          </p:spPr>
+          <p:txBody>
+            <a:bodyPr wrap="none" rtlCol="0">
+              <a:spAutoFit/>
+            </a:bodyPr>
+            <a:lstStyle/>
+            <a:p>
+              <a:r>
+                <a:rPr kumimoji="1" lang="en-US" altLang="ja-JP" sz="1100" dirty="0">
+                  <a:solidFill>
+                    <a:srgbClr val="FFC000"/>
+                  </a:solidFill>
+                </a:rPr>
+                <a:t>1/2</a:t>
+              </a:r>
+              <a:endParaRPr kumimoji="1" lang="ja-JP" altLang="en-US" sz="1100">
+                <a:solidFill>
+                  <a:srgbClr val="FFC000"/>
+                </a:solidFill>
+              </a:endParaRPr>
+            </a:p>
+          </p:txBody>
+        </p:sp>
+        <p:sp>
+          <p:nvSpPr>
+            <p:cNvPr id="32" name="テキスト ボックス 31">
+              <a:extLst>
+                <a:ext uri="{FF2B5EF4-FFF2-40B4-BE49-F238E27FC236}">
+                  <a16:creationId xmlns:a16="http://schemas.microsoft.com/office/drawing/2014/main" id="{A5CC7137-7EC8-2B0F-095D-6EE035380066}"/>
+                </a:ext>
+              </a:extLst>
+            </p:cNvPr>
+            <p:cNvSpPr txBox="1"/>
+            <p:nvPr/>
+          </p:nvSpPr>
+          <p:spPr>
+            <a:xfrm>
+              <a:off x="3725328" y="4241857"/>
+              <a:ext cx="917710" cy="631410"/>
+            </a:xfrm>
+            <a:prstGeom prst="rect">
+              <a:avLst/>
+            </a:prstGeom>
+            <a:noFill/>
+          </p:spPr>
+          <p:txBody>
+            <a:bodyPr wrap="none" rtlCol="0">
+              <a:spAutoFit/>
+            </a:bodyPr>
+            <a:lstStyle/>
+            <a:p>
+              <a:r>
+                <a:rPr kumimoji="1" lang="en-US" altLang="ja-JP" sz="1100" dirty="0">
+                  <a:solidFill>
+                    <a:srgbClr val="92D050"/>
+                  </a:solidFill>
+                </a:rPr>
+                <a:t>1/6</a:t>
+              </a:r>
+              <a:endParaRPr kumimoji="1" lang="ja-JP" altLang="en-US" sz="1100">
+                <a:solidFill>
+                  <a:srgbClr val="92D050"/>
+                </a:solidFill>
+              </a:endParaRPr>
+            </a:p>
+          </p:txBody>
+        </p:sp>
+        <p:sp>
+          <p:nvSpPr>
+            <p:cNvPr id="33" name="テキスト ボックス 32">
+              <a:extLst>
+                <a:ext uri="{FF2B5EF4-FFF2-40B4-BE49-F238E27FC236}">
+                  <a16:creationId xmlns:a16="http://schemas.microsoft.com/office/drawing/2014/main" id="{3D8006D2-7D6B-9713-195E-7FF85FA081BD}"/>
+                </a:ext>
+              </a:extLst>
+            </p:cNvPr>
+            <p:cNvSpPr txBox="1"/>
+            <p:nvPr/>
+          </p:nvSpPr>
+          <p:spPr>
+            <a:xfrm>
+              <a:off x="4204447" y="6038377"/>
+              <a:ext cx="917710" cy="631410"/>
+            </a:xfrm>
+            <a:prstGeom prst="rect">
+              <a:avLst/>
+            </a:prstGeom>
+            <a:noFill/>
+          </p:spPr>
+          <p:txBody>
+            <a:bodyPr wrap="none" rtlCol="0">
+              <a:spAutoFit/>
+            </a:bodyPr>
+            <a:lstStyle/>
+            <a:p>
+              <a:r>
+                <a:rPr kumimoji="1" lang="en-US" altLang="ja-JP" sz="1100" dirty="0">
+                  <a:solidFill>
+                    <a:srgbClr val="92D050"/>
+                  </a:solidFill>
+                </a:rPr>
+                <a:t>1/2</a:t>
+              </a:r>
+              <a:endParaRPr kumimoji="1" lang="ja-JP" altLang="en-US" sz="1100">
+                <a:solidFill>
+                  <a:srgbClr val="92D050"/>
+                </a:solidFill>
+              </a:endParaRPr>
+            </a:p>
+          </p:txBody>
+        </p:sp>
+        <p:sp>
+          <p:nvSpPr>
+            <p:cNvPr id="34" name="テキスト ボックス 33">
+              <a:extLst>
+                <a:ext uri="{FF2B5EF4-FFF2-40B4-BE49-F238E27FC236}">
+                  <a16:creationId xmlns:a16="http://schemas.microsoft.com/office/drawing/2014/main" id="{030EA1F3-DFD3-86AA-BF25-5C967B92607A}"/>
+                </a:ext>
+              </a:extLst>
+            </p:cNvPr>
+            <p:cNvSpPr txBox="1"/>
+            <p:nvPr/>
+          </p:nvSpPr>
+          <p:spPr>
+            <a:xfrm>
+              <a:off x="5700622" y="3671447"/>
+              <a:ext cx="917710" cy="631410"/>
+            </a:xfrm>
+            <a:prstGeom prst="rect">
+              <a:avLst/>
+            </a:prstGeom>
+            <a:noFill/>
+          </p:spPr>
+          <p:txBody>
+            <a:bodyPr wrap="none" rtlCol="0">
+              <a:spAutoFit/>
+            </a:bodyPr>
+            <a:lstStyle/>
+            <a:p>
+              <a:r>
+                <a:rPr kumimoji="1" lang="en-US" altLang="ja-JP" sz="1100" dirty="0">
+                  <a:solidFill>
+                    <a:srgbClr val="FFC000"/>
+                  </a:solidFill>
+                </a:rPr>
+                <a:t>1/6</a:t>
+              </a:r>
+              <a:endParaRPr kumimoji="1" lang="ja-JP" altLang="en-US" sz="1100">
+                <a:solidFill>
+                  <a:srgbClr val="FFC000"/>
+                </a:solidFill>
+              </a:endParaRPr>
+            </a:p>
+          </p:txBody>
+        </p:sp>
+        <p:sp>
+          <p:nvSpPr>
+            <p:cNvPr id="35" name="テキスト ボックス 34">
+              <a:extLst>
+                <a:ext uri="{FF2B5EF4-FFF2-40B4-BE49-F238E27FC236}">
+                  <a16:creationId xmlns:a16="http://schemas.microsoft.com/office/drawing/2014/main" id="{594AF152-EB72-8B38-E587-460FA3331022}"/>
+                </a:ext>
+              </a:extLst>
+            </p:cNvPr>
+            <p:cNvSpPr txBox="1"/>
+            <p:nvPr/>
+          </p:nvSpPr>
+          <p:spPr>
+            <a:xfrm>
+              <a:off x="4204447" y="5060367"/>
+              <a:ext cx="917710" cy="631410"/>
+            </a:xfrm>
+            <a:prstGeom prst="rect">
+              <a:avLst/>
+            </a:prstGeom>
+            <a:noFill/>
+          </p:spPr>
+          <p:txBody>
+            <a:bodyPr wrap="none" rtlCol="0">
+              <a:spAutoFit/>
+            </a:bodyPr>
+            <a:lstStyle/>
+            <a:p>
+              <a:r>
+                <a:rPr kumimoji="1" lang="en-US" altLang="ja-JP" sz="1100" dirty="0">
+                  <a:solidFill>
+                    <a:srgbClr val="FFC000"/>
+                  </a:solidFill>
+                </a:rPr>
+                <a:t>1/3</a:t>
+              </a:r>
+              <a:endParaRPr kumimoji="1" lang="ja-JP" altLang="en-US" sz="1100">
+                <a:solidFill>
+                  <a:srgbClr val="FFC000"/>
+                </a:solidFill>
+              </a:endParaRPr>
+            </a:p>
+          </p:txBody>
+        </p:sp>
+      </p:grpSp>
+      <p:sp>
+        <p:nvSpPr>
+          <p:cNvPr id="36" name="角丸四角形 35">
+            <a:extLst>
+              <a:ext uri="{FF2B5EF4-FFF2-40B4-BE49-F238E27FC236}">
+                <a16:creationId xmlns:a16="http://schemas.microsoft.com/office/drawing/2014/main" id="{9D8AA3E5-2D42-226A-DD88-85FA8E9D48B2}"/>
+              </a:ext>
+            </a:extLst>
+          </p:cNvPr>
+          <p:cNvSpPr/>
+          <p:nvPr/>
+        </p:nvSpPr>
+        <p:spPr>
+          <a:xfrm rot="2333837">
+            <a:off x="2983500" y="3671132"/>
+            <a:ext cx="744336" cy="2947262"/>
+          </a:xfrm>
+          <a:prstGeom prst="roundRect">
+            <a:avLst/>
+          </a:prstGeom>
+          <a:noFill/>
+          <a:ln w="19050">
+            <a:solidFill>
+              <a:srgbClr val="FF0000"/>
+            </a:solidFill>
+            <a:prstDash val="dash"/>
+          </a:ln>
+        </p:spPr>
+        <p:style>
+          <a:lnRef idx="2">
+            <a:schemeClr val="accent1">
+              <a:shade val="50000"/>
+            </a:schemeClr>
+          </a:lnRef>
+          <a:fillRef idx="1">
+            <a:schemeClr val="accent1"/>
+          </a:fillRef>
+          <a:effectRef idx="0">
+            <a:schemeClr val="accent1"/>
+          </a:effectRef>
+          <a:fontRef idx="minor">
+            <a:schemeClr val="lt1"/>
+          </a:fontRef>
+        </p:style>
+        <p:txBody>
+          <a:bodyPr rtlCol="0" anchor="ctr"/>
+          <a:lstStyle/>
+          <a:p>
+            <a:pPr algn="ctr"/>
+            <a:endParaRPr kumimoji="1" lang="ja-JP" altLang="en-US"/>
+          </a:p>
+        </p:txBody>
+      </p:sp>
+    </p:spTree>
+    <p:extLst>
+      <p:ext uri="{BB962C8B-B14F-4D97-AF65-F5344CB8AC3E}">
+        <p14:creationId xmlns:p14="http://schemas.microsoft.com/office/powerpoint/2010/main" val="3903008171"/>
+      </p:ext>
+    </p:extLst>
+  </p:cSld>
+  <p:clrMapOvr>
+    <a:masterClrMapping/>
+  </p:clrMapOvr>
+</p:sld>
+</file>
+
+<file path=ppt/slides/slide13.xml><?xml version="1.0" encoding="utf-8"?>
+<p:sld xmlns:a="http://schemas.openxmlformats.org/drawingml/2006/main" xmlns:r="http://schemas.openxmlformats.org/officeDocument/2006/relationships" xmlns:p="http://schemas.openxmlformats.org/presentationml/2006/main">
+  <p:cSld>
+    <p:spTree>
+      <p:nvGrpSpPr>
+        <p:cNvPr id="1" name=""/>
+        <p:cNvGrpSpPr/>
+        <p:nvPr/>
+      </p:nvGrpSpPr>
+      <p:grpSpPr>
+        <a:xfrm>
+          <a:off x="0" y="0"/>
+          <a:ext cx="0" cy="0"/>
+          <a:chOff x="0" y="0"/>
+          <a:chExt cx="0" cy="0"/>
+        </a:xfrm>
+      </p:grpSpPr>
+      <p:sp>
+        <p:nvSpPr>
+          <p:cNvPr id="2" name="テキスト プレースホルダー 1">
+            <a:extLst>
+              <a:ext uri="{FF2B5EF4-FFF2-40B4-BE49-F238E27FC236}">
+                <a16:creationId xmlns:a16="http://schemas.microsoft.com/office/drawing/2014/main" id="{90C5A67D-A3EC-3135-5620-F4F0A981090C}"/>
+              </a:ext>
+            </a:extLst>
+          </p:cNvPr>
+          <p:cNvSpPr>
+            <a:spLocks noGrp="1"/>
+          </p:cNvSpPr>
+          <p:nvPr>
+            <p:ph type="body" sz="quarter" idx="10"/>
+          </p:nvPr>
+        </p:nvSpPr>
+        <p:spPr/>
+        <p:txBody>
+          <a:bodyPr/>
+          <a:lstStyle/>
+          <a:p>
+            <a:r>
+              <a:rPr kumimoji="1" lang="ja-JP" altLang="en-US"/>
+              <a:t>詳細釣り合い条件</a:t>
+            </a:r>
+          </a:p>
+        </p:txBody>
+      </p:sp>
+      <p:sp>
+        <p:nvSpPr>
+          <p:cNvPr id="3" name="円/楕円 2">
+            <a:extLst>
+              <a:ext uri="{FF2B5EF4-FFF2-40B4-BE49-F238E27FC236}">
+                <a16:creationId xmlns:a16="http://schemas.microsoft.com/office/drawing/2014/main" id="{12464381-23E1-552D-CE4A-98EEF39199B0}"/>
+              </a:ext>
+            </a:extLst>
+          </p:cNvPr>
+          <p:cNvSpPr/>
+          <p:nvPr/>
+        </p:nvSpPr>
+        <p:spPr>
+          <a:xfrm>
+            <a:off x="2554802" y="1700808"/>
+            <a:ext cx="864096" cy="864096"/>
+          </a:xfrm>
+          <a:prstGeom prst="ellipse">
+            <a:avLst/>
+          </a:prstGeom>
+          <a:noFill/>
+          <a:ln>
+            <a:solidFill>
+              <a:schemeClr val="tx1"/>
+            </a:solidFill>
+          </a:ln>
+        </p:spPr>
+        <p:style>
+          <a:lnRef idx="2">
+            <a:schemeClr val="accent1">
+              <a:shade val="50000"/>
+            </a:schemeClr>
+          </a:lnRef>
+          <a:fillRef idx="1">
+            <a:schemeClr val="accent1"/>
+          </a:fillRef>
+          <a:effectRef idx="0">
+            <a:schemeClr val="accent1"/>
+          </a:effectRef>
+          <a:fontRef idx="minor">
+            <a:schemeClr val="lt1"/>
+          </a:fontRef>
+        </p:style>
+        <p:txBody>
+          <a:bodyPr rtlCol="0" anchor="ctr"/>
+          <a:lstStyle/>
+          <a:p>
+            <a:pPr algn="ctr"/>
+            <a:r>
+              <a:rPr kumimoji="1" lang="en-US" altLang="ja-JP" sz="4000" dirty="0">
+                <a:solidFill>
+                  <a:schemeClr val="tx1"/>
+                </a:solidFill>
+              </a:rPr>
+              <a:t>1</a:t>
+            </a:r>
+            <a:endParaRPr kumimoji="1" lang="ja-JP" altLang="en-US" sz="4000">
+              <a:solidFill>
+                <a:schemeClr val="tx1"/>
+              </a:solidFill>
+            </a:endParaRPr>
+          </a:p>
+        </p:txBody>
+      </p:sp>
+      <p:sp>
+        <p:nvSpPr>
+          <p:cNvPr id="4" name="円/楕円 3">
+            <a:extLst>
+              <a:ext uri="{FF2B5EF4-FFF2-40B4-BE49-F238E27FC236}">
+                <a16:creationId xmlns:a16="http://schemas.microsoft.com/office/drawing/2014/main" id="{D6CB75BE-175E-54C9-322F-6F0943B810A9}"/>
+              </a:ext>
+            </a:extLst>
+          </p:cNvPr>
+          <p:cNvSpPr/>
+          <p:nvPr/>
+        </p:nvSpPr>
+        <p:spPr>
+          <a:xfrm>
+            <a:off x="5652120" y="1700808"/>
+            <a:ext cx="864096" cy="864096"/>
+          </a:xfrm>
+          <a:prstGeom prst="ellipse">
+            <a:avLst/>
+          </a:prstGeom>
+          <a:noFill/>
+          <a:ln>
+            <a:solidFill>
+              <a:schemeClr val="tx1"/>
+            </a:solidFill>
+          </a:ln>
+        </p:spPr>
+        <p:style>
+          <a:lnRef idx="2">
+            <a:schemeClr val="accent1">
+              <a:shade val="50000"/>
+            </a:schemeClr>
+          </a:lnRef>
+          <a:fillRef idx="1">
+            <a:schemeClr val="accent1"/>
+          </a:fillRef>
+          <a:effectRef idx="0">
+            <a:schemeClr val="accent1"/>
+          </a:effectRef>
+          <a:fontRef idx="minor">
+            <a:schemeClr val="lt1"/>
+          </a:fontRef>
+        </p:style>
+        <p:txBody>
+          <a:bodyPr rtlCol="0" anchor="ctr"/>
+          <a:lstStyle/>
+          <a:p>
+            <a:pPr algn="ctr"/>
+            <a:r>
+              <a:rPr kumimoji="1" lang="en-US" altLang="ja-JP" sz="4000" dirty="0">
+                <a:solidFill>
+                  <a:schemeClr val="tx1"/>
+                </a:solidFill>
+              </a:rPr>
+              <a:t>2</a:t>
+            </a:r>
+            <a:endParaRPr kumimoji="1" lang="ja-JP" altLang="en-US" sz="4000">
+              <a:solidFill>
+                <a:schemeClr val="tx1"/>
+              </a:solidFill>
+            </a:endParaRPr>
+          </a:p>
+        </p:txBody>
+      </p:sp>
+      <p:sp>
+        <p:nvSpPr>
+          <p:cNvPr id="5" name="フリーフォーム 4">
+            <a:extLst>
+              <a:ext uri="{FF2B5EF4-FFF2-40B4-BE49-F238E27FC236}">
+                <a16:creationId xmlns:a16="http://schemas.microsoft.com/office/drawing/2014/main" id="{936D165E-F4CF-5786-DAB0-9A2546EB6863}"/>
+              </a:ext>
+            </a:extLst>
+          </p:cNvPr>
+          <p:cNvSpPr/>
+          <p:nvPr/>
+        </p:nvSpPr>
+        <p:spPr>
+          <a:xfrm rot="18815011">
+            <a:off x="2203380" y="1319080"/>
+            <a:ext cx="488330" cy="431989"/>
+          </a:xfrm>
+          <a:custGeom>
+            <a:avLst/>
+            <a:gdLst>
+              <a:gd name="connsiteX0" fmla="*/ 340243 w 994728"/>
+              <a:gd name="connsiteY0" fmla="*/ 904555 h 904555"/>
+              <a:gd name="connsiteX1" fmla="*/ 3912 w 994728"/>
+              <a:gd name="connsiteY1" fmla="*/ 347507 h 904555"/>
+              <a:gd name="connsiteX2" fmla="*/ 539940 w 994728"/>
+              <a:gd name="connsiteY2" fmla="*/ 665 h 904555"/>
+              <a:gd name="connsiteX3" fmla="*/ 991884 w 994728"/>
+              <a:gd name="connsiteY3" fmla="*/ 431590 h 904555"/>
+              <a:gd name="connsiteX4" fmla="*/ 697595 w 994728"/>
+              <a:gd name="connsiteY4" fmla="*/ 830983 h 904555"/>
+            </a:gdLst>
+            <a:ahLst/>
+            <a:cxnLst>
+              <a:cxn ang="0">
+                <a:pos x="connsiteX0" y="connsiteY0"/>
+              </a:cxn>
+              <a:cxn ang="0">
+                <a:pos x="connsiteX1" y="connsiteY1"/>
+              </a:cxn>
+              <a:cxn ang="0">
+                <a:pos x="connsiteX2" y="connsiteY2"/>
+              </a:cxn>
+              <a:cxn ang="0">
+                <a:pos x="connsiteX3" y="connsiteY3"/>
+              </a:cxn>
+              <a:cxn ang="0">
+                <a:pos x="connsiteX4" y="connsiteY4"/>
+              </a:cxn>
+            </a:cxnLst>
+            <a:rect l="l" t="t" r="r" b="b"/>
+            <a:pathLst>
+              <a:path w="994728" h="904555">
+                <a:moveTo>
+                  <a:pt x="340243" y="904555"/>
+                </a:moveTo>
+                <a:cubicBezTo>
+                  <a:pt x="155436" y="701355"/>
+                  <a:pt x="-29371" y="498155"/>
+                  <a:pt x="3912" y="347507"/>
+                </a:cubicBezTo>
+                <a:cubicBezTo>
+                  <a:pt x="37195" y="196859"/>
+                  <a:pt x="375278" y="-13349"/>
+                  <a:pt x="539940" y="665"/>
+                </a:cubicBezTo>
+                <a:cubicBezTo>
+                  <a:pt x="704602" y="14679"/>
+                  <a:pt x="965608" y="293204"/>
+                  <a:pt x="991884" y="431590"/>
+                </a:cubicBezTo>
+                <a:cubicBezTo>
+                  <a:pt x="1018160" y="569976"/>
+                  <a:pt x="857877" y="700479"/>
+                  <a:pt x="697595" y="830983"/>
+                </a:cubicBezTo>
+              </a:path>
+            </a:pathLst>
+          </a:custGeom>
+          <a:noFill/>
+          <a:ln>
+            <a:solidFill>
+              <a:schemeClr val="tx1"/>
+            </a:solidFill>
+            <a:headEnd type="triangle" w="med" len="med"/>
+            <a:tailEnd type="none" w="med" len="med"/>
+          </a:ln>
+        </p:spPr>
+        <p:style>
+          <a:lnRef idx="2">
+            <a:schemeClr val="accent1">
+              <a:shade val="50000"/>
+            </a:schemeClr>
+          </a:lnRef>
+          <a:fillRef idx="1">
+            <a:schemeClr val="accent1"/>
+          </a:fillRef>
+          <a:effectRef idx="0">
+            <a:schemeClr val="accent1"/>
+          </a:effectRef>
+          <a:fontRef idx="minor">
+            <a:schemeClr val="lt1"/>
+          </a:fontRef>
+        </p:style>
+        <p:txBody>
+          <a:bodyPr rtlCol="0" anchor="ctr"/>
+          <a:lstStyle/>
+          <a:p>
+            <a:pPr algn="ctr"/>
+            <a:endParaRPr kumimoji="1" lang="ja-JP" altLang="en-US" sz="900"/>
+          </a:p>
+        </p:txBody>
+      </p:sp>
+      <p:sp>
+        <p:nvSpPr>
+          <p:cNvPr id="6" name="フリーフォーム 5">
+            <a:extLst>
+              <a:ext uri="{FF2B5EF4-FFF2-40B4-BE49-F238E27FC236}">
+                <a16:creationId xmlns:a16="http://schemas.microsoft.com/office/drawing/2014/main" id="{A4D42D35-4239-079B-6E4F-5D1FE0C74E5E}"/>
+              </a:ext>
+            </a:extLst>
+          </p:cNvPr>
+          <p:cNvSpPr/>
+          <p:nvPr/>
+        </p:nvSpPr>
+        <p:spPr>
+          <a:xfrm rot="3600000">
+            <a:off x="6509180" y="1384764"/>
+            <a:ext cx="488330" cy="431989"/>
+          </a:xfrm>
+          <a:custGeom>
+            <a:avLst/>
+            <a:gdLst>
+              <a:gd name="connsiteX0" fmla="*/ 340243 w 994728"/>
+              <a:gd name="connsiteY0" fmla="*/ 904555 h 904555"/>
+              <a:gd name="connsiteX1" fmla="*/ 3912 w 994728"/>
+              <a:gd name="connsiteY1" fmla="*/ 347507 h 904555"/>
+              <a:gd name="connsiteX2" fmla="*/ 539940 w 994728"/>
+              <a:gd name="connsiteY2" fmla="*/ 665 h 904555"/>
+              <a:gd name="connsiteX3" fmla="*/ 991884 w 994728"/>
+              <a:gd name="connsiteY3" fmla="*/ 431590 h 904555"/>
+              <a:gd name="connsiteX4" fmla="*/ 697595 w 994728"/>
+              <a:gd name="connsiteY4" fmla="*/ 830983 h 904555"/>
+            </a:gdLst>
+            <a:ahLst/>
+            <a:cxnLst>
+              <a:cxn ang="0">
+                <a:pos x="connsiteX0" y="connsiteY0"/>
+              </a:cxn>
+              <a:cxn ang="0">
+                <a:pos x="connsiteX1" y="connsiteY1"/>
+              </a:cxn>
+              <a:cxn ang="0">
+                <a:pos x="connsiteX2" y="connsiteY2"/>
+              </a:cxn>
+              <a:cxn ang="0">
+                <a:pos x="connsiteX3" y="connsiteY3"/>
+              </a:cxn>
+              <a:cxn ang="0">
+                <a:pos x="connsiteX4" y="connsiteY4"/>
+              </a:cxn>
+            </a:cxnLst>
+            <a:rect l="l" t="t" r="r" b="b"/>
+            <a:pathLst>
+              <a:path w="994728" h="904555">
+                <a:moveTo>
+                  <a:pt x="340243" y="904555"/>
+                </a:moveTo>
+                <a:cubicBezTo>
+                  <a:pt x="155436" y="701355"/>
+                  <a:pt x="-29371" y="498155"/>
+                  <a:pt x="3912" y="347507"/>
+                </a:cubicBezTo>
+                <a:cubicBezTo>
+                  <a:pt x="37195" y="196859"/>
+                  <a:pt x="375278" y="-13349"/>
+                  <a:pt x="539940" y="665"/>
+                </a:cubicBezTo>
+                <a:cubicBezTo>
+                  <a:pt x="704602" y="14679"/>
+                  <a:pt x="965608" y="293204"/>
+                  <a:pt x="991884" y="431590"/>
+                </a:cubicBezTo>
+                <a:cubicBezTo>
+                  <a:pt x="1018160" y="569976"/>
+                  <a:pt x="857877" y="700479"/>
+                  <a:pt x="697595" y="830983"/>
+                </a:cubicBezTo>
+              </a:path>
+            </a:pathLst>
+          </a:custGeom>
+          <a:noFill/>
+          <a:ln>
+            <a:solidFill>
+              <a:schemeClr val="tx1"/>
+            </a:solidFill>
+            <a:headEnd type="triangle" w="med" len="med"/>
+            <a:tailEnd type="none" w="med" len="med"/>
+          </a:ln>
+        </p:spPr>
+        <p:style>
+          <a:lnRef idx="2">
+            <a:schemeClr val="accent1">
+              <a:shade val="50000"/>
+            </a:schemeClr>
+          </a:lnRef>
+          <a:fillRef idx="1">
+            <a:schemeClr val="accent1"/>
+          </a:fillRef>
+          <a:effectRef idx="0">
+            <a:schemeClr val="accent1"/>
+          </a:effectRef>
+          <a:fontRef idx="minor">
+            <a:schemeClr val="lt1"/>
+          </a:fontRef>
+        </p:style>
+        <p:txBody>
+          <a:bodyPr rtlCol="0" anchor="ctr"/>
+          <a:lstStyle/>
+          <a:p>
+            <a:pPr algn="ctr"/>
+            <a:endParaRPr kumimoji="1" lang="ja-JP" altLang="en-US" sz="900"/>
+          </a:p>
+        </p:txBody>
+      </p:sp>
+      <p:cxnSp>
+        <p:nvCxnSpPr>
+          <p:cNvPr id="8" name="直線矢印コネクタ 7">
+            <a:extLst>
+              <a:ext uri="{FF2B5EF4-FFF2-40B4-BE49-F238E27FC236}">
+                <a16:creationId xmlns:a16="http://schemas.microsoft.com/office/drawing/2014/main" id="{40AEB25C-427E-761F-5995-74E62F0924B1}"/>
+              </a:ext>
+            </a:extLst>
+          </p:cNvPr>
+          <p:cNvCxnSpPr/>
+          <p:nvPr/>
+        </p:nvCxnSpPr>
+        <p:spPr>
+          <a:xfrm>
+            <a:off x="3635896" y="1860850"/>
+            <a:ext cx="1800200" cy="0"/>
+          </a:xfrm>
+          <a:prstGeom prst="straightConnector1">
+            <a:avLst/>
+          </a:prstGeom>
+          <a:ln>
+            <a:solidFill>
+              <a:schemeClr val="tx1"/>
+            </a:solidFill>
+            <a:headEnd type="none" w="med" len="med"/>
+            <a:tailEnd type="triangle"/>
+          </a:ln>
+        </p:spPr>
+        <p:style>
+          <a:lnRef idx="1">
+            <a:schemeClr val="accent1"/>
+          </a:lnRef>
+          <a:fillRef idx="0">
+            <a:schemeClr val="accent1"/>
+          </a:fillRef>
+          <a:effectRef idx="0">
+            <a:schemeClr val="accent1"/>
+          </a:effectRef>
+          <a:fontRef idx="minor">
+            <a:schemeClr val="tx1"/>
+          </a:fontRef>
+        </p:style>
+      </p:cxnSp>
+      <p:cxnSp>
+        <p:nvCxnSpPr>
+          <p:cNvPr id="9" name="直線矢印コネクタ 8">
+            <a:extLst>
+              <a:ext uri="{FF2B5EF4-FFF2-40B4-BE49-F238E27FC236}">
+                <a16:creationId xmlns:a16="http://schemas.microsoft.com/office/drawing/2014/main" id="{F1A4CB1E-1875-2177-6619-2839882878E4}"/>
+              </a:ext>
+            </a:extLst>
+          </p:cNvPr>
+          <p:cNvCxnSpPr>
+            <a:cxnSpLocks/>
+          </p:cNvCxnSpPr>
+          <p:nvPr/>
+        </p:nvCxnSpPr>
+        <p:spPr>
+          <a:xfrm flipH="1">
+            <a:off x="3634922" y="2361428"/>
+            <a:ext cx="1801174" cy="0"/>
+          </a:xfrm>
+          <a:prstGeom prst="straightConnector1">
+            <a:avLst/>
+          </a:prstGeom>
+          <a:ln>
+            <a:solidFill>
+              <a:schemeClr val="tx1"/>
+            </a:solidFill>
+            <a:headEnd type="none" w="med" len="med"/>
+            <a:tailEnd type="triangle"/>
+          </a:ln>
+        </p:spPr>
+        <p:style>
+          <a:lnRef idx="1">
+            <a:schemeClr val="accent1"/>
+          </a:lnRef>
+          <a:fillRef idx="0">
+            <a:schemeClr val="accent1"/>
+          </a:fillRef>
+          <a:effectRef idx="0">
+            <a:schemeClr val="accent1"/>
+          </a:effectRef>
+          <a:fontRef idx="minor">
+            <a:schemeClr val="tx1"/>
+          </a:fontRef>
+        </p:style>
+      </p:cxnSp>
+      <p:sp>
+        <p:nvSpPr>
+          <p:cNvPr id="12" name="テキスト ボックス 11">
+            <a:extLst>
+              <a:ext uri="{FF2B5EF4-FFF2-40B4-BE49-F238E27FC236}">
+                <a16:creationId xmlns:a16="http://schemas.microsoft.com/office/drawing/2014/main" id="{09F84E42-6A0F-5270-7070-B90BD4D1C8B3}"/>
+              </a:ext>
+            </a:extLst>
+          </p:cNvPr>
+          <p:cNvSpPr txBox="1"/>
+          <p:nvPr/>
+        </p:nvSpPr>
+        <p:spPr>
+          <a:xfrm>
+            <a:off x="4283968" y="1353316"/>
+            <a:ext cx="505267" cy="369332"/>
+          </a:xfrm>
+          <a:prstGeom prst="rect">
+            <a:avLst/>
+          </a:prstGeom>
+          <a:noFill/>
+        </p:spPr>
+        <p:txBody>
+          <a:bodyPr wrap="none" rtlCol="0">
+            <a:spAutoFit/>
+          </a:bodyPr>
+          <a:lstStyle/>
+          <a:p>
+            <a:r>
+              <a:rPr kumimoji="1" lang="en-US" altLang="ja-JP" dirty="0"/>
+              <a:t>1/3</a:t>
+            </a:r>
+            <a:endParaRPr kumimoji="1" lang="ja-JP" altLang="en-US"/>
+          </a:p>
+        </p:txBody>
+      </p:sp>
+      <p:sp>
+        <p:nvSpPr>
+          <p:cNvPr id="13" name="テキスト ボックス 12">
+            <a:extLst>
+              <a:ext uri="{FF2B5EF4-FFF2-40B4-BE49-F238E27FC236}">
+                <a16:creationId xmlns:a16="http://schemas.microsoft.com/office/drawing/2014/main" id="{1F80D7FB-1E9D-0051-1FD8-05B9F03B54A4}"/>
+              </a:ext>
+            </a:extLst>
+          </p:cNvPr>
+          <p:cNvSpPr txBox="1"/>
+          <p:nvPr/>
+        </p:nvSpPr>
+        <p:spPr>
+          <a:xfrm>
+            <a:off x="4268384" y="2469189"/>
+            <a:ext cx="505267" cy="369332"/>
+          </a:xfrm>
+          <a:prstGeom prst="rect">
+            <a:avLst/>
+          </a:prstGeom>
+          <a:noFill/>
+        </p:spPr>
+        <p:txBody>
+          <a:bodyPr wrap="none" rtlCol="0">
+            <a:spAutoFit/>
+          </a:bodyPr>
+          <a:lstStyle/>
+          <a:p>
+            <a:r>
+              <a:rPr kumimoji="1" lang="en-US" altLang="ja-JP" dirty="0"/>
+              <a:t>1/6</a:t>
+            </a:r>
+            <a:endParaRPr kumimoji="1" lang="ja-JP" altLang="en-US"/>
+          </a:p>
+        </p:txBody>
+      </p:sp>
+      <p:sp>
+        <p:nvSpPr>
+          <p:cNvPr id="15" name="テキスト ボックス 14">
+            <a:extLst>
+              <a:ext uri="{FF2B5EF4-FFF2-40B4-BE49-F238E27FC236}">
+                <a16:creationId xmlns:a16="http://schemas.microsoft.com/office/drawing/2014/main" id="{54776A9D-526E-E98D-0E88-A62B9D42308A}"/>
+              </a:ext>
+            </a:extLst>
+          </p:cNvPr>
+          <p:cNvSpPr txBox="1"/>
+          <p:nvPr/>
+        </p:nvSpPr>
+        <p:spPr>
+          <a:xfrm>
+            <a:off x="690707" y="2951946"/>
+            <a:ext cx="5303055" cy="830997"/>
+          </a:xfrm>
+          <a:prstGeom prst="rect">
+            <a:avLst/>
+          </a:prstGeom>
+          <a:noFill/>
+        </p:spPr>
+        <p:txBody>
+          <a:bodyPr wrap="none" rtlCol="0">
+            <a:spAutoFit/>
+          </a:bodyPr>
+          <a:lstStyle/>
+          <a:p>
+            <a:pPr marL="342900" indent="-342900">
+              <a:buFont typeface="Arial" panose="020B0604020202020204" pitchFamily="34" charset="0"/>
+              <a:buChar char="•"/>
+            </a:pPr>
+            <a:r>
+              <a:rPr lang="ja-JP" altLang="en-US" sz="2400"/>
+              <a:t>状態</a:t>
+            </a:r>
+            <a:r>
+              <a:rPr lang="en-US" altLang="ja-JP" sz="2400" dirty="0"/>
+              <a:t>1</a:t>
+            </a:r>
+            <a:r>
+              <a:rPr lang="ja-JP" altLang="en-US" sz="2400"/>
+              <a:t>から</a:t>
+            </a:r>
+            <a:r>
+              <a:rPr lang="en-US" altLang="ja-JP" sz="2400" dirty="0"/>
+              <a:t>2</a:t>
+            </a:r>
+            <a:r>
+              <a:rPr lang="ja-JP" altLang="en-US" sz="2400"/>
+              <a:t>へは確率</a:t>
+            </a:r>
+            <a:r>
+              <a:rPr lang="en-US" altLang="ja-JP" sz="2400" dirty="0"/>
+              <a:t>1/3</a:t>
+            </a:r>
+            <a:r>
+              <a:rPr lang="ja-JP" altLang="en-US" sz="2400"/>
+              <a:t>で遷移する</a:t>
+            </a:r>
+            <a:endParaRPr lang="en-US" altLang="ja-JP" sz="2400" dirty="0"/>
+          </a:p>
+          <a:p>
+            <a:pPr marL="342900" indent="-342900">
+              <a:buFont typeface="Arial" panose="020B0604020202020204" pitchFamily="34" charset="0"/>
+              <a:buChar char="•"/>
+            </a:pPr>
+            <a:r>
+              <a:rPr lang="ja-JP" altLang="en-US" sz="2400"/>
+              <a:t>状態</a:t>
+            </a:r>
+            <a:r>
+              <a:rPr lang="en-US" altLang="ja-JP" sz="2400" dirty="0"/>
+              <a:t>2</a:t>
+            </a:r>
+            <a:r>
+              <a:rPr lang="ja-JP" altLang="en-US" sz="2400"/>
+              <a:t>から</a:t>
+            </a:r>
+            <a:r>
+              <a:rPr lang="en-US" altLang="ja-JP" sz="2400" dirty="0"/>
+              <a:t>1</a:t>
+            </a:r>
+            <a:r>
+              <a:rPr lang="ja-JP" altLang="en-US" sz="2400"/>
+              <a:t>へは確率</a:t>
+            </a:r>
+            <a:r>
+              <a:rPr lang="en-US" altLang="ja-JP" sz="2400" dirty="0"/>
+              <a:t>1/6</a:t>
+            </a:r>
+            <a:r>
+              <a:rPr lang="ja-JP" altLang="en-US" sz="2400"/>
+              <a:t>で遷移する</a:t>
+            </a:r>
+            <a:endParaRPr kumimoji="1" lang="ja-JP" altLang="en-US" sz="2400"/>
+          </a:p>
+        </p:txBody>
+      </p:sp>
+      <p:sp>
+        <p:nvSpPr>
+          <p:cNvPr id="18" name="テキスト ボックス 17">
+            <a:extLst>
+              <a:ext uri="{FF2B5EF4-FFF2-40B4-BE49-F238E27FC236}">
+                <a16:creationId xmlns:a16="http://schemas.microsoft.com/office/drawing/2014/main" id="{B07DAFB1-6050-F203-98DC-966810C6EB9A}"/>
+              </a:ext>
+            </a:extLst>
+          </p:cNvPr>
+          <p:cNvSpPr txBox="1"/>
+          <p:nvPr/>
+        </p:nvSpPr>
+        <p:spPr>
+          <a:xfrm>
+            <a:off x="690707" y="3777104"/>
+            <a:ext cx="7432408" cy="461665"/>
+          </a:xfrm>
+          <a:prstGeom prst="rect">
+            <a:avLst/>
+          </a:prstGeom>
+          <a:noFill/>
+        </p:spPr>
+        <p:txBody>
+          <a:bodyPr wrap="square">
+            <a:spAutoFit/>
+          </a:bodyPr>
+          <a:lstStyle/>
+          <a:p>
+            <a:r>
+              <a:rPr kumimoji="1" lang="ja-JP" altLang="en-US" sz="2400"/>
+              <a:t>定常状態なら、上記のやりとりで確率が変わらない</a:t>
+            </a:r>
+          </a:p>
+        </p:txBody>
+      </p:sp>
+      <mc:AlternateContent xmlns:mc="http://schemas.openxmlformats.org/markup-compatibility/2006">
+        <mc:Choice xmlns:a14="http://schemas.microsoft.com/office/drawing/2010/main" Requires="a14">
+          <p:sp>
+            <p:nvSpPr>
+              <p:cNvPr id="19" name="テキスト ボックス 18">
+                <a:extLst>
+                  <a:ext uri="{FF2B5EF4-FFF2-40B4-BE49-F238E27FC236}">
+                    <a16:creationId xmlns:a16="http://schemas.microsoft.com/office/drawing/2014/main" id="{97ECA856-B90D-6D4E-2543-AC4F3BA6A115}"/>
+                  </a:ext>
+                </a:extLst>
+              </p:cNvPr>
+              <p:cNvSpPr txBox="1"/>
+              <p:nvPr/>
+            </p:nvSpPr>
+            <p:spPr>
+              <a:xfrm>
+                <a:off x="3609601" y="4369180"/>
+                <a:ext cx="2098267" cy="925190"/>
+              </a:xfrm>
+              <a:prstGeom prst="rect">
+                <a:avLst/>
+              </a:prstGeom>
+              <a:noFill/>
+            </p:spPr>
+            <p:txBody>
+              <a:bodyPr wrap="none" lIns="0" tIns="0" rIns="0" bIns="0" rtlCol="0">
+                <a:spAutoFit/>
+              </a:bodyPr>
+              <a:lstStyle/>
+              <a:p>
+                <a14:m>
+                  <m:oMathPara xmlns:m="http://schemas.openxmlformats.org/officeDocument/2006/math">
+                    <m:oMathParaPr>
+                      <m:jc m:val="centerGroup"/>
+                    </m:oMathParaPr>
+                    <m:oMath xmlns:m="http://schemas.openxmlformats.org/officeDocument/2006/math">
+                      <m:sSub>
+                        <m:sSubPr>
+                          <m:ctrlPr>
+                            <a:rPr kumimoji="1" lang="en-US" altLang="ja-JP" sz="3200" b="0" i="1" smtClean="0">
+                              <a:latin typeface="Cambria Math" panose="02040503050406030204" pitchFamily="18" charset="0"/>
+                            </a:rPr>
+                          </m:ctrlPr>
+                        </m:sSubPr>
+                        <m:e>
+                          <m:f>
+                            <m:fPr>
+                              <m:ctrlPr>
+                                <a:rPr kumimoji="1" lang="en-US" altLang="ja-JP" sz="3200" b="0" i="1" smtClean="0">
+                                  <a:latin typeface="Cambria Math" panose="02040503050406030204" pitchFamily="18" charset="0"/>
+                                </a:rPr>
+                              </m:ctrlPr>
+                            </m:fPr>
+                            <m:num>
+                              <m:r>
+                                <a:rPr kumimoji="1" lang="en-US" altLang="ja-JP" sz="3200" b="0" i="1" smtClean="0">
+                                  <a:latin typeface="Cambria Math" panose="02040503050406030204" pitchFamily="18" charset="0"/>
+                                </a:rPr>
+                                <m:t>1</m:t>
+                              </m:r>
+                            </m:num>
+                            <m:den>
+                              <m:r>
+                                <a:rPr kumimoji="1" lang="en-US" altLang="ja-JP" sz="3200" b="0" i="1" smtClean="0">
+                                  <a:latin typeface="Cambria Math" panose="02040503050406030204" pitchFamily="18" charset="0"/>
+                                </a:rPr>
+                                <m:t>3</m:t>
+                              </m:r>
+                            </m:den>
+                          </m:f>
+                          <m:r>
+                            <a:rPr kumimoji="1" lang="en-US" altLang="ja-JP" sz="3200" b="0" i="1" smtClean="0">
+                              <a:latin typeface="Cambria Math" panose="02040503050406030204" pitchFamily="18" charset="0"/>
+                            </a:rPr>
+                            <m:t>𝜋</m:t>
+                          </m:r>
+                        </m:e>
+                        <m:sub>
+                          <m:r>
+                            <a:rPr kumimoji="1" lang="en-US" altLang="ja-JP" sz="3200" b="0" i="1" smtClean="0">
+                              <a:latin typeface="Cambria Math" panose="02040503050406030204" pitchFamily="18" charset="0"/>
+                            </a:rPr>
+                            <m:t>1</m:t>
+                          </m:r>
+                        </m:sub>
+                      </m:sSub>
+                      <m:r>
+                        <a:rPr kumimoji="1" lang="en-US" altLang="ja-JP" sz="3200" b="0" i="1" smtClean="0">
+                          <a:latin typeface="Cambria Math" panose="02040503050406030204" pitchFamily="18" charset="0"/>
+                        </a:rPr>
+                        <m:t>=</m:t>
+                      </m:r>
+                      <m:f>
+                        <m:fPr>
+                          <m:ctrlPr>
+                            <a:rPr kumimoji="1" lang="en-US" altLang="ja-JP" sz="3200" b="0" i="1" smtClean="0">
+                              <a:latin typeface="Cambria Math" panose="02040503050406030204" pitchFamily="18" charset="0"/>
+                            </a:rPr>
+                          </m:ctrlPr>
+                        </m:fPr>
+                        <m:num>
+                          <m:r>
+                            <a:rPr kumimoji="1" lang="en-US" altLang="ja-JP" sz="3200" b="0" i="1" smtClean="0">
+                              <a:latin typeface="Cambria Math" panose="02040503050406030204" pitchFamily="18" charset="0"/>
+                            </a:rPr>
+                            <m:t>1</m:t>
+                          </m:r>
+                        </m:num>
+                        <m:den>
+                          <m:r>
+                            <a:rPr kumimoji="1" lang="en-US" altLang="ja-JP" sz="3200" b="0" i="1" smtClean="0">
+                              <a:latin typeface="Cambria Math" panose="02040503050406030204" pitchFamily="18" charset="0"/>
+                            </a:rPr>
+                            <m:t>6</m:t>
+                          </m:r>
+                        </m:den>
+                      </m:f>
+                      <m:sSub>
+                        <m:sSubPr>
+                          <m:ctrlPr>
+                            <a:rPr kumimoji="1" lang="en-US" altLang="ja-JP" sz="3200" b="0" i="1" smtClean="0">
+                              <a:latin typeface="Cambria Math" panose="02040503050406030204" pitchFamily="18" charset="0"/>
+                            </a:rPr>
+                          </m:ctrlPr>
+                        </m:sSubPr>
+                        <m:e>
+                          <m:r>
+                            <a:rPr kumimoji="1" lang="en-US" altLang="ja-JP" sz="3200" b="0" i="1" smtClean="0">
+                              <a:latin typeface="Cambria Math" panose="02040503050406030204" pitchFamily="18" charset="0"/>
+                            </a:rPr>
+                            <m:t>𝜋</m:t>
+                          </m:r>
+                        </m:e>
+                        <m:sub>
+                          <m:r>
+                            <a:rPr kumimoji="1" lang="en-US" altLang="ja-JP" sz="3200" b="0" i="1" smtClean="0">
+                              <a:latin typeface="Cambria Math" panose="02040503050406030204" pitchFamily="18" charset="0"/>
+                            </a:rPr>
+                            <m:t>2</m:t>
+                          </m:r>
+                        </m:sub>
+                      </m:sSub>
+                    </m:oMath>
+                  </m:oMathPara>
+                </a14:m>
+                <a:endParaRPr kumimoji="1" lang="ja-JP" altLang="en-US" sz="3200"/>
+              </a:p>
+            </p:txBody>
+          </p:sp>
+        </mc:Choice>
+        <mc:Fallback>
+          <p:sp>
+            <p:nvSpPr>
+              <p:cNvPr id="19" name="テキスト ボックス 18">
+                <a:extLst>
+                  <a:ext uri="{FF2B5EF4-FFF2-40B4-BE49-F238E27FC236}">
+                    <a16:creationId xmlns:a16="http://schemas.microsoft.com/office/drawing/2014/main" id="{97ECA856-B90D-6D4E-2543-AC4F3BA6A115}"/>
+                  </a:ext>
+                </a:extLst>
+              </p:cNvPr>
+              <p:cNvSpPr txBox="1">
+                <a:spLocks noRot="1" noChangeAspect="1" noMove="1" noResize="1" noEditPoints="1" noAdjustHandles="1" noChangeArrowheads="1" noChangeShapeType="1" noTextEdit="1"/>
+              </p:cNvSpPr>
+              <p:nvPr/>
+            </p:nvSpPr>
+            <p:spPr>
+              <a:xfrm>
+                <a:off x="3609601" y="4369180"/>
+                <a:ext cx="2098267" cy="925190"/>
+              </a:xfrm>
+              <a:prstGeom prst="rect">
+                <a:avLst/>
+              </a:prstGeom>
+              <a:blipFill>
+                <a:blip r:embed="rId2"/>
+                <a:stretch>
+                  <a:fillRect l="-3614" t="-1370" r="-602" b="-13699"/>
+                </a:stretch>
+              </a:blipFill>
+            </p:spPr>
+            <p:txBody>
+              <a:bodyPr/>
+              <a:lstStyle/>
+              <a:p>
+                <a:r>
+                  <a:rPr lang="ja-JP" altLang="en-US">
+                    <a:noFill/>
+                  </a:rPr>
+                  <a:t> </a:t>
+                </a:r>
+              </a:p>
+            </p:txBody>
+          </p:sp>
+        </mc:Fallback>
+      </mc:AlternateContent>
+      <p:sp>
+        <p:nvSpPr>
+          <p:cNvPr id="20" name="テキスト ボックス 19">
+            <a:extLst>
+              <a:ext uri="{FF2B5EF4-FFF2-40B4-BE49-F238E27FC236}">
+                <a16:creationId xmlns:a16="http://schemas.microsoft.com/office/drawing/2014/main" id="{E7250726-01F6-3619-5792-BEFADE1805EC}"/>
+              </a:ext>
+            </a:extLst>
+          </p:cNvPr>
+          <p:cNvSpPr txBox="1"/>
+          <p:nvPr/>
+        </p:nvSpPr>
+        <p:spPr>
+          <a:xfrm>
+            <a:off x="1915355" y="5397813"/>
+            <a:ext cx="2518638" cy="369332"/>
+          </a:xfrm>
+          <a:prstGeom prst="rect">
+            <a:avLst/>
+          </a:prstGeom>
+          <a:noFill/>
+        </p:spPr>
+        <p:txBody>
+          <a:bodyPr wrap="none" rtlCol="0">
+            <a:spAutoFit/>
+          </a:bodyPr>
+          <a:lstStyle/>
+          <a:p>
+            <a:r>
+              <a:rPr kumimoji="1" lang="ja-JP" altLang="en-US"/>
+              <a:t>状態</a:t>
+            </a:r>
+            <a:r>
+              <a:rPr kumimoji="1" lang="en-US" altLang="ja-JP" dirty="0"/>
+              <a:t>1</a:t>
+            </a:r>
+            <a:r>
+              <a:rPr kumimoji="1" lang="ja-JP" altLang="en-US"/>
+              <a:t>から</a:t>
+            </a:r>
+            <a:r>
+              <a:rPr kumimoji="1" lang="en-US" altLang="ja-JP" dirty="0"/>
+              <a:t>2</a:t>
+            </a:r>
+            <a:r>
+              <a:rPr kumimoji="1" lang="ja-JP" altLang="en-US"/>
+              <a:t>に行く流れ</a:t>
+            </a:r>
+          </a:p>
+        </p:txBody>
+      </p:sp>
+      <p:sp>
+        <p:nvSpPr>
+          <p:cNvPr id="21" name="テキスト ボックス 20">
+            <a:extLst>
+              <a:ext uri="{FF2B5EF4-FFF2-40B4-BE49-F238E27FC236}">
+                <a16:creationId xmlns:a16="http://schemas.microsoft.com/office/drawing/2014/main" id="{82F1364C-CFE8-95CB-BB93-6EA7C533E62D}"/>
+              </a:ext>
+            </a:extLst>
+          </p:cNvPr>
+          <p:cNvSpPr txBox="1"/>
+          <p:nvPr/>
+        </p:nvSpPr>
+        <p:spPr>
+          <a:xfrm>
+            <a:off x="4734443" y="5421362"/>
+            <a:ext cx="2518638" cy="369332"/>
+          </a:xfrm>
+          <a:prstGeom prst="rect">
+            <a:avLst/>
+          </a:prstGeom>
+          <a:noFill/>
+        </p:spPr>
+        <p:txBody>
+          <a:bodyPr wrap="none" rtlCol="0">
+            <a:spAutoFit/>
+          </a:bodyPr>
+          <a:lstStyle/>
+          <a:p>
+            <a:r>
+              <a:rPr kumimoji="1" lang="ja-JP" altLang="en-US"/>
+              <a:t>状態</a:t>
+            </a:r>
+            <a:r>
+              <a:rPr lang="en-US" altLang="ja-JP" dirty="0"/>
+              <a:t>2</a:t>
+            </a:r>
+            <a:r>
+              <a:rPr kumimoji="1" lang="ja-JP" altLang="en-US"/>
+              <a:t>から</a:t>
+            </a:r>
+            <a:r>
+              <a:rPr kumimoji="1" lang="en-US" altLang="ja-JP" dirty="0"/>
+              <a:t>1</a:t>
+            </a:r>
+            <a:r>
+              <a:rPr kumimoji="1" lang="ja-JP" altLang="en-US"/>
+              <a:t>に行く流れ</a:t>
+            </a:r>
+          </a:p>
+        </p:txBody>
+      </p:sp>
+      <mc:AlternateContent xmlns:mc="http://schemas.openxmlformats.org/markup-compatibility/2006">
+        <mc:Choice xmlns:a14="http://schemas.microsoft.com/office/drawing/2010/main" Requires="a14">
+          <p:sp>
+            <p:nvSpPr>
+              <p:cNvPr id="22" name="テキスト ボックス 21">
+                <a:extLst>
+                  <a:ext uri="{FF2B5EF4-FFF2-40B4-BE49-F238E27FC236}">
+                    <a16:creationId xmlns:a16="http://schemas.microsoft.com/office/drawing/2014/main" id="{A036737C-86AB-D5E1-B16A-F34DA23E49AE}"/>
+                  </a:ext>
+                </a:extLst>
+              </p:cNvPr>
+              <p:cNvSpPr txBox="1"/>
+              <p:nvPr/>
+            </p:nvSpPr>
+            <p:spPr>
+              <a:xfrm>
+                <a:off x="3275856" y="6032901"/>
+                <a:ext cx="2316275" cy="492443"/>
+              </a:xfrm>
+              <a:prstGeom prst="rect">
+                <a:avLst/>
+              </a:prstGeom>
+              <a:noFill/>
+            </p:spPr>
+            <p:txBody>
+              <a:bodyPr wrap="none" lIns="0" tIns="0" rIns="0" bIns="0" rtlCol="0">
+                <a:spAutoFit/>
+              </a:bodyPr>
+              <a:lstStyle/>
+              <a:p>
+                <a14:m>
+                  <m:oMathPara xmlns:m="http://schemas.openxmlformats.org/officeDocument/2006/math">
+                    <m:oMathParaPr>
+                      <m:jc m:val="centerGroup"/>
+                    </m:oMathParaPr>
+                    <m:oMath xmlns:m="http://schemas.openxmlformats.org/officeDocument/2006/math">
+                      <m:sSub>
+                        <m:sSubPr>
+                          <m:ctrlPr>
+                            <a:rPr kumimoji="1" lang="en-US" altLang="ja-JP" sz="3200" b="0" i="1" smtClean="0">
+                              <a:latin typeface="Cambria Math" panose="02040503050406030204" pitchFamily="18" charset="0"/>
+                            </a:rPr>
+                          </m:ctrlPr>
+                        </m:sSubPr>
+                        <m:e>
+                          <m:r>
+                            <a:rPr kumimoji="1" lang="en-US" altLang="ja-JP" sz="3200" b="0" i="1" smtClean="0">
+                              <a:latin typeface="Cambria Math" panose="02040503050406030204" pitchFamily="18" charset="0"/>
+                            </a:rPr>
+                            <m:t>𝜋</m:t>
+                          </m:r>
+                        </m:e>
+                        <m:sub>
+                          <m:r>
+                            <a:rPr kumimoji="1" lang="en-US" altLang="ja-JP" sz="3200" b="0" i="1" smtClean="0">
+                              <a:latin typeface="Cambria Math" panose="02040503050406030204" pitchFamily="18" charset="0"/>
+                            </a:rPr>
+                            <m:t>1</m:t>
+                          </m:r>
+                        </m:sub>
+                      </m:sSub>
+                      <m:r>
+                        <a:rPr kumimoji="1" lang="en-US" altLang="ja-JP" sz="3200" b="0" i="1" smtClean="0">
+                          <a:latin typeface="Cambria Math" panose="02040503050406030204" pitchFamily="18" charset="0"/>
+                        </a:rPr>
+                        <m:t>:</m:t>
+                      </m:r>
+                      <m:sSub>
+                        <m:sSubPr>
+                          <m:ctrlPr>
+                            <a:rPr kumimoji="1" lang="en-US" altLang="ja-JP" sz="3200" b="0" i="1" smtClean="0">
+                              <a:latin typeface="Cambria Math" panose="02040503050406030204" pitchFamily="18" charset="0"/>
+                            </a:rPr>
+                          </m:ctrlPr>
+                        </m:sSubPr>
+                        <m:e>
+                          <m:r>
+                            <a:rPr kumimoji="1" lang="en-US" altLang="ja-JP" sz="3200" b="0" i="1" smtClean="0">
+                              <a:latin typeface="Cambria Math" panose="02040503050406030204" pitchFamily="18" charset="0"/>
+                            </a:rPr>
+                            <m:t>𝜋</m:t>
+                          </m:r>
+                        </m:e>
+                        <m:sub>
+                          <m:r>
+                            <a:rPr kumimoji="1" lang="en-US" altLang="ja-JP" sz="3200" b="0" i="1" smtClean="0">
+                              <a:latin typeface="Cambria Math" panose="02040503050406030204" pitchFamily="18" charset="0"/>
+                            </a:rPr>
+                            <m:t>2</m:t>
+                          </m:r>
+                        </m:sub>
+                      </m:sSub>
+                      <m:r>
+                        <a:rPr kumimoji="1" lang="en-US" altLang="ja-JP" sz="3200" b="0" i="1" smtClean="0">
+                          <a:latin typeface="Cambria Math" panose="02040503050406030204" pitchFamily="18" charset="0"/>
+                        </a:rPr>
+                        <m:t>=1:2</m:t>
+                      </m:r>
+                    </m:oMath>
+                  </m:oMathPara>
+                </a14:m>
+                <a:endParaRPr kumimoji="1" lang="ja-JP" altLang="en-US" sz="3200"/>
+              </a:p>
+            </p:txBody>
+          </p:sp>
+        </mc:Choice>
+        <mc:Fallback>
+          <p:sp>
+            <p:nvSpPr>
+              <p:cNvPr id="22" name="テキスト ボックス 21">
+                <a:extLst>
+                  <a:ext uri="{FF2B5EF4-FFF2-40B4-BE49-F238E27FC236}">
+                    <a16:creationId xmlns:a16="http://schemas.microsoft.com/office/drawing/2014/main" id="{A036737C-86AB-D5E1-B16A-F34DA23E49AE}"/>
+                  </a:ext>
+                </a:extLst>
+              </p:cNvPr>
+              <p:cNvSpPr txBox="1">
+                <a:spLocks noRot="1" noChangeAspect="1" noMove="1" noResize="1" noEditPoints="1" noAdjustHandles="1" noChangeArrowheads="1" noChangeShapeType="1" noTextEdit="1"/>
+              </p:cNvSpPr>
+              <p:nvPr/>
+            </p:nvSpPr>
+            <p:spPr>
+              <a:xfrm>
+                <a:off x="3275856" y="6032901"/>
+                <a:ext cx="2316275" cy="492443"/>
+              </a:xfrm>
+              <a:prstGeom prst="rect">
+                <a:avLst/>
+              </a:prstGeom>
+              <a:blipFill>
+                <a:blip r:embed="rId3"/>
+                <a:stretch>
+                  <a:fillRect l="-1087" r="-3261" b="-15385"/>
+                </a:stretch>
+              </a:blipFill>
+            </p:spPr>
+            <p:txBody>
+              <a:bodyPr/>
+              <a:lstStyle/>
+              <a:p>
+                <a:r>
+                  <a:rPr lang="ja-JP" altLang="en-US">
+                    <a:noFill/>
+                  </a:rPr>
+                  <a:t> </a:t>
+                </a:r>
+              </a:p>
+            </p:txBody>
+          </p:sp>
+        </mc:Fallback>
+      </mc:AlternateContent>
+    </p:spTree>
+    <p:extLst>
+      <p:ext uri="{BB962C8B-B14F-4D97-AF65-F5344CB8AC3E}">
+        <p14:creationId xmlns:p14="http://schemas.microsoft.com/office/powerpoint/2010/main" val="514564790"/>
+      </p:ext>
+    </p:extLst>
+  </p:cSld>
+  <p:clrMapOvr>
+    <a:masterClrMapping/>
+  </p:clrMapOvr>
+</p:sld>
+</file>
+
+<file path=ppt/slides/slide14.xml><?xml version="1.0" encoding="utf-8"?>
+<p:sld xmlns:a="http://schemas.openxmlformats.org/drawingml/2006/main" xmlns:r="http://schemas.openxmlformats.org/officeDocument/2006/relationships" xmlns:p="http://schemas.openxmlformats.org/presentationml/2006/main">
+  <p:cSld>
+    <p:spTree>
+      <p:nvGrpSpPr>
+        <p:cNvPr id="1" name=""/>
+        <p:cNvGrpSpPr/>
+        <p:nvPr/>
+      </p:nvGrpSpPr>
+      <p:grpSpPr>
+        <a:xfrm>
+          <a:off x="0" y="0"/>
+          <a:ext cx="0" cy="0"/>
+          <a:chOff x="0" y="0"/>
+          <a:chExt cx="0" cy="0"/>
+        </a:xfrm>
+      </p:grpSpPr>
+      <p:sp>
+        <p:nvSpPr>
+          <p:cNvPr id="2" name="テキスト プレースホルダー 1">
+            <a:extLst>
+              <a:ext uri="{FF2B5EF4-FFF2-40B4-BE49-F238E27FC236}">
+                <a16:creationId xmlns:a16="http://schemas.microsoft.com/office/drawing/2014/main" id="{DD5FCB33-3F55-7FC6-D642-7DCB9E1FD454}"/>
+              </a:ext>
+            </a:extLst>
+          </p:cNvPr>
+          <p:cNvSpPr>
+            <a:spLocks noGrp="1"/>
+          </p:cNvSpPr>
+          <p:nvPr>
+            <p:ph type="body" sz="quarter" idx="10"/>
+          </p:nvPr>
+        </p:nvSpPr>
+        <p:spPr/>
+        <p:txBody>
+          <a:bodyPr/>
+          <a:lstStyle/>
+          <a:p>
+            <a:r>
+              <a:rPr kumimoji="1" lang="ja-JP" altLang="en-US"/>
+              <a:t>詳細釣り合い条件</a:t>
+            </a:r>
+          </a:p>
+        </p:txBody>
+      </p:sp>
+      <p:sp>
+        <p:nvSpPr>
+          <p:cNvPr id="3" name="円/楕円 2">
+            <a:extLst>
+              <a:ext uri="{FF2B5EF4-FFF2-40B4-BE49-F238E27FC236}">
+                <a16:creationId xmlns:a16="http://schemas.microsoft.com/office/drawing/2014/main" id="{840CF7B4-0BB8-6E3D-483B-59CAD5A38732}"/>
+              </a:ext>
+            </a:extLst>
+          </p:cNvPr>
+          <p:cNvSpPr/>
+          <p:nvPr/>
+        </p:nvSpPr>
+        <p:spPr>
+          <a:xfrm>
+            <a:off x="2554802" y="1700808"/>
+            <a:ext cx="864096" cy="864096"/>
+          </a:xfrm>
+          <a:prstGeom prst="ellipse">
+            <a:avLst/>
+          </a:prstGeom>
+          <a:noFill/>
+          <a:ln>
+            <a:solidFill>
+              <a:schemeClr val="tx1"/>
+            </a:solidFill>
+          </a:ln>
+        </p:spPr>
+        <p:style>
+          <a:lnRef idx="2">
+            <a:schemeClr val="accent1">
+              <a:shade val="50000"/>
+            </a:schemeClr>
+          </a:lnRef>
+          <a:fillRef idx="1">
+            <a:schemeClr val="accent1"/>
+          </a:fillRef>
+          <a:effectRef idx="0">
+            <a:schemeClr val="accent1"/>
+          </a:effectRef>
+          <a:fontRef idx="minor">
+            <a:schemeClr val="lt1"/>
+          </a:fontRef>
+        </p:style>
+        <p:txBody>
+          <a:bodyPr rtlCol="0" anchor="ctr"/>
+          <a:lstStyle/>
+          <a:p>
+            <a:pPr algn="ctr"/>
+            <a:r>
+              <a:rPr kumimoji="1" lang="en-US" altLang="ja-JP" sz="4000" dirty="0">
+                <a:solidFill>
+                  <a:schemeClr val="tx1"/>
+                </a:solidFill>
+              </a:rPr>
+              <a:t>2</a:t>
+            </a:r>
+            <a:endParaRPr kumimoji="1" lang="ja-JP" altLang="en-US" sz="4000">
+              <a:solidFill>
+                <a:schemeClr val="tx1"/>
+              </a:solidFill>
+            </a:endParaRPr>
+          </a:p>
+        </p:txBody>
+      </p:sp>
+      <p:sp>
+        <p:nvSpPr>
+          <p:cNvPr id="4" name="円/楕円 3">
+            <a:extLst>
+              <a:ext uri="{FF2B5EF4-FFF2-40B4-BE49-F238E27FC236}">
+                <a16:creationId xmlns:a16="http://schemas.microsoft.com/office/drawing/2014/main" id="{AC1F89A3-A439-BC69-45CA-AD6C2DD63BFF}"/>
+              </a:ext>
+            </a:extLst>
+          </p:cNvPr>
+          <p:cNvSpPr/>
+          <p:nvPr/>
+        </p:nvSpPr>
+        <p:spPr>
+          <a:xfrm>
+            <a:off x="5652120" y="1700808"/>
+            <a:ext cx="864096" cy="864096"/>
+          </a:xfrm>
+          <a:prstGeom prst="ellipse">
+            <a:avLst/>
+          </a:prstGeom>
+          <a:noFill/>
+          <a:ln>
+            <a:solidFill>
+              <a:schemeClr val="tx1"/>
+            </a:solidFill>
+          </a:ln>
+        </p:spPr>
+        <p:style>
+          <a:lnRef idx="2">
+            <a:schemeClr val="accent1">
+              <a:shade val="50000"/>
+            </a:schemeClr>
+          </a:lnRef>
+          <a:fillRef idx="1">
+            <a:schemeClr val="accent1"/>
+          </a:fillRef>
+          <a:effectRef idx="0">
+            <a:schemeClr val="accent1"/>
+          </a:effectRef>
+          <a:fontRef idx="minor">
+            <a:schemeClr val="lt1"/>
+          </a:fontRef>
+        </p:style>
+        <p:txBody>
+          <a:bodyPr rtlCol="0" anchor="ctr"/>
+          <a:lstStyle/>
+          <a:p>
+            <a:pPr algn="ctr"/>
+            <a:r>
+              <a:rPr kumimoji="1" lang="en-US" altLang="ja-JP" sz="4000" dirty="0">
+                <a:solidFill>
+                  <a:schemeClr val="tx1"/>
+                </a:solidFill>
+              </a:rPr>
+              <a:t>3</a:t>
+            </a:r>
+            <a:endParaRPr kumimoji="1" lang="ja-JP" altLang="en-US" sz="4000">
+              <a:solidFill>
+                <a:schemeClr val="tx1"/>
+              </a:solidFill>
+            </a:endParaRPr>
+          </a:p>
+        </p:txBody>
+      </p:sp>
+      <p:sp>
+        <p:nvSpPr>
+          <p:cNvPr id="5" name="フリーフォーム 4">
+            <a:extLst>
+              <a:ext uri="{FF2B5EF4-FFF2-40B4-BE49-F238E27FC236}">
+                <a16:creationId xmlns:a16="http://schemas.microsoft.com/office/drawing/2014/main" id="{C3CCAF73-F7B1-5152-F783-8CCC77A6266D}"/>
+              </a:ext>
+            </a:extLst>
+          </p:cNvPr>
+          <p:cNvSpPr/>
+          <p:nvPr/>
+        </p:nvSpPr>
+        <p:spPr>
+          <a:xfrm rot="18815011">
+            <a:off x="2203380" y="1319080"/>
+            <a:ext cx="488330" cy="431989"/>
+          </a:xfrm>
+          <a:custGeom>
+            <a:avLst/>
+            <a:gdLst>
+              <a:gd name="connsiteX0" fmla="*/ 340243 w 994728"/>
+              <a:gd name="connsiteY0" fmla="*/ 904555 h 904555"/>
+              <a:gd name="connsiteX1" fmla="*/ 3912 w 994728"/>
+              <a:gd name="connsiteY1" fmla="*/ 347507 h 904555"/>
+              <a:gd name="connsiteX2" fmla="*/ 539940 w 994728"/>
+              <a:gd name="connsiteY2" fmla="*/ 665 h 904555"/>
+              <a:gd name="connsiteX3" fmla="*/ 991884 w 994728"/>
+              <a:gd name="connsiteY3" fmla="*/ 431590 h 904555"/>
+              <a:gd name="connsiteX4" fmla="*/ 697595 w 994728"/>
+              <a:gd name="connsiteY4" fmla="*/ 830983 h 904555"/>
+            </a:gdLst>
+            <a:ahLst/>
+            <a:cxnLst>
+              <a:cxn ang="0">
+                <a:pos x="connsiteX0" y="connsiteY0"/>
+              </a:cxn>
+              <a:cxn ang="0">
+                <a:pos x="connsiteX1" y="connsiteY1"/>
+              </a:cxn>
+              <a:cxn ang="0">
+                <a:pos x="connsiteX2" y="connsiteY2"/>
+              </a:cxn>
+              <a:cxn ang="0">
+                <a:pos x="connsiteX3" y="connsiteY3"/>
+              </a:cxn>
+              <a:cxn ang="0">
+                <a:pos x="connsiteX4" y="connsiteY4"/>
+              </a:cxn>
+            </a:cxnLst>
+            <a:rect l="l" t="t" r="r" b="b"/>
+            <a:pathLst>
+              <a:path w="994728" h="904555">
+                <a:moveTo>
+                  <a:pt x="340243" y="904555"/>
+                </a:moveTo>
+                <a:cubicBezTo>
+                  <a:pt x="155436" y="701355"/>
+                  <a:pt x="-29371" y="498155"/>
+                  <a:pt x="3912" y="347507"/>
+                </a:cubicBezTo>
+                <a:cubicBezTo>
+                  <a:pt x="37195" y="196859"/>
+                  <a:pt x="375278" y="-13349"/>
+                  <a:pt x="539940" y="665"/>
+                </a:cubicBezTo>
+                <a:cubicBezTo>
+                  <a:pt x="704602" y="14679"/>
+                  <a:pt x="965608" y="293204"/>
+                  <a:pt x="991884" y="431590"/>
+                </a:cubicBezTo>
+                <a:cubicBezTo>
+                  <a:pt x="1018160" y="569976"/>
+                  <a:pt x="857877" y="700479"/>
+                  <a:pt x="697595" y="830983"/>
+                </a:cubicBezTo>
+              </a:path>
+            </a:pathLst>
+          </a:custGeom>
+          <a:noFill/>
+          <a:ln>
+            <a:solidFill>
+              <a:schemeClr val="tx1"/>
+            </a:solidFill>
+            <a:headEnd type="triangle" w="med" len="med"/>
+            <a:tailEnd type="none" w="med" len="med"/>
+          </a:ln>
+        </p:spPr>
+        <p:style>
+          <a:lnRef idx="2">
+            <a:schemeClr val="accent1">
+              <a:shade val="50000"/>
+            </a:schemeClr>
+          </a:lnRef>
+          <a:fillRef idx="1">
+            <a:schemeClr val="accent1"/>
+          </a:fillRef>
+          <a:effectRef idx="0">
+            <a:schemeClr val="accent1"/>
+          </a:effectRef>
+          <a:fontRef idx="minor">
+            <a:schemeClr val="lt1"/>
+          </a:fontRef>
+        </p:style>
+        <p:txBody>
+          <a:bodyPr rtlCol="0" anchor="ctr"/>
+          <a:lstStyle/>
+          <a:p>
+            <a:pPr algn="ctr"/>
+            <a:endParaRPr kumimoji="1" lang="ja-JP" altLang="en-US" sz="900"/>
+          </a:p>
+        </p:txBody>
+      </p:sp>
+      <p:sp>
+        <p:nvSpPr>
+          <p:cNvPr id="6" name="フリーフォーム 5">
+            <a:extLst>
+              <a:ext uri="{FF2B5EF4-FFF2-40B4-BE49-F238E27FC236}">
+                <a16:creationId xmlns:a16="http://schemas.microsoft.com/office/drawing/2014/main" id="{D9DE68AC-7458-8380-0C87-84A33F2EA5EB}"/>
+              </a:ext>
+            </a:extLst>
+          </p:cNvPr>
+          <p:cNvSpPr/>
+          <p:nvPr/>
+        </p:nvSpPr>
+        <p:spPr>
+          <a:xfrm rot="3600000">
+            <a:off x="6509180" y="1384764"/>
+            <a:ext cx="488330" cy="431989"/>
+          </a:xfrm>
+          <a:custGeom>
+            <a:avLst/>
+            <a:gdLst>
+              <a:gd name="connsiteX0" fmla="*/ 340243 w 994728"/>
+              <a:gd name="connsiteY0" fmla="*/ 904555 h 904555"/>
+              <a:gd name="connsiteX1" fmla="*/ 3912 w 994728"/>
+              <a:gd name="connsiteY1" fmla="*/ 347507 h 904555"/>
+              <a:gd name="connsiteX2" fmla="*/ 539940 w 994728"/>
+              <a:gd name="connsiteY2" fmla="*/ 665 h 904555"/>
+              <a:gd name="connsiteX3" fmla="*/ 991884 w 994728"/>
+              <a:gd name="connsiteY3" fmla="*/ 431590 h 904555"/>
+              <a:gd name="connsiteX4" fmla="*/ 697595 w 994728"/>
+              <a:gd name="connsiteY4" fmla="*/ 830983 h 904555"/>
+            </a:gdLst>
+            <a:ahLst/>
+            <a:cxnLst>
+              <a:cxn ang="0">
+                <a:pos x="connsiteX0" y="connsiteY0"/>
+              </a:cxn>
+              <a:cxn ang="0">
+                <a:pos x="connsiteX1" y="connsiteY1"/>
+              </a:cxn>
+              <a:cxn ang="0">
+                <a:pos x="connsiteX2" y="connsiteY2"/>
+              </a:cxn>
+              <a:cxn ang="0">
+                <a:pos x="connsiteX3" y="connsiteY3"/>
+              </a:cxn>
+              <a:cxn ang="0">
+                <a:pos x="connsiteX4" y="connsiteY4"/>
+              </a:cxn>
+            </a:cxnLst>
+            <a:rect l="l" t="t" r="r" b="b"/>
+            <a:pathLst>
+              <a:path w="994728" h="904555">
+                <a:moveTo>
+                  <a:pt x="340243" y="904555"/>
+                </a:moveTo>
+                <a:cubicBezTo>
+                  <a:pt x="155436" y="701355"/>
+                  <a:pt x="-29371" y="498155"/>
+                  <a:pt x="3912" y="347507"/>
+                </a:cubicBezTo>
+                <a:cubicBezTo>
+                  <a:pt x="37195" y="196859"/>
+                  <a:pt x="375278" y="-13349"/>
+                  <a:pt x="539940" y="665"/>
+                </a:cubicBezTo>
+                <a:cubicBezTo>
+                  <a:pt x="704602" y="14679"/>
+                  <a:pt x="965608" y="293204"/>
+                  <a:pt x="991884" y="431590"/>
+                </a:cubicBezTo>
+                <a:cubicBezTo>
+                  <a:pt x="1018160" y="569976"/>
+                  <a:pt x="857877" y="700479"/>
+                  <a:pt x="697595" y="830983"/>
+                </a:cubicBezTo>
+              </a:path>
+            </a:pathLst>
+          </a:custGeom>
+          <a:noFill/>
+          <a:ln>
+            <a:solidFill>
+              <a:schemeClr val="tx1"/>
+            </a:solidFill>
+            <a:headEnd type="triangle" w="med" len="med"/>
+            <a:tailEnd type="none" w="med" len="med"/>
+          </a:ln>
+        </p:spPr>
+        <p:style>
+          <a:lnRef idx="2">
+            <a:schemeClr val="accent1">
+              <a:shade val="50000"/>
+            </a:schemeClr>
+          </a:lnRef>
+          <a:fillRef idx="1">
+            <a:schemeClr val="accent1"/>
+          </a:fillRef>
+          <a:effectRef idx="0">
+            <a:schemeClr val="accent1"/>
+          </a:effectRef>
+          <a:fontRef idx="minor">
+            <a:schemeClr val="lt1"/>
+          </a:fontRef>
+        </p:style>
+        <p:txBody>
+          <a:bodyPr rtlCol="0" anchor="ctr"/>
+          <a:lstStyle/>
+          <a:p>
+            <a:pPr algn="ctr"/>
+            <a:endParaRPr kumimoji="1" lang="ja-JP" altLang="en-US" sz="900"/>
+          </a:p>
+        </p:txBody>
+      </p:sp>
+      <p:cxnSp>
+        <p:nvCxnSpPr>
+          <p:cNvPr id="7" name="直線矢印コネクタ 6">
+            <a:extLst>
+              <a:ext uri="{FF2B5EF4-FFF2-40B4-BE49-F238E27FC236}">
+                <a16:creationId xmlns:a16="http://schemas.microsoft.com/office/drawing/2014/main" id="{F0BE192C-8D11-6D96-5A23-CD31D694769E}"/>
+              </a:ext>
+            </a:extLst>
+          </p:cNvPr>
+          <p:cNvCxnSpPr/>
+          <p:nvPr/>
+        </p:nvCxnSpPr>
+        <p:spPr>
+          <a:xfrm>
+            <a:off x="3635896" y="1860850"/>
+            <a:ext cx="1800200" cy="0"/>
+          </a:xfrm>
+          <a:prstGeom prst="straightConnector1">
+            <a:avLst/>
+          </a:prstGeom>
+          <a:ln>
+            <a:solidFill>
+              <a:schemeClr val="tx1"/>
+            </a:solidFill>
+            <a:headEnd type="none" w="med" len="med"/>
+            <a:tailEnd type="triangle"/>
+          </a:ln>
+        </p:spPr>
+        <p:style>
+          <a:lnRef idx="1">
+            <a:schemeClr val="accent1"/>
+          </a:lnRef>
+          <a:fillRef idx="0">
+            <a:schemeClr val="accent1"/>
+          </a:fillRef>
+          <a:effectRef idx="0">
+            <a:schemeClr val="accent1"/>
+          </a:effectRef>
+          <a:fontRef idx="minor">
+            <a:schemeClr val="tx1"/>
+          </a:fontRef>
+        </p:style>
+      </p:cxnSp>
+      <p:cxnSp>
+        <p:nvCxnSpPr>
+          <p:cNvPr id="8" name="直線矢印コネクタ 7">
+            <a:extLst>
+              <a:ext uri="{FF2B5EF4-FFF2-40B4-BE49-F238E27FC236}">
+                <a16:creationId xmlns:a16="http://schemas.microsoft.com/office/drawing/2014/main" id="{33436886-1F15-6060-9F35-ED555A8C85F0}"/>
+              </a:ext>
+            </a:extLst>
+          </p:cNvPr>
+          <p:cNvCxnSpPr>
+            <a:cxnSpLocks/>
+          </p:cNvCxnSpPr>
+          <p:nvPr/>
+        </p:nvCxnSpPr>
+        <p:spPr>
+          <a:xfrm flipH="1">
+            <a:off x="3634922" y="2361428"/>
+            <a:ext cx="1801174" cy="0"/>
+          </a:xfrm>
+          <a:prstGeom prst="straightConnector1">
+            <a:avLst/>
+          </a:prstGeom>
+          <a:ln>
+            <a:solidFill>
+              <a:schemeClr val="tx1"/>
+            </a:solidFill>
+            <a:headEnd type="none" w="med" len="med"/>
+            <a:tailEnd type="triangle"/>
+          </a:ln>
+        </p:spPr>
+        <p:style>
+          <a:lnRef idx="1">
+            <a:schemeClr val="accent1"/>
+          </a:lnRef>
+          <a:fillRef idx="0">
+            <a:schemeClr val="accent1"/>
+          </a:fillRef>
+          <a:effectRef idx="0">
+            <a:schemeClr val="accent1"/>
+          </a:effectRef>
+          <a:fontRef idx="minor">
+            <a:schemeClr val="tx1"/>
+          </a:fontRef>
+        </p:style>
+      </p:cxnSp>
+      <p:sp>
+        <p:nvSpPr>
+          <p:cNvPr id="9" name="テキスト ボックス 8">
+            <a:extLst>
+              <a:ext uri="{FF2B5EF4-FFF2-40B4-BE49-F238E27FC236}">
+                <a16:creationId xmlns:a16="http://schemas.microsoft.com/office/drawing/2014/main" id="{9C9336C6-D8E9-3E2D-6A8F-3C2BD9A387B7}"/>
+              </a:ext>
+            </a:extLst>
+          </p:cNvPr>
+          <p:cNvSpPr txBox="1"/>
+          <p:nvPr/>
+        </p:nvSpPr>
+        <p:spPr>
+          <a:xfrm>
+            <a:off x="4283968" y="1353316"/>
+            <a:ext cx="505267" cy="369332"/>
+          </a:xfrm>
+          <a:prstGeom prst="rect">
+            <a:avLst/>
+          </a:prstGeom>
+          <a:noFill/>
+        </p:spPr>
+        <p:txBody>
+          <a:bodyPr wrap="none" rtlCol="0">
+            <a:spAutoFit/>
+          </a:bodyPr>
+          <a:lstStyle/>
+          <a:p>
+            <a:r>
+              <a:rPr kumimoji="1" lang="en-US" altLang="ja-JP" dirty="0"/>
+              <a:t>1/2</a:t>
+            </a:r>
+            <a:endParaRPr kumimoji="1" lang="ja-JP" altLang="en-US"/>
+          </a:p>
+        </p:txBody>
+      </p:sp>
+      <p:sp>
+        <p:nvSpPr>
+          <p:cNvPr id="10" name="テキスト ボックス 9">
+            <a:extLst>
+              <a:ext uri="{FF2B5EF4-FFF2-40B4-BE49-F238E27FC236}">
+                <a16:creationId xmlns:a16="http://schemas.microsoft.com/office/drawing/2014/main" id="{38E114BD-F845-C929-AE0A-B5905B51FE8C}"/>
+              </a:ext>
+            </a:extLst>
+          </p:cNvPr>
+          <p:cNvSpPr txBox="1"/>
+          <p:nvPr/>
+        </p:nvSpPr>
+        <p:spPr>
+          <a:xfrm>
+            <a:off x="4268384" y="2469189"/>
+            <a:ext cx="505267" cy="369332"/>
+          </a:xfrm>
+          <a:prstGeom prst="rect">
+            <a:avLst/>
+          </a:prstGeom>
+          <a:noFill/>
+        </p:spPr>
+        <p:txBody>
+          <a:bodyPr wrap="none" rtlCol="0">
+            <a:spAutoFit/>
+          </a:bodyPr>
+          <a:lstStyle/>
+          <a:p>
+            <a:r>
+              <a:rPr kumimoji="1" lang="en-US" altLang="ja-JP" dirty="0"/>
+              <a:t>1/3</a:t>
+            </a:r>
+            <a:endParaRPr kumimoji="1" lang="ja-JP" altLang="en-US"/>
+          </a:p>
+        </p:txBody>
+      </p:sp>
+      <p:sp>
+        <p:nvSpPr>
+          <p:cNvPr id="11" name="テキスト ボックス 10">
+            <a:extLst>
+              <a:ext uri="{FF2B5EF4-FFF2-40B4-BE49-F238E27FC236}">
+                <a16:creationId xmlns:a16="http://schemas.microsoft.com/office/drawing/2014/main" id="{3B69E9F1-DCD6-28AE-3E3B-F451291DAC58}"/>
+              </a:ext>
+            </a:extLst>
+          </p:cNvPr>
+          <p:cNvSpPr txBox="1"/>
+          <p:nvPr/>
+        </p:nvSpPr>
+        <p:spPr>
+          <a:xfrm>
+            <a:off x="690707" y="2951946"/>
+            <a:ext cx="5303055" cy="830997"/>
+          </a:xfrm>
+          <a:prstGeom prst="rect">
+            <a:avLst/>
+          </a:prstGeom>
+          <a:noFill/>
+        </p:spPr>
+        <p:txBody>
+          <a:bodyPr wrap="none" rtlCol="0">
+            <a:spAutoFit/>
+          </a:bodyPr>
+          <a:lstStyle/>
+          <a:p>
+            <a:pPr marL="342900" indent="-342900">
+              <a:buFont typeface="Arial" panose="020B0604020202020204" pitchFamily="34" charset="0"/>
+              <a:buChar char="•"/>
+            </a:pPr>
+            <a:r>
+              <a:rPr lang="ja-JP" altLang="en-US" sz="2400"/>
+              <a:t>状態</a:t>
+            </a:r>
+            <a:r>
+              <a:rPr lang="en-US" altLang="ja-JP" sz="2400" dirty="0"/>
+              <a:t>2</a:t>
+            </a:r>
+            <a:r>
+              <a:rPr lang="ja-JP" altLang="en-US" sz="2400"/>
+              <a:t>から</a:t>
+            </a:r>
+            <a:r>
+              <a:rPr lang="en-US" altLang="ja-JP" sz="2400" dirty="0"/>
+              <a:t>3</a:t>
+            </a:r>
+            <a:r>
+              <a:rPr lang="ja-JP" altLang="en-US" sz="2400"/>
+              <a:t>へは確率</a:t>
+            </a:r>
+            <a:r>
+              <a:rPr lang="en-US" altLang="ja-JP" sz="2400" dirty="0"/>
+              <a:t>1/2</a:t>
+            </a:r>
+            <a:r>
+              <a:rPr lang="ja-JP" altLang="en-US" sz="2400"/>
+              <a:t>で遷移する</a:t>
+            </a:r>
+            <a:endParaRPr lang="en-US" altLang="ja-JP" sz="2400" dirty="0"/>
+          </a:p>
+          <a:p>
+            <a:pPr marL="342900" indent="-342900">
+              <a:buFont typeface="Arial" panose="020B0604020202020204" pitchFamily="34" charset="0"/>
+              <a:buChar char="•"/>
+            </a:pPr>
+            <a:r>
+              <a:rPr lang="ja-JP" altLang="en-US" sz="2400"/>
+              <a:t>状態</a:t>
+            </a:r>
+            <a:r>
+              <a:rPr lang="en-US" altLang="ja-JP" sz="2400" dirty="0"/>
+              <a:t>3</a:t>
+            </a:r>
+            <a:r>
+              <a:rPr lang="ja-JP" altLang="en-US" sz="2400"/>
+              <a:t>から</a:t>
+            </a:r>
+            <a:r>
+              <a:rPr lang="en-US" altLang="ja-JP" sz="2400" dirty="0"/>
+              <a:t>2</a:t>
+            </a:r>
+            <a:r>
+              <a:rPr lang="ja-JP" altLang="en-US" sz="2400"/>
+              <a:t>へは確率</a:t>
+            </a:r>
+            <a:r>
+              <a:rPr lang="en-US" altLang="ja-JP" sz="2400" dirty="0"/>
+              <a:t>1/3</a:t>
+            </a:r>
+            <a:r>
+              <a:rPr lang="ja-JP" altLang="en-US" sz="2400"/>
+              <a:t>で遷移する</a:t>
+            </a:r>
+            <a:endParaRPr kumimoji="1" lang="ja-JP" altLang="en-US" sz="2400"/>
+          </a:p>
+        </p:txBody>
+      </p:sp>
+      <mc:AlternateContent xmlns:mc="http://schemas.openxmlformats.org/markup-compatibility/2006">
+        <mc:Choice xmlns:a14="http://schemas.microsoft.com/office/drawing/2010/main" Requires="a14">
+          <p:sp>
+            <p:nvSpPr>
+              <p:cNvPr id="12" name="テキスト ボックス 11">
+                <a:extLst>
+                  <a:ext uri="{FF2B5EF4-FFF2-40B4-BE49-F238E27FC236}">
+                    <a16:creationId xmlns:a16="http://schemas.microsoft.com/office/drawing/2014/main" id="{8D293804-3750-E255-CBC9-0249C07B875C}"/>
+                  </a:ext>
+                </a:extLst>
+              </p:cNvPr>
+              <p:cNvSpPr txBox="1"/>
+              <p:nvPr/>
+            </p:nvSpPr>
+            <p:spPr>
+              <a:xfrm>
+                <a:off x="3522866" y="3929616"/>
+                <a:ext cx="2098267" cy="925190"/>
+              </a:xfrm>
+              <a:prstGeom prst="rect">
+                <a:avLst/>
+              </a:prstGeom>
+              <a:noFill/>
+            </p:spPr>
+            <p:txBody>
+              <a:bodyPr wrap="none" lIns="0" tIns="0" rIns="0" bIns="0" rtlCol="0">
+                <a:spAutoFit/>
+              </a:bodyPr>
+              <a:lstStyle/>
+              <a:p>
+                <a14:m>
+                  <m:oMathPara xmlns:m="http://schemas.openxmlformats.org/officeDocument/2006/math">
+                    <m:oMathParaPr>
+                      <m:jc m:val="centerGroup"/>
+                    </m:oMathParaPr>
+                    <m:oMath xmlns:m="http://schemas.openxmlformats.org/officeDocument/2006/math">
+                      <m:sSub>
+                        <m:sSubPr>
+                          <m:ctrlPr>
+                            <a:rPr kumimoji="1" lang="en-US" altLang="ja-JP" sz="3200" b="0" i="1" smtClean="0">
+                              <a:latin typeface="Cambria Math" panose="02040503050406030204" pitchFamily="18" charset="0"/>
+                            </a:rPr>
+                          </m:ctrlPr>
+                        </m:sSubPr>
+                        <m:e>
+                          <m:f>
+                            <m:fPr>
+                              <m:ctrlPr>
+                                <a:rPr kumimoji="1" lang="en-US" altLang="ja-JP" sz="3200" b="0" i="1" smtClean="0">
+                                  <a:latin typeface="Cambria Math" panose="02040503050406030204" pitchFamily="18" charset="0"/>
+                                </a:rPr>
+                              </m:ctrlPr>
+                            </m:fPr>
+                            <m:num>
+                              <m:r>
+                                <a:rPr kumimoji="1" lang="en-US" altLang="ja-JP" sz="3200" b="0" i="1" smtClean="0">
+                                  <a:latin typeface="Cambria Math" panose="02040503050406030204" pitchFamily="18" charset="0"/>
+                                </a:rPr>
+                                <m:t>1</m:t>
+                              </m:r>
+                            </m:num>
+                            <m:den>
+                              <m:r>
+                                <a:rPr kumimoji="1" lang="en-US" altLang="ja-JP" sz="3200" b="0" i="1" smtClean="0">
+                                  <a:latin typeface="Cambria Math" panose="02040503050406030204" pitchFamily="18" charset="0"/>
+                                </a:rPr>
+                                <m:t>2</m:t>
+                              </m:r>
+                            </m:den>
+                          </m:f>
+                          <m:r>
+                            <a:rPr kumimoji="1" lang="en-US" altLang="ja-JP" sz="3200" b="0" i="1" smtClean="0">
+                              <a:latin typeface="Cambria Math" panose="02040503050406030204" pitchFamily="18" charset="0"/>
+                            </a:rPr>
+                            <m:t>𝜋</m:t>
+                          </m:r>
+                        </m:e>
+                        <m:sub>
+                          <m:r>
+                            <a:rPr kumimoji="1" lang="en-US" altLang="ja-JP" sz="3200" b="0" i="1" smtClean="0">
+                              <a:latin typeface="Cambria Math" panose="02040503050406030204" pitchFamily="18" charset="0"/>
+                            </a:rPr>
+                            <m:t>2</m:t>
+                          </m:r>
+                        </m:sub>
+                      </m:sSub>
+                      <m:r>
+                        <a:rPr kumimoji="1" lang="en-US" altLang="ja-JP" sz="3200" b="0" i="1" smtClean="0">
+                          <a:latin typeface="Cambria Math" panose="02040503050406030204" pitchFamily="18" charset="0"/>
+                        </a:rPr>
+                        <m:t>=</m:t>
+                      </m:r>
+                      <m:f>
+                        <m:fPr>
+                          <m:ctrlPr>
+                            <a:rPr kumimoji="1" lang="en-US" altLang="ja-JP" sz="3200" b="0" i="1" smtClean="0">
+                              <a:latin typeface="Cambria Math" panose="02040503050406030204" pitchFamily="18" charset="0"/>
+                            </a:rPr>
+                          </m:ctrlPr>
+                        </m:fPr>
+                        <m:num>
+                          <m:r>
+                            <a:rPr kumimoji="1" lang="en-US" altLang="ja-JP" sz="3200" b="0" i="1" smtClean="0">
+                              <a:latin typeface="Cambria Math" panose="02040503050406030204" pitchFamily="18" charset="0"/>
+                            </a:rPr>
+                            <m:t>1</m:t>
+                          </m:r>
+                        </m:num>
+                        <m:den>
+                          <m:r>
+                            <a:rPr kumimoji="1" lang="en-US" altLang="ja-JP" sz="3200" b="0" i="1" smtClean="0">
+                              <a:latin typeface="Cambria Math" panose="02040503050406030204" pitchFamily="18" charset="0"/>
+                            </a:rPr>
+                            <m:t>3</m:t>
+                          </m:r>
+                        </m:den>
+                      </m:f>
+                      <m:sSub>
+                        <m:sSubPr>
+                          <m:ctrlPr>
+                            <a:rPr kumimoji="1" lang="en-US" altLang="ja-JP" sz="3200" b="0" i="1" smtClean="0">
+                              <a:latin typeface="Cambria Math" panose="02040503050406030204" pitchFamily="18" charset="0"/>
+                            </a:rPr>
+                          </m:ctrlPr>
+                        </m:sSubPr>
+                        <m:e>
+                          <m:r>
+                            <a:rPr kumimoji="1" lang="en-US" altLang="ja-JP" sz="3200" b="0" i="1" smtClean="0">
+                              <a:latin typeface="Cambria Math" panose="02040503050406030204" pitchFamily="18" charset="0"/>
+                            </a:rPr>
+                            <m:t>𝜋</m:t>
+                          </m:r>
+                        </m:e>
+                        <m:sub>
+                          <m:r>
+                            <a:rPr kumimoji="1" lang="en-US" altLang="ja-JP" sz="3200" b="0" i="1" smtClean="0">
+                              <a:latin typeface="Cambria Math" panose="02040503050406030204" pitchFamily="18" charset="0"/>
+                            </a:rPr>
+                            <m:t>3</m:t>
+                          </m:r>
+                        </m:sub>
+                      </m:sSub>
+                    </m:oMath>
+                  </m:oMathPara>
+                </a14:m>
+                <a:endParaRPr kumimoji="1" lang="ja-JP" altLang="en-US" sz="3200"/>
+              </a:p>
+            </p:txBody>
+          </p:sp>
+        </mc:Choice>
+        <mc:Fallback>
+          <p:sp>
+            <p:nvSpPr>
+              <p:cNvPr id="12" name="テキスト ボックス 11">
+                <a:extLst>
+                  <a:ext uri="{FF2B5EF4-FFF2-40B4-BE49-F238E27FC236}">
+                    <a16:creationId xmlns:a16="http://schemas.microsoft.com/office/drawing/2014/main" id="{8D293804-3750-E255-CBC9-0249C07B875C}"/>
+                  </a:ext>
+                </a:extLst>
+              </p:cNvPr>
+              <p:cNvSpPr txBox="1">
+                <a:spLocks noRot="1" noChangeAspect="1" noMove="1" noResize="1" noEditPoints="1" noAdjustHandles="1" noChangeArrowheads="1" noChangeShapeType="1" noTextEdit="1"/>
+              </p:cNvSpPr>
+              <p:nvPr/>
+            </p:nvSpPr>
+            <p:spPr>
+              <a:xfrm>
+                <a:off x="3522866" y="3929616"/>
+                <a:ext cx="2098267" cy="925190"/>
+              </a:xfrm>
+              <a:prstGeom prst="rect">
+                <a:avLst/>
+              </a:prstGeom>
+              <a:blipFill>
+                <a:blip r:embed="rId2"/>
+                <a:stretch>
+                  <a:fillRect l="-3614" t="-1351" r="-1205" b="-13514"/>
+                </a:stretch>
+              </a:blipFill>
+            </p:spPr>
+            <p:txBody>
+              <a:bodyPr/>
+              <a:lstStyle/>
+              <a:p>
+                <a:r>
+                  <a:rPr lang="ja-JP" altLang="en-US">
+                    <a:noFill/>
+                  </a:rPr>
+                  <a:t> </a:t>
+                </a:r>
+              </a:p>
+            </p:txBody>
+          </p:sp>
+        </mc:Fallback>
+      </mc:AlternateContent>
+      <p:sp>
+        <p:nvSpPr>
+          <p:cNvPr id="13" name="テキスト ボックス 12">
+            <a:extLst>
+              <a:ext uri="{FF2B5EF4-FFF2-40B4-BE49-F238E27FC236}">
+                <a16:creationId xmlns:a16="http://schemas.microsoft.com/office/drawing/2014/main" id="{5C249470-4CAB-7587-8986-F31FB4ABCA45}"/>
+              </a:ext>
+            </a:extLst>
+          </p:cNvPr>
+          <p:cNvSpPr txBox="1"/>
+          <p:nvPr/>
+        </p:nvSpPr>
+        <p:spPr>
+          <a:xfrm>
+            <a:off x="1907704" y="5023467"/>
+            <a:ext cx="2518638" cy="369332"/>
+          </a:xfrm>
+          <a:prstGeom prst="rect">
+            <a:avLst/>
+          </a:prstGeom>
+          <a:noFill/>
+        </p:spPr>
+        <p:txBody>
+          <a:bodyPr wrap="none" rtlCol="0">
+            <a:spAutoFit/>
+          </a:bodyPr>
+          <a:lstStyle/>
+          <a:p>
+            <a:r>
+              <a:rPr kumimoji="1" lang="ja-JP" altLang="en-US"/>
+              <a:t>状態</a:t>
+            </a:r>
+            <a:r>
+              <a:rPr kumimoji="1" lang="en-US" altLang="ja-JP" dirty="0"/>
+              <a:t>2</a:t>
+            </a:r>
+            <a:r>
+              <a:rPr kumimoji="1" lang="ja-JP" altLang="en-US"/>
+              <a:t>から</a:t>
+            </a:r>
+            <a:r>
+              <a:rPr kumimoji="1" lang="en-US" altLang="ja-JP" dirty="0"/>
+              <a:t>3</a:t>
+            </a:r>
+            <a:r>
+              <a:rPr kumimoji="1" lang="ja-JP" altLang="en-US"/>
+              <a:t>に行く流れ</a:t>
+            </a:r>
+          </a:p>
+        </p:txBody>
+      </p:sp>
+      <p:sp>
+        <p:nvSpPr>
+          <p:cNvPr id="14" name="テキスト ボックス 13">
+            <a:extLst>
+              <a:ext uri="{FF2B5EF4-FFF2-40B4-BE49-F238E27FC236}">
+                <a16:creationId xmlns:a16="http://schemas.microsoft.com/office/drawing/2014/main" id="{3BB80EE0-CBF9-ED18-09C5-9339C664B1DF}"/>
+              </a:ext>
+            </a:extLst>
+          </p:cNvPr>
+          <p:cNvSpPr txBox="1"/>
+          <p:nvPr/>
+        </p:nvSpPr>
+        <p:spPr>
+          <a:xfrm>
+            <a:off x="4726792" y="5047016"/>
+            <a:ext cx="2518638" cy="369332"/>
+          </a:xfrm>
+          <a:prstGeom prst="rect">
+            <a:avLst/>
+          </a:prstGeom>
+          <a:noFill/>
+        </p:spPr>
+        <p:txBody>
+          <a:bodyPr wrap="none" rtlCol="0">
+            <a:spAutoFit/>
+          </a:bodyPr>
+          <a:lstStyle/>
+          <a:p>
+            <a:r>
+              <a:rPr kumimoji="1" lang="ja-JP" altLang="en-US"/>
+              <a:t>状態</a:t>
+            </a:r>
+            <a:r>
+              <a:rPr lang="en-US" altLang="ja-JP" dirty="0"/>
+              <a:t>3</a:t>
+            </a:r>
+            <a:r>
+              <a:rPr kumimoji="1" lang="ja-JP" altLang="en-US"/>
+              <a:t>から</a:t>
+            </a:r>
+            <a:r>
+              <a:rPr kumimoji="1" lang="en-US" altLang="ja-JP" dirty="0"/>
+              <a:t>2</a:t>
+            </a:r>
+            <a:r>
+              <a:rPr kumimoji="1" lang="ja-JP" altLang="en-US"/>
+              <a:t>に行く流れ</a:t>
+            </a:r>
+          </a:p>
+        </p:txBody>
+      </p:sp>
+      <mc:AlternateContent xmlns:mc="http://schemas.openxmlformats.org/markup-compatibility/2006">
+        <mc:Choice xmlns:a14="http://schemas.microsoft.com/office/drawing/2010/main" Requires="a14">
+          <p:sp>
+            <p:nvSpPr>
+              <p:cNvPr id="15" name="テキスト ボックス 14">
+                <a:extLst>
+                  <a:ext uri="{FF2B5EF4-FFF2-40B4-BE49-F238E27FC236}">
+                    <a16:creationId xmlns:a16="http://schemas.microsoft.com/office/drawing/2014/main" id="{C8C7645D-C148-4DB0-C580-7C5F582DA5AE}"/>
+                  </a:ext>
+                </a:extLst>
+              </p:cNvPr>
+              <p:cNvSpPr txBox="1"/>
+              <p:nvPr/>
+            </p:nvSpPr>
+            <p:spPr>
+              <a:xfrm>
+                <a:off x="3418898" y="5608558"/>
+                <a:ext cx="2316275" cy="492443"/>
+              </a:xfrm>
+              <a:prstGeom prst="rect">
+                <a:avLst/>
+              </a:prstGeom>
+              <a:noFill/>
+            </p:spPr>
+            <p:txBody>
+              <a:bodyPr wrap="none" lIns="0" tIns="0" rIns="0" bIns="0" rtlCol="0">
+                <a:spAutoFit/>
+              </a:bodyPr>
+              <a:lstStyle/>
+              <a:p>
+                <a14:m>
+                  <m:oMathPara xmlns:m="http://schemas.openxmlformats.org/officeDocument/2006/math">
+                    <m:oMathParaPr>
+                      <m:jc m:val="centerGroup"/>
+                    </m:oMathParaPr>
+                    <m:oMath xmlns:m="http://schemas.openxmlformats.org/officeDocument/2006/math">
+                      <m:sSub>
+                        <m:sSubPr>
+                          <m:ctrlPr>
+                            <a:rPr kumimoji="1" lang="en-US" altLang="ja-JP" sz="3200" b="0" i="1" smtClean="0">
+                              <a:latin typeface="Cambria Math" panose="02040503050406030204" pitchFamily="18" charset="0"/>
+                            </a:rPr>
+                          </m:ctrlPr>
+                        </m:sSubPr>
+                        <m:e>
+                          <m:r>
+                            <a:rPr kumimoji="1" lang="en-US" altLang="ja-JP" sz="3200" b="0" i="1" smtClean="0">
+                              <a:latin typeface="Cambria Math" panose="02040503050406030204" pitchFamily="18" charset="0"/>
+                            </a:rPr>
+                            <m:t>𝜋</m:t>
+                          </m:r>
+                        </m:e>
+                        <m:sub>
+                          <m:r>
+                            <a:rPr kumimoji="1" lang="en-US" altLang="ja-JP" sz="3200" b="0" i="1" smtClean="0">
+                              <a:latin typeface="Cambria Math" panose="02040503050406030204" pitchFamily="18" charset="0"/>
+                            </a:rPr>
+                            <m:t>2</m:t>
+                          </m:r>
+                        </m:sub>
+                      </m:sSub>
+                      <m:r>
+                        <a:rPr kumimoji="1" lang="en-US" altLang="ja-JP" sz="3200" b="0" i="1" smtClean="0">
+                          <a:latin typeface="Cambria Math" panose="02040503050406030204" pitchFamily="18" charset="0"/>
+                        </a:rPr>
+                        <m:t>:</m:t>
+                      </m:r>
+                      <m:sSub>
+                        <m:sSubPr>
+                          <m:ctrlPr>
+                            <a:rPr kumimoji="1" lang="en-US" altLang="ja-JP" sz="3200" b="0" i="1" smtClean="0">
+                              <a:latin typeface="Cambria Math" panose="02040503050406030204" pitchFamily="18" charset="0"/>
+                            </a:rPr>
+                          </m:ctrlPr>
+                        </m:sSubPr>
+                        <m:e>
+                          <m:r>
+                            <a:rPr kumimoji="1" lang="en-US" altLang="ja-JP" sz="3200" b="0" i="1" smtClean="0">
+                              <a:latin typeface="Cambria Math" panose="02040503050406030204" pitchFamily="18" charset="0"/>
+                            </a:rPr>
+                            <m:t>𝜋</m:t>
+                          </m:r>
+                        </m:e>
+                        <m:sub>
+                          <m:r>
+                            <a:rPr kumimoji="1" lang="en-US" altLang="ja-JP" sz="3200" b="0" i="1" smtClean="0">
+                              <a:latin typeface="Cambria Math" panose="02040503050406030204" pitchFamily="18" charset="0"/>
+                            </a:rPr>
+                            <m:t>3</m:t>
+                          </m:r>
+                        </m:sub>
+                      </m:sSub>
+                      <m:r>
+                        <a:rPr kumimoji="1" lang="en-US" altLang="ja-JP" sz="3200" b="0" i="1" smtClean="0">
+                          <a:latin typeface="Cambria Math" panose="02040503050406030204" pitchFamily="18" charset="0"/>
+                        </a:rPr>
+                        <m:t>=2:3</m:t>
+                      </m:r>
+                    </m:oMath>
+                  </m:oMathPara>
+                </a14:m>
+                <a:endParaRPr kumimoji="1" lang="ja-JP" altLang="en-US" sz="3200"/>
+              </a:p>
+            </p:txBody>
+          </p:sp>
+        </mc:Choice>
+        <mc:Fallback>
+          <p:sp>
+            <p:nvSpPr>
+              <p:cNvPr id="15" name="テキスト ボックス 14">
+                <a:extLst>
+                  <a:ext uri="{FF2B5EF4-FFF2-40B4-BE49-F238E27FC236}">
+                    <a16:creationId xmlns:a16="http://schemas.microsoft.com/office/drawing/2014/main" id="{C8C7645D-C148-4DB0-C580-7C5F582DA5AE}"/>
+                  </a:ext>
+                </a:extLst>
+              </p:cNvPr>
+              <p:cNvSpPr txBox="1">
+                <a:spLocks noRot="1" noChangeAspect="1" noMove="1" noResize="1" noEditPoints="1" noAdjustHandles="1" noChangeArrowheads="1" noChangeShapeType="1" noTextEdit="1"/>
+              </p:cNvSpPr>
+              <p:nvPr/>
+            </p:nvSpPr>
+            <p:spPr>
+              <a:xfrm>
+                <a:off x="3418898" y="5608558"/>
+                <a:ext cx="2316275" cy="492443"/>
+              </a:xfrm>
+              <a:prstGeom prst="rect">
+                <a:avLst/>
+              </a:prstGeom>
+              <a:blipFill>
+                <a:blip r:embed="rId3"/>
+                <a:stretch>
+                  <a:fillRect l="-1639" r="-3279" b="-17500"/>
+                </a:stretch>
+              </a:blipFill>
+            </p:spPr>
+            <p:txBody>
+              <a:bodyPr/>
+              <a:lstStyle/>
+              <a:p>
+                <a:r>
+                  <a:rPr lang="ja-JP" altLang="en-US">
+                    <a:noFill/>
+                  </a:rPr>
+                  <a:t> </a:t>
+                </a:r>
+              </a:p>
+            </p:txBody>
+          </p:sp>
+        </mc:Fallback>
+      </mc:AlternateContent>
+    </p:spTree>
+    <p:extLst>
+      <p:ext uri="{BB962C8B-B14F-4D97-AF65-F5344CB8AC3E}">
+        <p14:creationId xmlns:p14="http://schemas.microsoft.com/office/powerpoint/2010/main" val="844772940"/>
+      </p:ext>
+    </p:extLst>
+  </p:cSld>
+  <p:clrMapOvr>
+    <a:masterClrMapping/>
+  </p:clrMapOvr>
+</p:sld>
+</file>
+
+<file path=ppt/slides/slide15.xml><?xml version="1.0" encoding="utf-8"?>
+<p:sld xmlns:a="http://schemas.openxmlformats.org/drawingml/2006/main" xmlns:r="http://schemas.openxmlformats.org/officeDocument/2006/relationships" xmlns:p="http://schemas.openxmlformats.org/presentationml/2006/main">
+  <p:cSld>
+    <p:spTree>
+      <p:nvGrpSpPr>
+        <p:cNvPr id="1" name=""/>
+        <p:cNvGrpSpPr/>
+        <p:nvPr/>
+      </p:nvGrpSpPr>
+      <p:grpSpPr>
+        <a:xfrm>
+          <a:off x="0" y="0"/>
+          <a:ext cx="0" cy="0"/>
+          <a:chOff x="0" y="0"/>
+          <a:chExt cx="0" cy="0"/>
+        </a:xfrm>
+      </p:grpSpPr>
+      <p:sp>
+        <p:nvSpPr>
+          <p:cNvPr id="2" name="テキスト プレースホルダー 1">
+            <a:extLst>
+              <a:ext uri="{FF2B5EF4-FFF2-40B4-BE49-F238E27FC236}">
+                <a16:creationId xmlns:a16="http://schemas.microsoft.com/office/drawing/2014/main" id="{B0948209-04AB-60AE-0FD5-C5F9C6D44B98}"/>
+              </a:ext>
+            </a:extLst>
+          </p:cNvPr>
+          <p:cNvSpPr>
+            <a:spLocks noGrp="1"/>
+          </p:cNvSpPr>
+          <p:nvPr>
+            <p:ph type="body" sz="quarter" idx="10"/>
+          </p:nvPr>
+        </p:nvSpPr>
+        <p:spPr/>
+        <p:txBody>
+          <a:bodyPr/>
+          <a:lstStyle/>
+          <a:p>
+            <a:r>
+              <a:rPr lang="ja-JP" altLang="en-US"/>
+              <a:t>詳細釣り合い条件</a:t>
+            </a:r>
+            <a:endParaRPr kumimoji="1" lang="ja-JP" altLang="en-US"/>
+          </a:p>
+        </p:txBody>
+      </p:sp>
+      <p:sp>
+        <p:nvSpPr>
+          <p:cNvPr id="3" name="テキスト ボックス 2">
+            <a:extLst>
+              <a:ext uri="{FF2B5EF4-FFF2-40B4-BE49-F238E27FC236}">
+                <a16:creationId xmlns:a16="http://schemas.microsoft.com/office/drawing/2014/main" id="{D7ECD345-D491-B1C4-0986-FD036E25E1D9}"/>
+              </a:ext>
+            </a:extLst>
+          </p:cNvPr>
+          <p:cNvSpPr txBox="1"/>
+          <p:nvPr/>
+        </p:nvSpPr>
+        <p:spPr>
+          <a:xfrm>
+            <a:off x="683568" y="1196752"/>
+            <a:ext cx="1620957" cy="523220"/>
+          </a:xfrm>
+          <a:prstGeom prst="rect">
+            <a:avLst/>
+          </a:prstGeom>
+          <a:noFill/>
+        </p:spPr>
+        <p:txBody>
+          <a:bodyPr wrap="none" rtlCol="0">
+            <a:spAutoFit/>
+          </a:bodyPr>
+          <a:lstStyle/>
+          <a:p>
+            <a:r>
+              <a:rPr kumimoji="1" lang="ja-JP" altLang="en-US" sz="2800"/>
+              <a:t>以上から</a:t>
+            </a:r>
+          </a:p>
+        </p:txBody>
+      </p:sp>
+      <mc:AlternateContent xmlns:mc="http://schemas.openxmlformats.org/markup-compatibility/2006">
+        <mc:Choice xmlns:a14="http://schemas.microsoft.com/office/drawing/2010/main" Requires="a14">
+          <p:sp>
+            <p:nvSpPr>
+              <p:cNvPr id="4" name="テキスト ボックス 3">
+                <a:extLst>
+                  <a:ext uri="{FF2B5EF4-FFF2-40B4-BE49-F238E27FC236}">
+                    <a16:creationId xmlns:a16="http://schemas.microsoft.com/office/drawing/2014/main" id="{15D662C0-0374-6FA0-4424-475880099B93}"/>
+                  </a:ext>
+                </a:extLst>
+              </p:cNvPr>
+              <p:cNvSpPr txBox="1"/>
+              <p:nvPr/>
+            </p:nvSpPr>
+            <p:spPr>
+              <a:xfrm>
+                <a:off x="1494046" y="1719972"/>
+                <a:ext cx="3332579" cy="492443"/>
+              </a:xfrm>
+              <a:prstGeom prst="rect">
+                <a:avLst/>
+              </a:prstGeom>
+              <a:noFill/>
+            </p:spPr>
+            <p:txBody>
+              <a:bodyPr wrap="none" lIns="0" tIns="0" rIns="0" bIns="0" rtlCol="0">
+                <a:spAutoFit/>
+              </a:bodyPr>
+              <a:lstStyle/>
+              <a:p>
+                <a14:m>
+                  <m:oMathPara xmlns:m="http://schemas.openxmlformats.org/officeDocument/2006/math">
+                    <m:oMathParaPr>
+                      <m:jc m:val="centerGroup"/>
+                    </m:oMathParaPr>
+                    <m:oMath xmlns:m="http://schemas.openxmlformats.org/officeDocument/2006/math">
+                      <m:sSub>
+                        <m:sSubPr>
+                          <m:ctrlPr>
+                            <a:rPr kumimoji="1" lang="en-US" altLang="ja-JP" sz="3200" b="0" i="1" smtClean="0">
+                              <a:latin typeface="Cambria Math" panose="02040503050406030204" pitchFamily="18" charset="0"/>
+                            </a:rPr>
+                          </m:ctrlPr>
+                        </m:sSubPr>
+                        <m:e>
+                          <m:sSub>
+                            <m:sSubPr>
+                              <m:ctrlPr>
+                                <a:rPr kumimoji="1" lang="en-US" altLang="ja-JP" sz="3200" b="0" i="1" smtClean="0">
+                                  <a:latin typeface="Cambria Math" panose="02040503050406030204" pitchFamily="18" charset="0"/>
+                                </a:rPr>
+                              </m:ctrlPr>
+                            </m:sSubPr>
+                            <m:e>
+                              <m:r>
+                                <a:rPr kumimoji="1" lang="en-US" altLang="ja-JP" sz="3200" b="0" i="1" smtClean="0">
+                                  <a:latin typeface="Cambria Math" panose="02040503050406030204" pitchFamily="18" charset="0"/>
+                                </a:rPr>
+                                <m:t>𝜋</m:t>
+                              </m:r>
+                            </m:e>
+                            <m:sub>
+                              <m:r>
+                                <a:rPr kumimoji="1" lang="en-US" altLang="ja-JP" sz="3200" b="0" i="1" smtClean="0">
+                                  <a:latin typeface="Cambria Math" panose="02040503050406030204" pitchFamily="18" charset="0"/>
+                                </a:rPr>
+                                <m:t>1</m:t>
+                              </m:r>
+                            </m:sub>
+                          </m:sSub>
+                          <m:r>
+                            <a:rPr kumimoji="1" lang="en-US" altLang="ja-JP" sz="3200" b="0" i="1" smtClean="0">
+                              <a:latin typeface="Cambria Math" panose="02040503050406030204" pitchFamily="18" charset="0"/>
+                            </a:rPr>
+                            <m:t>:</m:t>
+                          </m:r>
+                          <m:r>
+                            <a:rPr kumimoji="1" lang="en-US" altLang="ja-JP" sz="3200" b="0" i="1" smtClean="0">
+                              <a:latin typeface="Cambria Math" panose="02040503050406030204" pitchFamily="18" charset="0"/>
+                            </a:rPr>
+                            <m:t>𝜋</m:t>
+                          </m:r>
+                        </m:e>
+                        <m:sub>
+                          <m:r>
+                            <a:rPr kumimoji="1" lang="en-US" altLang="ja-JP" sz="3200" b="0" i="1" smtClean="0">
+                              <a:latin typeface="Cambria Math" panose="02040503050406030204" pitchFamily="18" charset="0"/>
+                            </a:rPr>
+                            <m:t>2</m:t>
+                          </m:r>
+                        </m:sub>
+                      </m:sSub>
+                      <m:r>
+                        <a:rPr kumimoji="1" lang="en-US" altLang="ja-JP" sz="3200" b="0" i="1" smtClean="0">
+                          <a:latin typeface="Cambria Math" panose="02040503050406030204" pitchFamily="18" charset="0"/>
+                        </a:rPr>
+                        <m:t>:</m:t>
+                      </m:r>
+                      <m:sSub>
+                        <m:sSubPr>
+                          <m:ctrlPr>
+                            <a:rPr kumimoji="1" lang="en-US" altLang="ja-JP" sz="3200" b="0" i="1" smtClean="0">
+                              <a:latin typeface="Cambria Math" panose="02040503050406030204" pitchFamily="18" charset="0"/>
+                            </a:rPr>
+                          </m:ctrlPr>
+                        </m:sSubPr>
+                        <m:e>
+                          <m:r>
+                            <a:rPr kumimoji="1" lang="en-US" altLang="ja-JP" sz="3200" b="0" i="1" smtClean="0">
+                              <a:latin typeface="Cambria Math" panose="02040503050406030204" pitchFamily="18" charset="0"/>
+                            </a:rPr>
+                            <m:t>𝜋</m:t>
+                          </m:r>
+                        </m:e>
+                        <m:sub>
+                          <m:r>
+                            <a:rPr kumimoji="1" lang="en-US" altLang="ja-JP" sz="3200" b="0" i="1" smtClean="0">
+                              <a:latin typeface="Cambria Math" panose="02040503050406030204" pitchFamily="18" charset="0"/>
+                            </a:rPr>
+                            <m:t>3</m:t>
+                          </m:r>
+                        </m:sub>
+                      </m:sSub>
+                      <m:r>
+                        <a:rPr kumimoji="1" lang="en-US" altLang="ja-JP" sz="3200" b="0" i="1" smtClean="0">
+                          <a:latin typeface="Cambria Math" panose="02040503050406030204" pitchFamily="18" charset="0"/>
+                        </a:rPr>
+                        <m:t>=1:2:3</m:t>
+                      </m:r>
+                    </m:oMath>
+                  </m:oMathPara>
+                </a14:m>
+                <a:endParaRPr kumimoji="1" lang="ja-JP" altLang="en-US" sz="3200"/>
+              </a:p>
+            </p:txBody>
+          </p:sp>
+        </mc:Choice>
+        <mc:Fallback>
+          <p:sp>
+            <p:nvSpPr>
+              <p:cNvPr id="4" name="テキスト ボックス 3">
+                <a:extLst>
+                  <a:ext uri="{FF2B5EF4-FFF2-40B4-BE49-F238E27FC236}">
+                    <a16:creationId xmlns:a16="http://schemas.microsoft.com/office/drawing/2014/main" id="{15D662C0-0374-6FA0-4424-475880099B93}"/>
+                  </a:ext>
+                </a:extLst>
+              </p:cNvPr>
+              <p:cNvSpPr txBox="1">
+                <a:spLocks noRot="1" noChangeAspect="1" noMove="1" noResize="1" noEditPoints="1" noAdjustHandles="1" noChangeArrowheads="1" noChangeShapeType="1" noTextEdit="1"/>
+              </p:cNvSpPr>
+              <p:nvPr/>
+            </p:nvSpPr>
+            <p:spPr>
+              <a:xfrm>
+                <a:off x="1494046" y="1719972"/>
+                <a:ext cx="3332579" cy="492443"/>
+              </a:xfrm>
+              <a:prstGeom prst="rect">
+                <a:avLst/>
+              </a:prstGeom>
+              <a:blipFill>
+                <a:blip r:embed="rId2"/>
+                <a:stretch>
+                  <a:fillRect l="-758" r="-1894" b="-17500"/>
+                </a:stretch>
+              </a:blipFill>
+            </p:spPr>
+            <p:txBody>
+              <a:bodyPr/>
+              <a:lstStyle/>
+              <a:p>
+                <a:r>
+                  <a:rPr lang="ja-JP" altLang="en-US">
+                    <a:noFill/>
+                  </a:rPr>
+                  <a:t> </a:t>
+                </a:r>
+              </a:p>
+            </p:txBody>
+          </p:sp>
+        </mc:Fallback>
+      </mc:AlternateContent>
+      <mc:AlternateContent xmlns:mc="http://schemas.openxmlformats.org/markup-compatibility/2006">
+        <mc:Choice xmlns:a14="http://schemas.microsoft.com/office/drawing/2010/main" Requires="a14">
+          <p:sp>
+            <p:nvSpPr>
+              <p:cNvPr id="6" name="テキスト ボックス 5">
+                <a:extLst>
+                  <a:ext uri="{FF2B5EF4-FFF2-40B4-BE49-F238E27FC236}">
+                    <a16:creationId xmlns:a16="http://schemas.microsoft.com/office/drawing/2014/main" id="{E75769D9-80BC-FD62-CD13-B9370DB59C44}"/>
+                  </a:ext>
+                </a:extLst>
+              </p:cNvPr>
+              <p:cNvSpPr txBox="1"/>
+              <p:nvPr/>
+            </p:nvSpPr>
+            <p:spPr>
+              <a:xfrm>
+                <a:off x="755576" y="2564904"/>
+                <a:ext cx="2193741" cy="1135375"/>
+              </a:xfrm>
+              <a:prstGeom prst="rect">
+                <a:avLst/>
+              </a:prstGeom>
+              <a:noFill/>
+            </p:spPr>
+            <p:txBody>
+              <a:bodyPr wrap="none" lIns="0" tIns="0" rIns="0" bIns="0" rtlCol="0">
+                <a:spAutoFit/>
+              </a:bodyPr>
+              <a:lstStyle/>
+              <a:p>
+                <a:pPr/>
+                <a14:m>
+                  <m:oMathPara xmlns:m="http://schemas.openxmlformats.org/officeDocument/2006/math">
+                    <m:oMathParaPr>
+                      <m:jc m:val="centerGroup"/>
+                    </m:oMathParaPr>
+                    <m:oMath xmlns:m="http://schemas.openxmlformats.org/officeDocument/2006/math">
+                      <m:acc>
+                        <m:accPr>
+                          <m:chr m:val="⃗"/>
+                          <m:ctrlPr>
+                            <a:rPr kumimoji="1" lang="en-US" altLang="ja-JP" sz="2800" b="0" i="1" smtClean="0">
+                              <a:latin typeface="Cambria Math" panose="02040503050406030204" pitchFamily="18" charset="0"/>
+                            </a:rPr>
+                          </m:ctrlPr>
+                        </m:accPr>
+                        <m:e>
+                          <m:r>
+                            <a:rPr kumimoji="1" lang="en-US" altLang="ja-JP" sz="2800" b="0" i="1" smtClean="0">
+                              <a:latin typeface="Cambria Math" panose="02040503050406030204" pitchFamily="18" charset="0"/>
+                            </a:rPr>
+                            <m:t>𝑝</m:t>
+                          </m:r>
+                        </m:e>
+                      </m:acc>
+                      <m:r>
+                        <a:rPr kumimoji="1" lang="en-US" altLang="ja-JP" sz="2800" b="0" i="1" smtClean="0">
+                          <a:latin typeface="Cambria Math" panose="02040503050406030204" pitchFamily="18" charset="0"/>
+                        </a:rPr>
+                        <m:t>(∞)</m:t>
+                      </m:r>
+                      <m:r>
+                        <a:rPr kumimoji="1" lang="en-US" altLang="ja-JP" sz="2800" b="0" i="1" smtClean="0">
+                          <a:latin typeface="Cambria Math" panose="02040503050406030204" pitchFamily="18" charset="0"/>
+                        </a:rPr>
+                        <m:t>=</m:t>
+                      </m:r>
+                      <m:d>
+                        <m:dPr>
+                          <m:ctrlPr>
+                            <a:rPr kumimoji="1" lang="en-US" altLang="ja-JP" sz="2800" b="0" i="1" smtClean="0">
+                              <a:latin typeface="Cambria Math" panose="02040503050406030204" pitchFamily="18" charset="0"/>
+                            </a:rPr>
+                          </m:ctrlPr>
+                        </m:dPr>
+                        <m:e>
+                          <m:m>
+                            <m:mPr>
+                              <m:mcs>
+                                <m:mc>
+                                  <m:mcPr>
+                                    <m:count m:val="1"/>
+                                    <m:mcJc m:val="center"/>
+                                  </m:mcPr>
+                                </m:mc>
+                              </m:mcs>
+                              <m:ctrlPr>
+                                <a:rPr kumimoji="1" lang="en-US" altLang="ja-JP" sz="2800" b="0" i="1" smtClean="0">
+                                  <a:latin typeface="Cambria Math" panose="02040503050406030204" pitchFamily="18" charset="0"/>
+                                </a:rPr>
+                              </m:ctrlPr>
+                            </m:mPr>
+                            <m:mr>
+                              <m:e>
+                                <m:sSub>
+                                  <m:sSubPr>
+                                    <m:ctrlPr>
+                                      <a:rPr kumimoji="1" lang="en-US" altLang="ja-JP" sz="2800" b="0" i="1" smtClean="0">
+                                        <a:latin typeface="Cambria Math" panose="02040503050406030204" pitchFamily="18" charset="0"/>
+                                      </a:rPr>
+                                    </m:ctrlPr>
+                                  </m:sSubPr>
+                                  <m:e>
+                                    <m:r>
+                                      <a:rPr kumimoji="1" lang="en-US" altLang="ja-JP" sz="2800" b="0" i="1" smtClean="0">
+                                        <a:latin typeface="Cambria Math" panose="02040503050406030204" pitchFamily="18" charset="0"/>
+                                      </a:rPr>
+                                      <m:t>𝜋</m:t>
+                                    </m:r>
+                                  </m:e>
+                                  <m:sub>
+                                    <m:r>
+                                      <a:rPr kumimoji="1" lang="en-US" altLang="ja-JP" sz="2800" b="0" i="1" smtClean="0">
+                                        <a:latin typeface="Cambria Math" panose="02040503050406030204" pitchFamily="18" charset="0"/>
+                                      </a:rPr>
+                                      <m:t>1</m:t>
+                                    </m:r>
+                                  </m:sub>
+                                </m:sSub>
+                              </m:e>
+                            </m:mr>
+                            <m:mr>
+                              <m:e>
+                                <m:sSub>
+                                  <m:sSubPr>
+                                    <m:ctrlPr>
+                                      <a:rPr kumimoji="1" lang="en-US" altLang="ja-JP" sz="2800" b="0" i="1" smtClean="0">
+                                        <a:latin typeface="Cambria Math" panose="02040503050406030204" pitchFamily="18" charset="0"/>
+                                      </a:rPr>
+                                    </m:ctrlPr>
+                                  </m:sSubPr>
+                                  <m:e>
+                                    <m:r>
+                                      <a:rPr kumimoji="1" lang="en-US" altLang="ja-JP" sz="2800" b="0" i="1" smtClean="0">
+                                        <a:latin typeface="Cambria Math" panose="02040503050406030204" pitchFamily="18" charset="0"/>
+                                      </a:rPr>
+                                      <m:t>𝜋</m:t>
+                                    </m:r>
+                                  </m:e>
+                                  <m:sub>
+                                    <m:r>
+                                      <a:rPr kumimoji="1" lang="en-US" altLang="ja-JP" sz="2800" b="0" i="1" smtClean="0">
+                                        <a:latin typeface="Cambria Math" panose="02040503050406030204" pitchFamily="18" charset="0"/>
+                                      </a:rPr>
+                                      <m:t>2</m:t>
+                                    </m:r>
+                                  </m:sub>
+                                </m:sSub>
+                              </m:e>
+                            </m:mr>
+                            <m:mr>
+                              <m:e>
+                                <m:sSub>
+                                  <m:sSubPr>
+                                    <m:ctrlPr>
+                                      <a:rPr kumimoji="1" lang="en-US" altLang="ja-JP" sz="2800" b="0" i="1" smtClean="0">
+                                        <a:latin typeface="Cambria Math" panose="02040503050406030204" pitchFamily="18" charset="0"/>
+                                      </a:rPr>
+                                    </m:ctrlPr>
+                                  </m:sSubPr>
+                                  <m:e>
+                                    <m:r>
+                                      <a:rPr kumimoji="1" lang="en-US" altLang="ja-JP" sz="2800" b="0" i="1" smtClean="0">
+                                        <a:latin typeface="Cambria Math" panose="02040503050406030204" pitchFamily="18" charset="0"/>
+                                      </a:rPr>
+                                      <m:t>𝜋</m:t>
+                                    </m:r>
+                                  </m:e>
+                                  <m:sub>
+                                    <m:r>
+                                      <a:rPr kumimoji="1" lang="en-US" altLang="ja-JP" sz="2800" b="0" i="1" smtClean="0">
+                                        <a:latin typeface="Cambria Math" panose="02040503050406030204" pitchFamily="18" charset="0"/>
+                                      </a:rPr>
+                                      <m:t>3</m:t>
+                                    </m:r>
+                                  </m:sub>
+                                </m:sSub>
+                              </m:e>
+                            </m:mr>
+                          </m:m>
+                        </m:e>
+                      </m:d>
+                    </m:oMath>
+                  </m:oMathPara>
+                </a14:m>
+                <a:endParaRPr kumimoji="1" lang="ja-JP" altLang="en-US" sz="2800"/>
+              </a:p>
+            </p:txBody>
+          </p:sp>
+        </mc:Choice>
+        <mc:Fallback>
+          <p:sp>
+            <p:nvSpPr>
+              <p:cNvPr id="6" name="テキスト ボックス 5">
+                <a:extLst>
+                  <a:ext uri="{FF2B5EF4-FFF2-40B4-BE49-F238E27FC236}">
+                    <a16:creationId xmlns:a16="http://schemas.microsoft.com/office/drawing/2014/main" id="{E75769D9-80BC-FD62-CD13-B9370DB59C44}"/>
+                  </a:ext>
+                </a:extLst>
+              </p:cNvPr>
+              <p:cNvSpPr txBox="1">
+                <a:spLocks noRot="1" noChangeAspect="1" noMove="1" noResize="1" noEditPoints="1" noAdjustHandles="1" noChangeArrowheads="1" noChangeShapeType="1" noTextEdit="1"/>
+              </p:cNvSpPr>
+              <p:nvPr/>
+            </p:nvSpPr>
+            <p:spPr>
+              <a:xfrm>
+                <a:off x="755576" y="2564904"/>
+                <a:ext cx="2193741" cy="1135375"/>
+              </a:xfrm>
+              <a:prstGeom prst="rect">
+                <a:avLst/>
+              </a:prstGeom>
+              <a:blipFill>
+                <a:blip r:embed="rId3"/>
+                <a:stretch>
+                  <a:fillRect l="-2874" b="-5556"/>
+                </a:stretch>
+              </a:blipFill>
+            </p:spPr>
+            <p:txBody>
+              <a:bodyPr/>
+              <a:lstStyle/>
+              <a:p>
+                <a:r>
+                  <a:rPr lang="ja-JP" altLang="en-US">
+                    <a:noFill/>
+                  </a:rPr>
+                  <a:t> </a:t>
+                </a:r>
+              </a:p>
+            </p:txBody>
+          </p:sp>
+        </mc:Fallback>
+      </mc:AlternateContent>
+      <p:sp>
+        <p:nvSpPr>
+          <p:cNvPr id="7" name="テキスト ボックス 6">
+            <a:extLst>
+              <a:ext uri="{FF2B5EF4-FFF2-40B4-BE49-F238E27FC236}">
+                <a16:creationId xmlns:a16="http://schemas.microsoft.com/office/drawing/2014/main" id="{32137283-BFC4-7E68-2260-F3FC0A5EC4D5}"/>
+              </a:ext>
+            </a:extLst>
+          </p:cNvPr>
+          <p:cNvSpPr txBox="1"/>
+          <p:nvPr/>
+        </p:nvSpPr>
+        <p:spPr>
+          <a:xfrm>
+            <a:off x="3059832" y="2901758"/>
+            <a:ext cx="1107996" cy="461665"/>
+          </a:xfrm>
+          <a:prstGeom prst="rect">
+            <a:avLst/>
+          </a:prstGeom>
+          <a:noFill/>
+        </p:spPr>
+        <p:txBody>
+          <a:bodyPr wrap="none" rtlCol="0">
+            <a:spAutoFit/>
+          </a:bodyPr>
+          <a:lstStyle/>
+          <a:p>
+            <a:r>
+              <a:rPr kumimoji="1" lang="ja-JP" altLang="en-US" sz="2400"/>
+              <a:t>であり</a:t>
+            </a:r>
+          </a:p>
+        </p:txBody>
+      </p:sp>
+      <mc:AlternateContent xmlns:mc="http://schemas.openxmlformats.org/markup-compatibility/2006">
+        <mc:Choice xmlns:a14="http://schemas.microsoft.com/office/drawing/2010/main" Requires="a14">
+          <p:sp>
+            <p:nvSpPr>
+              <p:cNvPr id="8" name="テキスト ボックス 7">
+                <a:extLst>
+                  <a:ext uri="{FF2B5EF4-FFF2-40B4-BE49-F238E27FC236}">
+                    <a16:creationId xmlns:a16="http://schemas.microsoft.com/office/drawing/2014/main" id="{2CBC0C09-5CC6-020E-8543-910236EC3785}"/>
+                  </a:ext>
+                </a:extLst>
+              </p:cNvPr>
+              <p:cNvSpPr txBox="1"/>
+              <p:nvPr/>
+            </p:nvSpPr>
+            <p:spPr>
+              <a:xfrm>
+                <a:off x="667849" y="3897179"/>
+                <a:ext cx="3144707" cy="492443"/>
+              </a:xfrm>
+              <a:prstGeom prst="rect">
+                <a:avLst/>
+              </a:prstGeom>
+              <a:noFill/>
+            </p:spPr>
+            <p:txBody>
+              <a:bodyPr wrap="none" lIns="0" tIns="0" rIns="0" bIns="0" rtlCol="0">
+                <a:spAutoFit/>
+              </a:bodyPr>
+              <a:lstStyle/>
+              <a:p>
+                <a14:m>
+                  <m:oMathPara xmlns:m="http://schemas.openxmlformats.org/officeDocument/2006/math">
+                    <m:oMathParaPr>
+                      <m:jc m:val="centerGroup"/>
+                    </m:oMathParaPr>
+                    <m:oMath xmlns:m="http://schemas.openxmlformats.org/officeDocument/2006/math">
+                      <m:sSub>
+                        <m:sSubPr>
+                          <m:ctrlPr>
+                            <a:rPr kumimoji="1" lang="en-US" altLang="ja-JP" sz="3200" b="0" i="1" smtClean="0">
+                              <a:latin typeface="Cambria Math" panose="02040503050406030204" pitchFamily="18" charset="0"/>
+                            </a:rPr>
+                          </m:ctrlPr>
+                        </m:sSubPr>
+                        <m:e>
+                          <m:sSub>
+                            <m:sSubPr>
+                              <m:ctrlPr>
+                                <a:rPr kumimoji="1" lang="en-US" altLang="ja-JP" sz="3200" b="0" i="1" smtClean="0">
+                                  <a:latin typeface="Cambria Math" panose="02040503050406030204" pitchFamily="18" charset="0"/>
+                                </a:rPr>
+                              </m:ctrlPr>
+                            </m:sSubPr>
+                            <m:e>
+                              <m:r>
+                                <a:rPr kumimoji="1" lang="en-US" altLang="ja-JP" sz="3200" b="0" i="1" smtClean="0">
+                                  <a:latin typeface="Cambria Math" panose="02040503050406030204" pitchFamily="18" charset="0"/>
+                                </a:rPr>
+                                <m:t>𝜋</m:t>
+                              </m:r>
+                            </m:e>
+                            <m:sub>
+                              <m:r>
+                                <a:rPr kumimoji="1" lang="en-US" altLang="ja-JP" sz="3200" b="0" i="1" smtClean="0">
+                                  <a:latin typeface="Cambria Math" panose="02040503050406030204" pitchFamily="18" charset="0"/>
+                                </a:rPr>
+                                <m:t>1</m:t>
+                              </m:r>
+                            </m:sub>
+                          </m:sSub>
+                          <m:r>
+                            <a:rPr kumimoji="1" lang="en-US" altLang="ja-JP" sz="3200" b="0" i="1" smtClean="0">
+                              <a:latin typeface="Cambria Math" panose="02040503050406030204" pitchFamily="18" charset="0"/>
+                            </a:rPr>
+                            <m:t>+</m:t>
+                          </m:r>
+                          <m:r>
+                            <a:rPr kumimoji="1" lang="en-US" altLang="ja-JP" sz="3200" b="0" i="1" smtClean="0">
+                              <a:latin typeface="Cambria Math" panose="02040503050406030204" pitchFamily="18" charset="0"/>
+                            </a:rPr>
+                            <m:t>𝜋</m:t>
+                          </m:r>
+                        </m:e>
+                        <m:sub>
+                          <m:r>
+                            <a:rPr kumimoji="1" lang="en-US" altLang="ja-JP" sz="3200" b="0" i="1" smtClean="0">
+                              <a:latin typeface="Cambria Math" panose="02040503050406030204" pitchFamily="18" charset="0"/>
+                            </a:rPr>
+                            <m:t>2</m:t>
+                          </m:r>
+                        </m:sub>
+                      </m:sSub>
+                      <m:r>
+                        <a:rPr kumimoji="1" lang="en-US" altLang="ja-JP" sz="3200" b="0" i="1" smtClean="0">
+                          <a:latin typeface="Cambria Math" panose="02040503050406030204" pitchFamily="18" charset="0"/>
+                        </a:rPr>
+                        <m:t>+</m:t>
+                      </m:r>
+                      <m:sSub>
+                        <m:sSubPr>
+                          <m:ctrlPr>
+                            <a:rPr kumimoji="1" lang="en-US" altLang="ja-JP" sz="3200" b="0" i="1" smtClean="0">
+                              <a:latin typeface="Cambria Math" panose="02040503050406030204" pitchFamily="18" charset="0"/>
+                            </a:rPr>
+                          </m:ctrlPr>
+                        </m:sSubPr>
+                        <m:e>
+                          <m:r>
+                            <a:rPr kumimoji="1" lang="en-US" altLang="ja-JP" sz="3200" b="0" i="1" smtClean="0">
+                              <a:latin typeface="Cambria Math" panose="02040503050406030204" pitchFamily="18" charset="0"/>
+                            </a:rPr>
+                            <m:t>𝜋</m:t>
+                          </m:r>
+                        </m:e>
+                        <m:sub>
+                          <m:r>
+                            <a:rPr kumimoji="1" lang="en-US" altLang="ja-JP" sz="3200" b="0" i="1" smtClean="0">
+                              <a:latin typeface="Cambria Math" panose="02040503050406030204" pitchFamily="18" charset="0"/>
+                            </a:rPr>
+                            <m:t>3</m:t>
+                          </m:r>
+                        </m:sub>
+                      </m:sSub>
+                      <m:r>
+                        <a:rPr kumimoji="1" lang="en-US" altLang="ja-JP" sz="3200" b="0" i="1" smtClean="0">
+                          <a:latin typeface="Cambria Math" panose="02040503050406030204" pitchFamily="18" charset="0"/>
+                        </a:rPr>
+                        <m:t>=1</m:t>
+                      </m:r>
+                    </m:oMath>
+                  </m:oMathPara>
+                </a14:m>
+                <a:endParaRPr kumimoji="1" lang="ja-JP" altLang="en-US" sz="3200"/>
+              </a:p>
+            </p:txBody>
+          </p:sp>
+        </mc:Choice>
+        <mc:Fallback>
+          <p:sp>
+            <p:nvSpPr>
+              <p:cNvPr id="8" name="テキスト ボックス 7">
+                <a:extLst>
+                  <a:ext uri="{FF2B5EF4-FFF2-40B4-BE49-F238E27FC236}">
+                    <a16:creationId xmlns:a16="http://schemas.microsoft.com/office/drawing/2014/main" id="{2CBC0C09-5CC6-020E-8543-910236EC3785}"/>
+                  </a:ext>
+                </a:extLst>
+              </p:cNvPr>
+              <p:cNvSpPr txBox="1">
+                <a:spLocks noRot="1" noChangeAspect="1" noMove="1" noResize="1" noEditPoints="1" noAdjustHandles="1" noChangeArrowheads="1" noChangeShapeType="1" noTextEdit="1"/>
+              </p:cNvSpPr>
+              <p:nvPr/>
+            </p:nvSpPr>
+            <p:spPr>
+              <a:xfrm>
+                <a:off x="667849" y="3897179"/>
+                <a:ext cx="3144707" cy="492443"/>
+              </a:xfrm>
+              <a:prstGeom prst="rect">
+                <a:avLst/>
+              </a:prstGeom>
+              <a:blipFill>
+                <a:blip r:embed="rId4"/>
+                <a:stretch>
+                  <a:fillRect l="-806" r="-2419" b="-20000"/>
+                </a:stretch>
+              </a:blipFill>
+            </p:spPr>
+            <p:txBody>
+              <a:bodyPr/>
+              <a:lstStyle/>
+              <a:p>
+                <a:r>
+                  <a:rPr lang="ja-JP" altLang="en-US">
+                    <a:noFill/>
+                  </a:rPr>
+                  <a:t> </a:t>
+                </a:r>
+              </a:p>
+            </p:txBody>
+          </p:sp>
+        </mc:Fallback>
+      </mc:AlternateContent>
+      <p:sp>
+        <p:nvSpPr>
+          <p:cNvPr id="9" name="テキスト ボックス 8">
+            <a:extLst>
+              <a:ext uri="{FF2B5EF4-FFF2-40B4-BE49-F238E27FC236}">
+                <a16:creationId xmlns:a16="http://schemas.microsoft.com/office/drawing/2014/main" id="{CB165577-EAE9-83D1-C8C6-B2170EB4C7D4}"/>
+              </a:ext>
+            </a:extLst>
+          </p:cNvPr>
+          <p:cNvSpPr txBox="1"/>
+          <p:nvPr/>
+        </p:nvSpPr>
+        <p:spPr>
+          <a:xfrm>
+            <a:off x="3910884" y="3927957"/>
+            <a:ext cx="1107996" cy="461665"/>
+          </a:xfrm>
+          <a:prstGeom prst="rect">
+            <a:avLst/>
+          </a:prstGeom>
+          <a:noFill/>
+        </p:spPr>
+        <p:txBody>
+          <a:bodyPr wrap="none" rtlCol="0">
+            <a:spAutoFit/>
+          </a:bodyPr>
+          <a:lstStyle/>
+          <a:p>
+            <a:r>
+              <a:rPr lang="ja-JP" altLang="en-US" sz="2400"/>
+              <a:t>だから</a:t>
+            </a:r>
+            <a:endParaRPr kumimoji="1" lang="ja-JP" altLang="en-US" sz="2400"/>
+          </a:p>
+        </p:txBody>
+      </p:sp>
+      <mc:AlternateContent xmlns:mc="http://schemas.openxmlformats.org/markup-compatibility/2006">
+        <mc:Choice xmlns:a14="http://schemas.microsoft.com/office/drawing/2010/main" Requires="a14">
+          <p:sp>
+            <p:nvSpPr>
+              <p:cNvPr id="10" name="テキスト ボックス 9">
+                <a:extLst>
+                  <a:ext uri="{FF2B5EF4-FFF2-40B4-BE49-F238E27FC236}">
+                    <a16:creationId xmlns:a16="http://schemas.microsoft.com/office/drawing/2014/main" id="{F548A651-0E5E-4C5D-D551-BE70939A4E6F}"/>
+                  </a:ext>
+                </a:extLst>
+              </p:cNvPr>
+              <p:cNvSpPr txBox="1"/>
+              <p:nvPr/>
+            </p:nvSpPr>
+            <p:spPr>
+              <a:xfrm>
+                <a:off x="2631624" y="4529674"/>
+                <a:ext cx="2387256" cy="1260410"/>
+              </a:xfrm>
+              <a:prstGeom prst="rect">
+                <a:avLst/>
+              </a:prstGeom>
+              <a:noFill/>
+            </p:spPr>
+            <p:txBody>
+              <a:bodyPr wrap="none" lIns="0" tIns="0" rIns="0" bIns="0" rtlCol="0">
+                <a:spAutoFit/>
+              </a:bodyPr>
+              <a:lstStyle/>
+              <a:p>
+                <a:pPr/>
+                <a14:m>
+                  <m:oMathPara xmlns:m="http://schemas.openxmlformats.org/officeDocument/2006/math">
+                    <m:oMathParaPr>
+                      <m:jc m:val="centerGroup"/>
+                    </m:oMathParaPr>
+                    <m:oMath xmlns:m="http://schemas.openxmlformats.org/officeDocument/2006/math">
+                      <m:acc>
+                        <m:accPr>
+                          <m:chr m:val="⃗"/>
+                          <m:ctrlPr>
+                            <a:rPr kumimoji="1" lang="en-US" altLang="ja-JP" sz="2800" b="0" i="1" smtClean="0">
+                              <a:latin typeface="Cambria Math" panose="02040503050406030204" pitchFamily="18" charset="0"/>
+                            </a:rPr>
+                          </m:ctrlPr>
+                        </m:accPr>
+                        <m:e>
+                          <m:r>
+                            <a:rPr kumimoji="1" lang="en-US" altLang="ja-JP" sz="2800" b="0" i="1" smtClean="0">
+                              <a:latin typeface="Cambria Math" panose="02040503050406030204" pitchFamily="18" charset="0"/>
+                            </a:rPr>
+                            <m:t>𝑝</m:t>
+                          </m:r>
+                        </m:e>
+                      </m:acc>
+                      <m:r>
+                        <a:rPr kumimoji="1" lang="en-US" altLang="ja-JP" sz="2800" b="0" i="1" smtClean="0">
+                          <a:latin typeface="Cambria Math" panose="02040503050406030204" pitchFamily="18" charset="0"/>
+                        </a:rPr>
+                        <m:t>(∞)</m:t>
+                      </m:r>
+                      <m:r>
+                        <a:rPr kumimoji="1" lang="en-US" altLang="ja-JP" sz="2800" b="0" i="1" smtClean="0">
+                          <a:latin typeface="Cambria Math" panose="02040503050406030204" pitchFamily="18" charset="0"/>
+                        </a:rPr>
+                        <m:t>=</m:t>
+                      </m:r>
+                      <m:d>
+                        <m:dPr>
+                          <m:ctrlPr>
+                            <a:rPr kumimoji="1" lang="en-US" altLang="ja-JP" sz="2800" b="0" i="1" smtClean="0">
+                              <a:latin typeface="Cambria Math" panose="02040503050406030204" pitchFamily="18" charset="0"/>
+                            </a:rPr>
+                          </m:ctrlPr>
+                        </m:dPr>
+                        <m:e>
+                          <m:m>
+                            <m:mPr>
+                              <m:mcs>
+                                <m:mc>
+                                  <m:mcPr>
+                                    <m:count m:val="1"/>
+                                    <m:mcJc m:val="center"/>
+                                  </m:mcPr>
+                                </m:mc>
+                              </m:mcs>
+                              <m:ctrlPr>
+                                <a:rPr kumimoji="1" lang="en-US" altLang="ja-JP" sz="2800" b="0" i="1" smtClean="0">
+                                  <a:latin typeface="Cambria Math" panose="02040503050406030204" pitchFamily="18" charset="0"/>
+                                </a:rPr>
+                              </m:ctrlPr>
+                            </m:mPr>
+                            <m:mr>
+                              <m:e>
+                                <m:r>
+                                  <a:rPr kumimoji="1" lang="en-US" altLang="ja-JP" sz="2800" b="0" i="1" smtClean="0">
+                                    <a:latin typeface="Cambria Math" panose="02040503050406030204" pitchFamily="18" charset="0"/>
+                                  </a:rPr>
+                                  <m:t>1/6</m:t>
+                                </m:r>
+                              </m:e>
+                            </m:mr>
+                            <m:mr>
+                              <m:e>
+                                <m:r>
+                                  <a:rPr kumimoji="1" lang="en-US" altLang="ja-JP" sz="2800" b="0" i="1" smtClean="0">
+                                    <a:latin typeface="Cambria Math" panose="02040503050406030204" pitchFamily="18" charset="0"/>
+                                  </a:rPr>
+                                  <m:t>2/6</m:t>
+                                </m:r>
+                              </m:e>
+                            </m:mr>
+                            <m:mr>
+                              <m:e>
+                                <m:r>
+                                  <a:rPr kumimoji="1" lang="en-US" altLang="ja-JP" sz="2800" b="0" i="1" smtClean="0">
+                                    <a:latin typeface="Cambria Math" panose="02040503050406030204" pitchFamily="18" charset="0"/>
+                                  </a:rPr>
+                                  <m:t>3/6</m:t>
+                                </m:r>
+                              </m:e>
+                            </m:mr>
+                          </m:m>
+                        </m:e>
+                      </m:d>
+                    </m:oMath>
+                  </m:oMathPara>
+                </a14:m>
+                <a:endParaRPr kumimoji="1" lang="ja-JP" altLang="en-US" sz="2800"/>
+              </a:p>
+            </p:txBody>
+          </p:sp>
+        </mc:Choice>
+        <mc:Fallback>
+          <p:sp>
+            <p:nvSpPr>
+              <p:cNvPr id="10" name="テキスト ボックス 9">
+                <a:extLst>
+                  <a:ext uri="{FF2B5EF4-FFF2-40B4-BE49-F238E27FC236}">
+                    <a16:creationId xmlns:a16="http://schemas.microsoft.com/office/drawing/2014/main" id="{F548A651-0E5E-4C5D-D551-BE70939A4E6F}"/>
+                  </a:ext>
+                </a:extLst>
+              </p:cNvPr>
+              <p:cNvSpPr txBox="1">
+                <a:spLocks noRot="1" noChangeAspect="1" noMove="1" noResize="1" noEditPoints="1" noAdjustHandles="1" noChangeArrowheads="1" noChangeShapeType="1" noTextEdit="1"/>
+              </p:cNvSpPr>
+              <p:nvPr/>
+            </p:nvSpPr>
+            <p:spPr>
+              <a:xfrm>
+                <a:off x="2631624" y="4529674"/>
+                <a:ext cx="2387256" cy="1260410"/>
+              </a:xfrm>
+              <a:prstGeom prst="rect">
+                <a:avLst/>
+              </a:prstGeom>
+              <a:blipFill>
+                <a:blip r:embed="rId5"/>
+                <a:stretch>
+                  <a:fillRect l="-2646" t="-2970" b="-11881"/>
+                </a:stretch>
+              </a:blipFill>
+            </p:spPr>
+            <p:txBody>
+              <a:bodyPr/>
+              <a:lstStyle/>
+              <a:p>
+                <a:r>
+                  <a:rPr lang="ja-JP" altLang="en-US">
+                    <a:noFill/>
+                  </a:rPr>
+                  <a:t> </a:t>
+                </a:r>
+              </a:p>
+            </p:txBody>
+          </p:sp>
+        </mc:Fallback>
+      </mc:AlternateContent>
+      <p:sp>
+        <p:nvSpPr>
+          <p:cNvPr id="11" name="テキスト ボックス 10">
+            <a:extLst>
+              <a:ext uri="{FF2B5EF4-FFF2-40B4-BE49-F238E27FC236}">
+                <a16:creationId xmlns:a16="http://schemas.microsoft.com/office/drawing/2014/main" id="{769B3375-0AE5-222E-7F47-CF21A1CF2151}"/>
+              </a:ext>
+            </a:extLst>
+          </p:cNvPr>
+          <p:cNvSpPr txBox="1"/>
+          <p:nvPr/>
+        </p:nvSpPr>
+        <p:spPr>
+          <a:xfrm>
+            <a:off x="755576" y="5949280"/>
+            <a:ext cx="7571303" cy="369332"/>
+          </a:xfrm>
+          <a:prstGeom prst="rect">
+            <a:avLst/>
+          </a:prstGeom>
+          <a:noFill/>
+        </p:spPr>
+        <p:txBody>
+          <a:bodyPr wrap="none" rtlCol="0">
+            <a:spAutoFit/>
+          </a:bodyPr>
+          <a:lstStyle/>
+          <a:p>
+            <a:r>
+              <a:rPr lang="ja-JP" altLang="en-US"/>
+              <a:t>定常状態が、マルコフ行列の固有値、固有ベクトルを求めずに決まった</a:t>
+            </a:r>
+            <a:endParaRPr kumimoji="1" lang="ja-JP" altLang="en-US"/>
+          </a:p>
+        </p:txBody>
+      </p:sp>
+    </p:spTree>
+    <p:extLst>
+      <p:ext uri="{BB962C8B-B14F-4D97-AF65-F5344CB8AC3E}">
+        <p14:creationId xmlns:p14="http://schemas.microsoft.com/office/powerpoint/2010/main" val="1069896609"/>
+      </p:ext>
+    </p:extLst>
+  </p:cSld>
+  <p:clrMapOvr>
+    <a:masterClrMapping/>
+  </p:clrMapOvr>
+</p:sld>
+</file>
+
+<file path=ppt/slides/slide16.xml><?xml version="1.0" encoding="utf-8"?>
+<p:sld xmlns:a="http://schemas.openxmlformats.org/drawingml/2006/main" xmlns:r="http://schemas.openxmlformats.org/officeDocument/2006/relationships" xmlns:p="http://schemas.openxmlformats.org/presentationml/2006/main">
+  <p:cSld>
+    <p:spTree>
+      <p:nvGrpSpPr>
+        <p:cNvPr id="1" name=""/>
+        <p:cNvGrpSpPr/>
+        <p:nvPr/>
+      </p:nvGrpSpPr>
+      <p:grpSpPr>
+        <a:xfrm>
+          <a:off x="0" y="0"/>
+          <a:ext cx="0" cy="0"/>
+          <a:chOff x="0" y="0"/>
+          <a:chExt cx="0" cy="0"/>
+        </a:xfrm>
+      </p:grpSpPr>
+      <p:sp>
+        <p:nvSpPr>
+          <p:cNvPr id="2" name="テキスト プレースホルダー 1">
+            <a:extLst>
+              <a:ext uri="{FF2B5EF4-FFF2-40B4-BE49-F238E27FC236}">
+                <a16:creationId xmlns:a16="http://schemas.microsoft.com/office/drawing/2014/main" id="{3C72E4E9-15D1-0F55-0312-7982504B348C}"/>
+              </a:ext>
+            </a:extLst>
+          </p:cNvPr>
+          <p:cNvSpPr>
+            <a:spLocks noGrp="1"/>
+          </p:cNvSpPr>
+          <p:nvPr>
+            <p:ph type="body" sz="quarter" idx="10"/>
+          </p:nvPr>
+        </p:nvSpPr>
+        <p:spPr/>
+        <p:txBody>
+          <a:bodyPr/>
+          <a:lstStyle/>
+          <a:p>
+            <a:r>
+              <a:rPr kumimoji="1" lang="ja-JP" altLang="en-US"/>
+              <a:t>詳細釣り合い</a:t>
+            </a:r>
+          </a:p>
+        </p:txBody>
+      </p:sp>
+      <p:sp>
+        <p:nvSpPr>
+          <p:cNvPr id="3" name="円/楕円 2">
+            <a:extLst>
+              <a:ext uri="{FF2B5EF4-FFF2-40B4-BE49-F238E27FC236}">
+                <a16:creationId xmlns:a16="http://schemas.microsoft.com/office/drawing/2014/main" id="{505CA5CA-7C53-F84E-6128-44D977B90998}"/>
+              </a:ext>
+            </a:extLst>
+          </p:cNvPr>
+          <p:cNvSpPr/>
+          <p:nvPr/>
+        </p:nvSpPr>
+        <p:spPr>
+          <a:xfrm>
+            <a:off x="2554802" y="1700808"/>
+            <a:ext cx="864096" cy="864096"/>
+          </a:xfrm>
+          <a:prstGeom prst="ellipse">
+            <a:avLst/>
+          </a:prstGeom>
+          <a:noFill/>
+          <a:ln>
+            <a:solidFill>
+              <a:schemeClr val="tx1"/>
+            </a:solidFill>
+          </a:ln>
+        </p:spPr>
+        <p:style>
+          <a:lnRef idx="2">
+            <a:schemeClr val="accent1">
+              <a:shade val="50000"/>
+            </a:schemeClr>
+          </a:lnRef>
+          <a:fillRef idx="1">
+            <a:schemeClr val="accent1"/>
+          </a:fillRef>
+          <a:effectRef idx="0">
+            <a:schemeClr val="accent1"/>
+          </a:effectRef>
+          <a:fontRef idx="minor">
+            <a:schemeClr val="lt1"/>
+          </a:fontRef>
+        </p:style>
+        <p:txBody>
+          <a:bodyPr rtlCol="0" anchor="ctr"/>
+          <a:lstStyle/>
+          <a:p>
+            <a:pPr algn="ctr"/>
+            <a:endParaRPr kumimoji="1" lang="ja-JP" altLang="en-US" sz="4000">
+              <a:solidFill>
+                <a:schemeClr val="tx1"/>
+              </a:solidFill>
+            </a:endParaRPr>
+          </a:p>
+        </p:txBody>
+      </p:sp>
+      <p:sp>
+        <p:nvSpPr>
+          <p:cNvPr id="4" name="円/楕円 3">
+            <a:extLst>
+              <a:ext uri="{FF2B5EF4-FFF2-40B4-BE49-F238E27FC236}">
+                <a16:creationId xmlns:a16="http://schemas.microsoft.com/office/drawing/2014/main" id="{037C3C17-D144-8D8D-8E4F-6F756F8C8702}"/>
+              </a:ext>
+            </a:extLst>
+          </p:cNvPr>
+          <p:cNvSpPr/>
+          <p:nvPr/>
+        </p:nvSpPr>
+        <p:spPr>
+          <a:xfrm>
+            <a:off x="5652120" y="1700808"/>
+            <a:ext cx="864096" cy="864096"/>
+          </a:xfrm>
+          <a:prstGeom prst="ellipse">
+            <a:avLst/>
+          </a:prstGeom>
+          <a:noFill/>
+          <a:ln>
+            <a:solidFill>
+              <a:schemeClr val="tx1"/>
+            </a:solidFill>
+          </a:ln>
+        </p:spPr>
+        <p:style>
+          <a:lnRef idx="2">
+            <a:schemeClr val="accent1">
+              <a:shade val="50000"/>
+            </a:schemeClr>
+          </a:lnRef>
+          <a:fillRef idx="1">
+            <a:schemeClr val="accent1"/>
+          </a:fillRef>
+          <a:effectRef idx="0">
+            <a:schemeClr val="accent1"/>
+          </a:effectRef>
+          <a:fontRef idx="minor">
+            <a:schemeClr val="lt1"/>
+          </a:fontRef>
+        </p:style>
+        <p:txBody>
+          <a:bodyPr rtlCol="0" anchor="ctr"/>
+          <a:lstStyle/>
+          <a:p>
+            <a:pPr algn="ctr"/>
+            <a:endParaRPr kumimoji="1" lang="ja-JP" altLang="en-US" sz="4000">
+              <a:solidFill>
+                <a:schemeClr val="tx1"/>
+              </a:solidFill>
+            </a:endParaRPr>
+          </a:p>
+        </p:txBody>
+      </p:sp>
+      <p:sp>
+        <p:nvSpPr>
+          <p:cNvPr id="5" name="フリーフォーム 4">
+            <a:extLst>
+              <a:ext uri="{FF2B5EF4-FFF2-40B4-BE49-F238E27FC236}">
+                <a16:creationId xmlns:a16="http://schemas.microsoft.com/office/drawing/2014/main" id="{587AEF39-F0D1-739C-4C35-9D041DCC406F}"/>
+              </a:ext>
+            </a:extLst>
+          </p:cNvPr>
+          <p:cNvSpPr/>
+          <p:nvPr/>
+        </p:nvSpPr>
+        <p:spPr>
+          <a:xfrm rot="18815011">
+            <a:off x="2203380" y="1319080"/>
+            <a:ext cx="488330" cy="431989"/>
+          </a:xfrm>
+          <a:custGeom>
+            <a:avLst/>
+            <a:gdLst>
+              <a:gd name="connsiteX0" fmla="*/ 340243 w 994728"/>
+              <a:gd name="connsiteY0" fmla="*/ 904555 h 904555"/>
+              <a:gd name="connsiteX1" fmla="*/ 3912 w 994728"/>
+              <a:gd name="connsiteY1" fmla="*/ 347507 h 904555"/>
+              <a:gd name="connsiteX2" fmla="*/ 539940 w 994728"/>
+              <a:gd name="connsiteY2" fmla="*/ 665 h 904555"/>
+              <a:gd name="connsiteX3" fmla="*/ 991884 w 994728"/>
+              <a:gd name="connsiteY3" fmla="*/ 431590 h 904555"/>
+              <a:gd name="connsiteX4" fmla="*/ 697595 w 994728"/>
+              <a:gd name="connsiteY4" fmla="*/ 830983 h 904555"/>
+            </a:gdLst>
+            <a:ahLst/>
+            <a:cxnLst>
+              <a:cxn ang="0">
+                <a:pos x="connsiteX0" y="connsiteY0"/>
+              </a:cxn>
+              <a:cxn ang="0">
+                <a:pos x="connsiteX1" y="connsiteY1"/>
+              </a:cxn>
+              <a:cxn ang="0">
+                <a:pos x="connsiteX2" y="connsiteY2"/>
+              </a:cxn>
+              <a:cxn ang="0">
+                <a:pos x="connsiteX3" y="connsiteY3"/>
+              </a:cxn>
+              <a:cxn ang="0">
+                <a:pos x="connsiteX4" y="connsiteY4"/>
+              </a:cxn>
+            </a:cxnLst>
+            <a:rect l="l" t="t" r="r" b="b"/>
+            <a:pathLst>
+              <a:path w="994728" h="904555">
+                <a:moveTo>
+                  <a:pt x="340243" y="904555"/>
+                </a:moveTo>
+                <a:cubicBezTo>
+                  <a:pt x="155436" y="701355"/>
+                  <a:pt x="-29371" y="498155"/>
+                  <a:pt x="3912" y="347507"/>
+                </a:cubicBezTo>
+                <a:cubicBezTo>
+                  <a:pt x="37195" y="196859"/>
+                  <a:pt x="375278" y="-13349"/>
+                  <a:pt x="539940" y="665"/>
+                </a:cubicBezTo>
+                <a:cubicBezTo>
+                  <a:pt x="704602" y="14679"/>
+                  <a:pt x="965608" y="293204"/>
+                  <a:pt x="991884" y="431590"/>
+                </a:cubicBezTo>
+                <a:cubicBezTo>
+                  <a:pt x="1018160" y="569976"/>
+                  <a:pt x="857877" y="700479"/>
+                  <a:pt x="697595" y="830983"/>
+                </a:cubicBezTo>
+              </a:path>
+            </a:pathLst>
+          </a:custGeom>
+          <a:noFill/>
+          <a:ln>
+            <a:solidFill>
+              <a:schemeClr val="tx1"/>
+            </a:solidFill>
+            <a:headEnd type="triangle" w="med" len="med"/>
+            <a:tailEnd type="none" w="med" len="med"/>
+          </a:ln>
+        </p:spPr>
+        <p:style>
+          <a:lnRef idx="2">
+            <a:schemeClr val="accent1">
+              <a:shade val="50000"/>
+            </a:schemeClr>
+          </a:lnRef>
+          <a:fillRef idx="1">
+            <a:schemeClr val="accent1"/>
+          </a:fillRef>
+          <a:effectRef idx="0">
+            <a:schemeClr val="accent1"/>
+          </a:effectRef>
+          <a:fontRef idx="minor">
+            <a:schemeClr val="lt1"/>
+          </a:fontRef>
+        </p:style>
+        <p:txBody>
+          <a:bodyPr rtlCol="0" anchor="ctr"/>
+          <a:lstStyle/>
+          <a:p>
+            <a:pPr algn="ctr"/>
+            <a:endParaRPr kumimoji="1" lang="ja-JP" altLang="en-US" sz="900"/>
+          </a:p>
+        </p:txBody>
+      </p:sp>
+      <p:sp>
+        <p:nvSpPr>
+          <p:cNvPr id="6" name="フリーフォーム 5">
+            <a:extLst>
+              <a:ext uri="{FF2B5EF4-FFF2-40B4-BE49-F238E27FC236}">
+                <a16:creationId xmlns:a16="http://schemas.microsoft.com/office/drawing/2014/main" id="{5289523A-9A4B-E6F3-B8EF-52D2107AF642}"/>
+              </a:ext>
+            </a:extLst>
+          </p:cNvPr>
+          <p:cNvSpPr/>
+          <p:nvPr/>
+        </p:nvSpPr>
+        <p:spPr>
+          <a:xfrm rot="3600000">
+            <a:off x="6509180" y="1384764"/>
+            <a:ext cx="488330" cy="431989"/>
+          </a:xfrm>
+          <a:custGeom>
+            <a:avLst/>
+            <a:gdLst>
+              <a:gd name="connsiteX0" fmla="*/ 340243 w 994728"/>
+              <a:gd name="connsiteY0" fmla="*/ 904555 h 904555"/>
+              <a:gd name="connsiteX1" fmla="*/ 3912 w 994728"/>
+              <a:gd name="connsiteY1" fmla="*/ 347507 h 904555"/>
+              <a:gd name="connsiteX2" fmla="*/ 539940 w 994728"/>
+              <a:gd name="connsiteY2" fmla="*/ 665 h 904555"/>
+              <a:gd name="connsiteX3" fmla="*/ 991884 w 994728"/>
+              <a:gd name="connsiteY3" fmla="*/ 431590 h 904555"/>
+              <a:gd name="connsiteX4" fmla="*/ 697595 w 994728"/>
+              <a:gd name="connsiteY4" fmla="*/ 830983 h 904555"/>
+            </a:gdLst>
+            <a:ahLst/>
+            <a:cxnLst>
+              <a:cxn ang="0">
+                <a:pos x="connsiteX0" y="connsiteY0"/>
+              </a:cxn>
+              <a:cxn ang="0">
+                <a:pos x="connsiteX1" y="connsiteY1"/>
+              </a:cxn>
+              <a:cxn ang="0">
+                <a:pos x="connsiteX2" y="connsiteY2"/>
+              </a:cxn>
+              <a:cxn ang="0">
+                <a:pos x="connsiteX3" y="connsiteY3"/>
+              </a:cxn>
+              <a:cxn ang="0">
+                <a:pos x="connsiteX4" y="connsiteY4"/>
+              </a:cxn>
+            </a:cxnLst>
+            <a:rect l="l" t="t" r="r" b="b"/>
+            <a:pathLst>
+              <a:path w="994728" h="904555">
+                <a:moveTo>
+                  <a:pt x="340243" y="904555"/>
+                </a:moveTo>
+                <a:cubicBezTo>
+                  <a:pt x="155436" y="701355"/>
+                  <a:pt x="-29371" y="498155"/>
+                  <a:pt x="3912" y="347507"/>
+                </a:cubicBezTo>
+                <a:cubicBezTo>
+                  <a:pt x="37195" y="196859"/>
+                  <a:pt x="375278" y="-13349"/>
+                  <a:pt x="539940" y="665"/>
+                </a:cubicBezTo>
+                <a:cubicBezTo>
+                  <a:pt x="704602" y="14679"/>
+                  <a:pt x="965608" y="293204"/>
+                  <a:pt x="991884" y="431590"/>
+                </a:cubicBezTo>
+                <a:cubicBezTo>
+                  <a:pt x="1018160" y="569976"/>
+                  <a:pt x="857877" y="700479"/>
+                  <a:pt x="697595" y="830983"/>
+                </a:cubicBezTo>
+              </a:path>
+            </a:pathLst>
+          </a:custGeom>
+          <a:noFill/>
+          <a:ln>
+            <a:solidFill>
+              <a:schemeClr val="tx1"/>
+            </a:solidFill>
+            <a:headEnd type="triangle" w="med" len="med"/>
+            <a:tailEnd type="none" w="med" len="med"/>
+          </a:ln>
+        </p:spPr>
+        <p:style>
+          <a:lnRef idx="2">
+            <a:schemeClr val="accent1">
+              <a:shade val="50000"/>
+            </a:schemeClr>
+          </a:lnRef>
+          <a:fillRef idx="1">
+            <a:schemeClr val="accent1"/>
+          </a:fillRef>
+          <a:effectRef idx="0">
+            <a:schemeClr val="accent1"/>
+          </a:effectRef>
+          <a:fontRef idx="minor">
+            <a:schemeClr val="lt1"/>
+          </a:fontRef>
+        </p:style>
+        <p:txBody>
+          <a:bodyPr rtlCol="0" anchor="ctr"/>
+          <a:lstStyle/>
+          <a:p>
+            <a:pPr algn="ctr"/>
+            <a:endParaRPr kumimoji="1" lang="ja-JP" altLang="en-US" sz="900"/>
+          </a:p>
+        </p:txBody>
+      </p:sp>
+      <p:cxnSp>
+        <p:nvCxnSpPr>
+          <p:cNvPr id="7" name="直線矢印コネクタ 6">
+            <a:extLst>
+              <a:ext uri="{FF2B5EF4-FFF2-40B4-BE49-F238E27FC236}">
+                <a16:creationId xmlns:a16="http://schemas.microsoft.com/office/drawing/2014/main" id="{5CFCA883-4E35-6703-D918-E3E08C484059}"/>
+              </a:ext>
+            </a:extLst>
+          </p:cNvPr>
+          <p:cNvCxnSpPr/>
+          <p:nvPr/>
+        </p:nvCxnSpPr>
+        <p:spPr>
+          <a:xfrm>
+            <a:off x="3635896" y="1860850"/>
+            <a:ext cx="1800200" cy="0"/>
+          </a:xfrm>
+          <a:prstGeom prst="straightConnector1">
+            <a:avLst/>
+          </a:prstGeom>
+          <a:ln>
+            <a:solidFill>
+              <a:schemeClr val="tx1"/>
+            </a:solidFill>
+            <a:headEnd type="none" w="med" len="med"/>
+            <a:tailEnd type="triangle"/>
+          </a:ln>
+        </p:spPr>
+        <p:style>
+          <a:lnRef idx="1">
+            <a:schemeClr val="accent1"/>
+          </a:lnRef>
+          <a:fillRef idx="0">
+            <a:schemeClr val="accent1"/>
+          </a:fillRef>
+          <a:effectRef idx="0">
+            <a:schemeClr val="accent1"/>
+          </a:effectRef>
+          <a:fontRef idx="minor">
+            <a:schemeClr val="tx1"/>
+          </a:fontRef>
+        </p:style>
+      </p:cxnSp>
+      <p:cxnSp>
+        <p:nvCxnSpPr>
+          <p:cNvPr id="8" name="直線矢印コネクタ 7">
+            <a:extLst>
+              <a:ext uri="{FF2B5EF4-FFF2-40B4-BE49-F238E27FC236}">
+                <a16:creationId xmlns:a16="http://schemas.microsoft.com/office/drawing/2014/main" id="{FB6A8C4F-505B-923A-092C-0C16EE39C455}"/>
+              </a:ext>
+            </a:extLst>
+          </p:cNvPr>
+          <p:cNvCxnSpPr>
+            <a:cxnSpLocks/>
+          </p:cNvCxnSpPr>
+          <p:nvPr/>
+        </p:nvCxnSpPr>
+        <p:spPr>
+          <a:xfrm flipH="1">
+            <a:off x="3634922" y="2361428"/>
+            <a:ext cx="1801174" cy="0"/>
+          </a:xfrm>
+          <a:prstGeom prst="straightConnector1">
+            <a:avLst/>
+          </a:prstGeom>
+          <a:ln>
+            <a:solidFill>
+              <a:schemeClr val="tx1"/>
+            </a:solidFill>
+            <a:headEnd type="none" w="med" len="med"/>
+            <a:tailEnd type="triangle"/>
+          </a:ln>
+        </p:spPr>
+        <p:style>
+          <a:lnRef idx="1">
+            <a:schemeClr val="accent1"/>
+          </a:lnRef>
+          <a:fillRef idx="0">
+            <a:schemeClr val="accent1"/>
+          </a:fillRef>
+          <a:effectRef idx="0">
+            <a:schemeClr val="accent1"/>
+          </a:effectRef>
+          <a:fontRef idx="minor">
+            <a:schemeClr val="tx1"/>
+          </a:fontRef>
+        </p:style>
+      </p:cxnSp>
+      <mc:AlternateContent xmlns:mc="http://schemas.openxmlformats.org/markup-compatibility/2006">
+        <mc:Choice xmlns:a14="http://schemas.microsoft.com/office/drawing/2010/main" Requires="a14">
+          <p:sp>
+            <p:nvSpPr>
+              <p:cNvPr id="11" name="テキスト ボックス 10">
+                <a:extLst>
+                  <a:ext uri="{FF2B5EF4-FFF2-40B4-BE49-F238E27FC236}">
+                    <a16:creationId xmlns:a16="http://schemas.microsoft.com/office/drawing/2014/main" id="{A73EBBA9-C87B-C920-419E-22F3D4BD6182}"/>
+                  </a:ext>
+                </a:extLst>
+              </p:cNvPr>
+              <p:cNvSpPr txBox="1"/>
+              <p:nvPr/>
+            </p:nvSpPr>
+            <p:spPr>
+              <a:xfrm>
+                <a:off x="2843808" y="1844824"/>
+                <a:ext cx="288797" cy="553998"/>
+              </a:xfrm>
+              <a:prstGeom prst="rect">
+                <a:avLst/>
+              </a:prstGeom>
+              <a:noFill/>
+            </p:spPr>
+            <p:txBody>
+              <a:bodyPr wrap="none" lIns="0" tIns="0" rIns="0" bIns="0" rtlCol="0">
+                <a:spAutoFit/>
+              </a:bodyPr>
+              <a:lstStyle/>
+              <a:p>
+                <a14:m>
+                  <m:oMathPara xmlns:m="http://schemas.openxmlformats.org/officeDocument/2006/math">
+                    <m:oMathParaPr>
+                      <m:jc m:val="centerGroup"/>
+                    </m:oMathParaPr>
+                    <m:oMath xmlns:m="http://schemas.openxmlformats.org/officeDocument/2006/math">
+                      <m:r>
+                        <a:rPr kumimoji="1" lang="en-US" altLang="ja-JP" sz="3600" b="0" i="1" smtClean="0">
+                          <a:latin typeface="Cambria Math" panose="02040503050406030204" pitchFamily="18" charset="0"/>
+                        </a:rPr>
+                        <m:t>𝑖</m:t>
+                      </m:r>
+                    </m:oMath>
+                  </m:oMathPara>
+                </a14:m>
+                <a:endParaRPr kumimoji="1" lang="ja-JP" altLang="en-US" sz="3600"/>
+              </a:p>
+            </p:txBody>
+          </p:sp>
+        </mc:Choice>
+        <mc:Fallback>
+          <p:sp>
+            <p:nvSpPr>
+              <p:cNvPr id="11" name="テキスト ボックス 10">
+                <a:extLst>
+                  <a:ext uri="{FF2B5EF4-FFF2-40B4-BE49-F238E27FC236}">
+                    <a16:creationId xmlns:a16="http://schemas.microsoft.com/office/drawing/2014/main" id="{A73EBBA9-C87B-C920-419E-22F3D4BD6182}"/>
+                  </a:ext>
+                </a:extLst>
+              </p:cNvPr>
+              <p:cNvSpPr txBox="1">
+                <a:spLocks noRot="1" noChangeAspect="1" noMove="1" noResize="1" noEditPoints="1" noAdjustHandles="1" noChangeArrowheads="1" noChangeShapeType="1" noTextEdit="1"/>
+              </p:cNvSpPr>
+              <p:nvPr/>
+            </p:nvSpPr>
+            <p:spPr>
+              <a:xfrm>
+                <a:off x="2843808" y="1844824"/>
+                <a:ext cx="288797" cy="553998"/>
+              </a:xfrm>
+              <a:prstGeom prst="rect">
+                <a:avLst/>
+              </a:prstGeom>
+              <a:blipFill>
+                <a:blip r:embed="rId2"/>
+                <a:stretch>
+                  <a:fillRect l="-34783" r="-26087" b="-6667"/>
+                </a:stretch>
+              </a:blipFill>
+            </p:spPr>
+            <p:txBody>
+              <a:bodyPr/>
+              <a:lstStyle/>
+              <a:p>
+                <a:r>
+                  <a:rPr lang="ja-JP" altLang="en-US">
+                    <a:noFill/>
+                  </a:rPr>
+                  <a:t> </a:t>
+                </a:r>
+              </a:p>
+            </p:txBody>
+          </p:sp>
+        </mc:Fallback>
+      </mc:AlternateContent>
+      <mc:AlternateContent xmlns:mc="http://schemas.openxmlformats.org/markup-compatibility/2006">
+        <mc:Choice xmlns:a14="http://schemas.microsoft.com/office/drawing/2010/main" Requires="a14">
+          <p:sp>
+            <p:nvSpPr>
+              <p:cNvPr id="13" name="テキスト ボックス 12">
+                <a:extLst>
+                  <a:ext uri="{FF2B5EF4-FFF2-40B4-BE49-F238E27FC236}">
+                    <a16:creationId xmlns:a16="http://schemas.microsoft.com/office/drawing/2014/main" id="{E00ED878-9B8D-1AAE-0A31-F3D4D3079B1C}"/>
+                  </a:ext>
+                </a:extLst>
+              </p:cNvPr>
+              <p:cNvSpPr txBox="1"/>
+              <p:nvPr/>
+            </p:nvSpPr>
+            <p:spPr>
+              <a:xfrm>
+                <a:off x="5940152" y="1818498"/>
+                <a:ext cx="302839" cy="553998"/>
+              </a:xfrm>
+              <a:prstGeom prst="rect">
+                <a:avLst/>
+              </a:prstGeom>
+              <a:noFill/>
+            </p:spPr>
+            <p:txBody>
+              <a:bodyPr wrap="none" lIns="0" tIns="0" rIns="0" bIns="0" rtlCol="0">
+                <a:spAutoFit/>
+              </a:bodyPr>
+              <a:lstStyle/>
+              <a:p>
+                <a14:m>
+                  <m:oMathPara xmlns:m="http://schemas.openxmlformats.org/officeDocument/2006/math">
+                    <m:oMathParaPr>
+                      <m:jc m:val="centerGroup"/>
+                    </m:oMathParaPr>
+                    <m:oMath xmlns:m="http://schemas.openxmlformats.org/officeDocument/2006/math">
+                      <m:r>
+                        <a:rPr kumimoji="1" lang="en-US" altLang="ja-JP" sz="3600" b="0" i="1" smtClean="0">
+                          <a:latin typeface="Cambria Math" panose="02040503050406030204" pitchFamily="18" charset="0"/>
+                        </a:rPr>
+                        <m:t>𝑗</m:t>
+                      </m:r>
+                    </m:oMath>
+                  </m:oMathPara>
+                </a14:m>
+                <a:endParaRPr kumimoji="1" lang="ja-JP" altLang="en-US" sz="3600"/>
+              </a:p>
+            </p:txBody>
+          </p:sp>
+        </mc:Choice>
+        <mc:Fallback>
+          <p:sp>
+            <p:nvSpPr>
+              <p:cNvPr id="13" name="テキスト ボックス 12">
+                <a:extLst>
+                  <a:ext uri="{FF2B5EF4-FFF2-40B4-BE49-F238E27FC236}">
+                    <a16:creationId xmlns:a16="http://schemas.microsoft.com/office/drawing/2014/main" id="{E00ED878-9B8D-1AAE-0A31-F3D4D3079B1C}"/>
+                  </a:ext>
+                </a:extLst>
+              </p:cNvPr>
+              <p:cNvSpPr txBox="1">
+                <a:spLocks noRot="1" noChangeAspect="1" noMove="1" noResize="1" noEditPoints="1" noAdjustHandles="1" noChangeArrowheads="1" noChangeShapeType="1" noTextEdit="1"/>
+              </p:cNvSpPr>
+              <p:nvPr/>
+            </p:nvSpPr>
+            <p:spPr>
+              <a:xfrm>
+                <a:off x="5940152" y="1818498"/>
+                <a:ext cx="302839" cy="553998"/>
+              </a:xfrm>
+              <a:prstGeom prst="rect">
+                <a:avLst/>
+              </a:prstGeom>
+              <a:blipFill>
+                <a:blip r:embed="rId3"/>
+                <a:stretch>
+                  <a:fillRect l="-44000" r="-44000" b="-36364"/>
+                </a:stretch>
+              </a:blipFill>
+            </p:spPr>
+            <p:txBody>
+              <a:bodyPr/>
+              <a:lstStyle/>
+              <a:p>
+                <a:r>
+                  <a:rPr lang="ja-JP" altLang="en-US">
+                    <a:noFill/>
+                  </a:rPr>
+                  <a:t> </a:t>
+                </a:r>
+              </a:p>
+            </p:txBody>
+          </p:sp>
+        </mc:Fallback>
+      </mc:AlternateContent>
+      <mc:AlternateContent xmlns:mc="http://schemas.openxmlformats.org/markup-compatibility/2006">
+        <mc:Choice xmlns:a14="http://schemas.microsoft.com/office/drawing/2010/main" Requires="a14">
+          <p:sp>
+            <p:nvSpPr>
+              <p:cNvPr id="14" name="テキスト ボックス 13">
+                <a:extLst>
+                  <a:ext uri="{FF2B5EF4-FFF2-40B4-BE49-F238E27FC236}">
+                    <a16:creationId xmlns:a16="http://schemas.microsoft.com/office/drawing/2014/main" id="{67789FB3-D5C7-67DC-116D-067EE2AF7211}"/>
+                  </a:ext>
+                </a:extLst>
+              </p:cNvPr>
+              <p:cNvSpPr txBox="1"/>
+              <p:nvPr/>
+            </p:nvSpPr>
+            <p:spPr>
+              <a:xfrm>
+                <a:off x="3707904" y="1249596"/>
+                <a:ext cx="1575944" cy="523220"/>
+              </a:xfrm>
+              <a:prstGeom prst="rect">
+                <a:avLst/>
+              </a:prstGeom>
+              <a:noFill/>
+            </p:spPr>
+            <p:txBody>
+              <a:bodyPr wrap="none" rtlCol="0">
+                <a:spAutoFit/>
+              </a:bodyPr>
+              <a:lstStyle/>
+              <a:p>
+                <a:pPr/>
+                <a14:m>
+                  <m:oMathPara xmlns:m="http://schemas.openxmlformats.org/officeDocument/2006/math">
+                    <m:oMathParaPr>
+                      <m:jc m:val="centerGroup"/>
+                    </m:oMathParaPr>
+                    <m:oMath xmlns:m="http://schemas.openxmlformats.org/officeDocument/2006/math">
+                      <m:r>
+                        <a:rPr kumimoji="1" lang="en-US" altLang="ja-JP" sz="2800" b="0" i="1" smtClean="0">
+                          <a:latin typeface="Cambria Math" panose="02040503050406030204" pitchFamily="18" charset="0"/>
+                        </a:rPr>
+                        <m:t>𝑃</m:t>
+                      </m:r>
+                      <m:r>
+                        <a:rPr kumimoji="1" lang="en-US" altLang="ja-JP" sz="2800" b="0" i="1" smtClean="0">
+                          <a:latin typeface="Cambria Math" panose="02040503050406030204" pitchFamily="18" charset="0"/>
+                        </a:rPr>
+                        <m:t>(</m:t>
+                      </m:r>
+                      <m:r>
+                        <a:rPr kumimoji="1" lang="en-US" altLang="ja-JP" sz="2800" b="0" i="1" smtClean="0">
+                          <a:latin typeface="Cambria Math" panose="02040503050406030204" pitchFamily="18" charset="0"/>
+                        </a:rPr>
+                        <m:t>𝑖</m:t>
+                      </m:r>
+                      <m:r>
+                        <a:rPr kumimoji="1" lang="en-US" altLang="ja-JP" sz="2800" b="0" i="1" smtClean="0">
+                          <a:latin typeface="Cambria Math" panose="02040503050406030204" pitchFamily="18" charset="0"/>
+                        </a:rPr>
+                        <m:t>→</m:t>
+                      </m:r>
+                      <m:r>
+                        <a:rPr kumimoji="1" lang="en-US" altLang="ja-JP" sz="2800" b="0" i="1" smtClean="0">
+                          <a:latin typeface="Cambria Math" panose="02040503050406030204" pitchFamily="18" charset="0"/>
+                        </a:rPr>
+                        <m:t>𝑗</m:t>
+                      </m:r>
+                      <m:r>
+                        <a:rPr kumimoji="1" lang="en-US" altLang="ja-JP" sz="2800" b="0" i="1" smtClean="0">
+                          <a:latin typeface="Cambria Math" panose="02040503050406030204" pitchFamily="18" charset="0"/>
+                        </a:rPr>
+                        <m:t>)</m:t>
+                      </m:r>
+                    </m:oMath>
+                  </m:oMathPara>
+                </a14:m>
+                <a:endParaRPr kumimoji="1" lang="ja-JP" altLang="en-US" sz="2800"/>
+              </a:p>
+            </p:txBody>
+          </p:sp>
+        </mc:Choice>
+        <mc:Fallback>
+          <p:sp>
+            <p:nvSpPr>
+              <p:cNvPr id="14" name="テキスト ボックス 13">
+                <a:extLst>
+                  <a:ext uri="{FF2B5EF4-FFF2-40B4-BE49-F238E27FC236}">
+                    <a16:creationId xmlns:a16="http://schemas.microsoft.com/office/drawing/2014/main" id="{67789FB3-D5C7-67DC-116D-067EE2AF7211}"/>
+                  </a:ext>
+                </a:extLst>
+              </p:cNvPr>
+              <p:cNvSpPr txBox="1">
+                <a:spLocks noRot="1" noChangeAspect="1" noMove="1" noResize="1" noEditPoints="1" noAdjustHandles="1" noChangeArrowheads="1" noChangeShapeType="1" noTextEdit="1"/>
+              </p:cNvSpPr>
+              <p:nvPr/>
+            </p:nvSpPr>
+            <p:spPr>
+              <a:xfrm>
+                <a:off x="3707904" y="1249596"/>
+                <a:ext cx="1575944" cy="523220"/>
+              </a:xfrm>
+              <a:prstGeom prst="rect">
+                <a:avLst/>
+              </a:prstGeom>
+              <a:blipFill>
+                <a:blip r:embed="rId4"/>
+                <a:stretch>
+                  <a:fillRect r="-794" b="-21429"/>
+                </a:stretch>
+              </a:blipFill>
+            </p:spPr>
+            <p:txBody>
+              <a:bodyPr/>
+              <a:lstStyle/>
+              <a:p>
+                <a:r>
+                  <a:rPr lang="ja-JP" altLang="en-US">
+                    <a:noFill/>
+                  </a:rPr>
+                  <a:t> </a:t>
+                </a:r>
+              </a:p>
+            </p:txBody>
+          </p:sp>
+        </mc:Fallback>
+      </mc:AlternateContent>
+      <mc:AlternateContent xmlns:mc="http://schemas.openxmlformats.org/markup-compatibility/2006">
+        <mc:Choice xmlns:a14="http://schemas.microsoft.com/office/drawing/2010/main" Requires="a14">
+          <p:sp>
+            <p:nvSpPr>
+              <p:cNvPr id="15" name="テキスト ボックス 14">
+                <a:extLst>
+                  <a:ext uri="{FF2B5EF4-FFF2-40B4-BE49-F238E27FC236}">
+                    <a16:creationId xmlns:a16="http://schemas.microsoft.com/office/drawing/2014/main" id="{40D0F0CF-D96C-5B90-83CA-D0C8CA734DD8}"/>
+                  </a:ext>
+                </a:extLst>
+              </p:cNvPr>
+              <p:cNvSpPr txBox="1"/>
+              <p:nvPr/>
+            </p:nvSpPr>
+            <p:spPr>
+              <a:xfrm>
+                <a:off x="3716136" y="2420888"/>
+                <a:ext cx="1575944" cy="523220"/>
+              </a:xfrm>
+              <a:prstGeom prst="rect">
+                <a:avLst/>
+              </a:prstGeom>
+              <a:noFill/>
+            </p:spPr>
+            <p:txBody>
+              <a:bodyPr wrap="none" rtlCol="0">
+                <a:spAutoFit/>
+              </a:bodyPr>
+              <a:lstStyle/>
+              <a:p>
+                <a:pPr/>
+                <a14:m>
+                  <m:oMathPara xmlns:m="http://schemas.openxmlformats.org/officeDocument/2006/math">
+                    <m:oMathParaPr>
+                      <m:jc m:val="centerGroup"/>
+                    </m:oMathParaPr>
+                    <m:oMath xmlns:m="http://schemas.openxmlformats.org/officeDocument/2006/math">
+                      <m:r>
+                        <a:rPr kumimoji="1" lang="en-US" altLang="ja-JP" sz="2800" b="0" i="1" smtClean="0">
+                          <a:latin typeface="Cambria Math" panose="02040503050406030204" pitchFamily="18" charset="0"/>
+                        </a:rPr>
+                        <m:t>𝑃</m:t>
+                      </m:r>
+                      <m:r>
+                        <a:rPr kumimoji="1" lang="en-US" altLang="ja-JP" sz="2800" b="0" i="1" smtClean="0">
+                          <a:latin typeface="Cambria Math" panose="02040503050406030204" pitchFamily="18" charset="0"/>
+                        </a:rPr>
+                        <m:t>(</m:t>
+                      </m:r>
+                      <m:r>
+                        <a:rPr kumimoji="1" lang="en-US" altLang="ja-JP" sz="2800" b="0" i="1" smtClean="0">
+                          <a:latin typeface="Cambria Math" panose="02040503050406030204" pitchFamily="18" charset="0"/>
+                        </a:rPr>
+                        <m:t>𝑗</m:t>
+                      </m:r>
+                      <m:r>
+                        <a:rPr kumimoji="1" lang="en-US" altLang="ja-JP" sz="2800" b="0" i="1" smtClean="0">
+                          <a:latin typeface="Cambria Math" panose="02040503050406030204" pitchFamily="18" charset="0"/>
+                        </a:rPr>
+                        <m:t>→</m:t>
+                      </m:r>
+                      <m:r>
+                        <a:rPr kumimoji="1" lang="en-US" altLang="ja-JP" sz="2800" b="0" i="1" smtClean="0">
+                          <a:latin typeface="Cambria Math" panose="02040503050406030204" pitchFamily="18" charset="0"/>
+                        </a:rPr>
+                        <m:t>𝑖</m:t>
+                      </m:r>
+                      <m:r>
+                        <a:rPr kumimoji="1" lang="en-US" altLang="ja-JP" sz="2800" b="0" i="1" smtClean="0">
+                          <a:latin typeface="Cambria Math" panose="02040503050406030204" pitchFamily="18" charset="0"/>
+                        </a:rPr>
+                        <m:t>)</m:t>
+                      </m:r>
+                    </m:oMath>
+                  </m:oMathPara>
+                </a14:m>
+                <a:endParaRPr kumimoji="1" lang="ja-JP" altLang="en-US" sz="2800"/>
+              </a:p>
+            </p:txBody>
+          </p:sp>
+        </mc:Choice>
+        <mc:Fallback>
+          <p:sp>
+            <p:nvSpPr>
+              <p:cNvPr id="15" name="テキスト ボックス 14">
+                <a:extLst>
+                  <a:ext uri="{FF2B5EF4-FFF2-40B4-BE49-F238E27FC236}">
+                    <a16:creationId xmlns:a16="http://schemas.microsoft.com/office/drawing/2014/main" id="{40D0F0CF-D96C-5B90-83CA-D0C8CA734DD8}"/>
+                  </a:ext>
+                </a:extLst>
+              </p:cNvPr>
+              <p:cNvSpPr txBox="1">
+                <a:spLocks noRot="1" noChangeAspect="1" noMove="1" noResize="1" noEditPoints="1" noAdjustHandles="1" noChangeArrowheads="1" noChangeShapeType="1" noTextEdit="1"/>
+              </p:cNvSpPr>
+              <p:nvPr/>
+            </p:nvSpPr>
+            <p:spPr>
+              <a:xfrm>
+                <a:off x="3716136" y="2420888"/>
+                <a:ext cx="1575944" cy="523220"/>
+              </a:xfrm>
+              <a:prstGeom prst="rect">
+                <a:avLst/>
+              </a:prstGeom>
+              <a:blipFill>
+                <a:blip r:embed="rId5"/>
+                <a:stretch>
+                  <a:fillRect r="-1600" b="-21429"/>
+                </a:stretch>
+              </a:blipFill>
+            </p:spPr>
+            <p:txBody>
+              <a:bodyPr/>
+              <a:lstStyle/>
+              <a:p>
+                <a:r>
+                  <a:rPr lang="ja-JP" altLang="en-US">
+                    <a:noFill/>
+                  </a:rPr>
+                  <a:t> </a:t>
+                </a:r>
+              </a:p>
+            </p:txBody>
+          </p:sp>
+        </mc:Fallback>
+      </mc:AlternateContent>
+      <mc:AlternateContent xmlns:mc="http://schemas.openxmlformats.org/markup-compatibility/2006">
+        <mc:Choice xmlns:a14="http://schemas.microsoft.com/office/drawing/2010/main" Requires="a14">
+          <p:sp>
+            <p:nvSpPr>
+              <p:cNvPr id="16" name="テキスト ボックス 15">
+                <a:extLst>
+                  <a:ext uri="{FF2B5EF4-FFF2-40B4-BE49-F238E27FC236}">
+                    <a16:creationId xmlns:a16="http://schemas.microsoft.com/office/drawing/2014/main" id="{3DA95863-B2CD-0A2D-C463-F12646E77E36}"/>
+                  </a:ext>
+                </a:extLst>
+              </p:cNvPr>
+              <p:cNvSpPr txBox="1"/>
+              <p:nvPr/>
+            </p:nvSpPr>
+            <p:spPr>
+              <a:xfrm>
+                <a:off x="791580" y="3190049"/>
+                <a:ext cx="7560840" cy="830997"/>
+              </a:xfrm>
+              <a:prstGeom prst="rect">
+                <a:avLst/>
+              </a:prstGeom>
+              <a:noFill/>
+            </p:spPr>
+            <p:txBody>
+              <a:bodyPr wrap="square" rtlCol="0">
+                <a:spAutoFit/>
+              </a:bodyPr>
+              <a:lstStyle/>
+              <a:p>
+                <a:r>
+                  <a:rPr kumimoji="1" lang="ja-JP" altLang="en-US" sz="2400"/>
+                  <a:t>状態</a:t>
+                </a:r>
+                <a14:m>
+                  <m:oMath xmlns:m="http://schemas.openxmlformats.org/officeDocument/2006/math">
+                    <m:r>
+                      <a:rPr kumimoji="1" lang="en-US" altLang="ja-JP" sz="2400" b="0" i="1" smtClean="0">
+                        <a:latin typeface="Cambria Math" panose="02040503050406030204" pitchFamily="18" charset="0"/>
+                      </a:rPr>
+                      <m:t>𝑖</m:t>
+                    </m:r>
+                  </m:oMath>
+                </a14:m>
+                <a:r>
+                  <a:rPr kumimoji="1" lang="ja-JP" altLang="en-US" sz="2400"/>
+                  <a:t>の定常状態の確率を</a:t>
+                </a:r>
+                <a14:m>
+                  <m:oMath xmlns:m="http://schemas.openxmlformats.org/officeDocument/2006/math">
+                    <m:sSub>
+                      <m:sSubPr>
+                        <m:ctrlPr>
+                          <a:rPr kumimoji="1" lang="en-US" altLang="ja-JP" sz="2400" b="0" i="1" smtClean="0">
+                            <a:latin typeface="Cambria Math" panose="02040503050406030204" pitchFamily="18" charset="0"/>
+                          </a:rPr>
+                        </m:ctrlPr>
+                      </m:sSubPr>
+                      <m:e>
+                        <m:r>
+                          <a:rPr kumimoji="1" lang="en-US" altLang="ja-JP" sz="2400" b="0" i="1" smtClean="0">
+                            <a:latin typeface="Cambria Math" panose="02040503050406030204" pitchFamily="18" charset="0"/>
+                          </a:rPr>
+                          <m:t>𝜋</m:t>
+                        </m:r>
+                      </m:e>
+                      <m:sub>
+                        <m:r>
+                          <a:rPr kumimoji="1" lang="en-US" altLang="ja-JP" sz="2400" b="0" i="1" smtClean="0">
+                            <a:latin typeface="Cambria Math" panose="02040503050406030204" pitchFamily="18" charset="0"/>
+                          </a:rPr>
+                          <m:t>𝑖</m:t>
+                        </m:r>
+                      </m:sub>
+                    </m:sSub>
+                  </m:oMath>
+                </a14:m>
+                <a:r>
+                  <a:rPr kumimoji="1" lang="ja-JP" altLang="en-US" sz="2400"/>
+                  <a:t>として、任意の</a:t>
+                </a:r>
+                <a:r>
+                  <a:rPr kumimoji="1" lang="en-US" altLang="ja-JP" sz="2400" dirty="0"/>
+                  <a:t>2</a:t>
+                </a:r>
+                <a:r>
+                  <a:rPr kumimoji="1" lang="ja-JP" altLang="en-US" sz="2400"/>
+                  <a:t>状態</a:t>
+                </a:r>
+                <a14:m>
+                  <m:oMath xmlns:m="http://schemas.openxmlformats.org/officeDocument/2006/math">
+                    <m:r>
+                      <a:rPr kumimoji="1" lang="en-US" altLang="ja-JP" sz="2400" b="0" i="1" smtClean="0">
+                        <a:latin typeface="Cambria Math" panose="02040503050406030204" pitchFamily="18" charset="0"/>
+                      </a:rPr>
+                      <m:t>𝑖</m:t>
+                    </m:r>
+                    <m:r>
+                      <a:rPr kumimoji="1" lang="en-US" altLang="ja-JP" sz="2400" b="0" i="1" smtClean="0">
+                        <a:latin typeface="Cambria Math" panose="02040503050406030204" pitchFamily="18" charset="0"/>
+                      </a:rPr>
+                      <m:t>,</m:t>
+                    </m:r>
+                    <m:r>
+                      <a:rPr kumimoji="1" lang="en-US" altLang="ja-JP" sz="2400" b="0" i="1" smtClean="0">
+                        <a:latin typeface="Cambria Math" panose="02040503050406030204" pitchFamily="18" charset="0"/>
+                      </a:rPr>
+                      <m:t>𝑗</m:t>
+                    </m:r>
+                  </m:oMath>
+                </a14:m>
+                <a:r>
+                  <a:rPr kumimoji="1" lang="ja-JP" altLang="en-US" sz="2400"/>
+                  <a:t>について以下が成立することを</a:t>
+                </a:r>
+                <a:r>
+                  <a:rPr kumimoji="1" lang="ja-JP" altLang="en-US" sz="2400">
+                    <a:solidFill>
+                      <a:srgbClr val="FF0000"/>
+                    </a:solidFill>
+                  </a:rPr>
+                  <a:t>詳細釣り合い条件</a:t>
+                </a:r>
+                <a:r>
+                  <a:rPr kumimoji="1" lang="ja-JP" altLang="en-US" sz="2400"/>
+                  <a:t>と呼ぶ</a:t>
+                </a:r>
+              </a:p>
+            </p:txBody>
+          </p:sp>
+        </mc:Choice>
+        <mc:Fallback>
+          <p:sp>
+            <p:nvSpPr>
+              <p:cNvPr id="16" name="テキスト ボックス 15">
+                <a:extLst>
+                  <a:ext uri="{FF2B5EF4-FFF2-40B4-BE49-F238E27FC236}">
+                    <a16:creationId xmlns:a16="http://schemas.microsoft.com/office/drawing/2014/main" id="{3DA95863-B2CD-0A2D-C463-F12646E77E36}"/>
+                  </a:ext>
+                </a:extLst>
+              </p:cNvPr>
+              <p:cNvSpPr txBox="1">
+                <a:spLocks noRot="1" noChangeAspect="1" noMove="1" noResize="1" noEditPoints="1" noAdjustHandles="1" noChangeArrowheads="1" noChangeShapeType="1" noTextEdit="1"/>
+              </p:cNvSpPr>
+              <p:nvPr/>
+            </p:nvSpPr>
+            <p:spPr>
+              <a:xfrm>
+                <a:off x="791580" y="3190049"/>
+                <a:ext cx="7560840" cy="830997"/>
+              </a:xfrm>
+              <a:prstGeom prst="rect">
+                <a:avLst/>
+              </a:prstGeom>
+              <a:blipFill>
+                <a:blip r:embed="rId6"/>
+                <a:stretch>
+                  <a:fillRect l="-1342" t="-7576" r="-503" b="-13636"/>
+                </a:stretch>
+              </a:blipFill>
+            </p:spPr>
+            <p:txBody>
+              <a:bodyPr/>
+              <a:lstStyle/>
+              <a:p>
+                <a:r>
+                  <a:rPr lang="ja-JP" altLang="en-US">
+                    <a:noFill/>
+                  </a:rPr>
+                  <a:t> </a:t>
+                </a:r>
+              </a:p>
+            </p:txBody>
+          </p:sp>
+        </mc:Fallback>
+      </mc:AlternateContent>
+      <mc:AlternateContent xmlns:mc="http://schemas.openxmlformats.org/markup-compatibility/2006">
+        <mc:Choice xmlns:a14="http://schemas.microsoft.com/office/drawing/2010/main" Requires="a14">
+          <p:sp>
+            <p:nvSpPr>
+              <p:cNvPr id="17" name="テキスト ボックス 16">
+                <a:extLst>
+                  <a:ext uri="{FF2B5EF4-FFF2-40B4-BE49-F238E27FC236}">
+                    <a16:creationId xmlns:a16="http://schemas.microsoft.com/office/drawing/2014/main" id="{0FE7EA76-9E6C-DCE3-5C46-15381492C990}"/>
+                  </a:ext>
+                </a:extLst>
+              </p:cNvPr>
+              <p:cNvSpPr txBox="1"/>
+              <p:nvPr/>
+            </p:nvSpPr>
+            <p:spPr>
+              <a:xfrm>
+                <a:off x="2206817" y="4186420"/>
+                <a:ext cx="4535088" cy="624338"/>
+              </a:xfrm>
+              <a:prstGeom prst="rect">
+                <a:avLst/>
+              </a:prstGeom>
+              <a:noFill/>
+            </p:spPr>
+            <p:txBody>
+              <a:bodyPr wrap="none" rtlCol="0">
+                <a:spAutoFit/>
+              </a:bodyPr>
+              <a:lstStyle/>
+              <a:p>
+                <a:pPr/>
+                <a14:m>
+                  <m:oMathPara xmlns:m="http://schemas.openxmlformats.org/officeDocument/2006/math">
+                    <m:oMathParaPr>
+                      <m:jc m:val="centerGroup"/>
+                    </m:oMathParaPr>
+                    <m:oMath xmlns:m="http://schemas.openxmlformats.org/officeDocument/2006/math">
+                      <m:sSub>
+                        <m:sSubPr>
+                          <m:ctrlPr>
+                            <a:rPr kumimoji="1" lang="en-US" altLang="ja-JP" sz="3200" b="0" i="1" smtClean="0">
+                              <a:latin typeface="Cambria Math" panose="02040503050406030204" pitchFamily="18" charset="0"/>
+                            </a:rPr>
+                          </m:ctrlPr>
+                        </m:sSubPr>
+                        <m:e>
+                          <m:r>
+                            <a:rPr kumimoji="1" lang="en-US" altLang="ja-JP" sz="3200" b="0" i="1" smtClean="0">
+                              <a:latin typeface="Cambria Math" panose="02040503050406030204" pitchFamily="18" charset="0"/>
+                            </a:rPr>
+                            <m:t>𝜋</m:t>
+                          </m:r>
+                        </m:e>
+                        <m:sub>
+                          <m:r>
+                            <a:rPr kumimoji="1" lang="en-US" altLang="ja-JP" sz="3200" b="0" i="1" smtClean="0">
+                              <a:latin typeface="Cambria Math" panose="02040503050406030204" pitchFamily="18" charset="0"/>
+                            </a:rPr>
+                            <m:t>𝑖</m:t>
+                          </m:r>
+                        </m:sub>
+                      </m:sSub>
+                      <m:r>
+                        <a:rPr kumimoji="1" lang="en-US" altLang="ja-JP" sz="3200" b="0" i="1" smtClean="0">
+                          <a:latin typeface="Cambria Math" panose="02040503050406030204" pitchFamily="18" charset="0"/>
+                        </a:rPr>
+                        <m:t>𝑃</m:t>
+                      </m:r>
+                      <m:d>
+                        <m:dPr>
+                          <m:ctrlPr>
+                            <a:rPr kumimoji="1" lang="en-US" altLang="ja-JP" sz="3200" b="0" i="1" smtClean="0">
+                              <a:latin typeface="Cambria Math" panose="02040503050406030204" pitchFamily="18" charset="0"/>
+                            </a:rPr>
+                          </m:ctrlPr>
+                        </m:dPr>
+                        <m:e>
+                          <m:r>
+                            <a:rPr kumimoji="1" lang="en-US" altLang="ja-JP" sz="3200" b="0" i="1" smtClean="0">
+                              <a:latin typeface="Cambria Math" panose="02040503050406030204" pitchFamily="18" charset="0"/>
+                            </a:rPr>
+                            <m:t>𝑖</m:t>
+                          </m:r>
+                          <m:r>
+                            <a:rPr kumimoji="1" lang="en-US" altLang="ja-JP" sz="3200" b="0" i="1" smtClean="0">
+                              <a:latin typeface="Cambria Math" panose="02040503050406030204" pitchFamily="18" charset="0"/>
+                            </a:rPr>
+                            <m:t>→</m:t>
+                          </m:r>
+                          <m:r>
+                            <a:rPr kumimoji="1" lang="en-US" altLang="ja-JP" sz="3200" b="0" i="1" smtClean="0">
+                              <a:latin typeface="Cambria Math" panose="02040503050406030204" pitchFamily="18" charset="0"/>
+                            </a:rPr>
+                            <m:t>𝑗</m:t>
+                          </m:r>
+                        </m:e>
+                      </m:d>
+                      <m:r>
+                        <a:rPr kumimoji="1" lang="en-US" altLang="ja-JP" sz="3200" b="0" i="1" smtClean="0">
+                          <a:latin typeface="Cambria Math" panose="02040503050406030204" pitchFamily="18" charset="0"/>
+                        </a:rPr>
+                        <m:t>=</m:t>
+                      </m:r>
+                      <m:sSub>
+                        <m:sSubPr>
+                          <m:ctrlPr>
+                            <a:rPr kumimoji="1" lang="en-US" altLang="ja-JP" sz="3200" b="0" i="1" smtClean="0">
+                              <a:latin typeface="Cambria Math" panose="02040503050406030204" pitchFamily="18" charset="0"/>
+                            </a:rPr>
+                          </m:ctrlPr>
+                        </m:sSubPr>
+                        <m:e>
+                          <m:r>
+                            <a:rPr kumimoji="1" lang="en-US" altLang="ja-JP" sz="3200" b="0" i="1" smtClean="0">
+                              <a:latin typeface="Cambria Math" panose="02040503050406030204" pitchFamily="18" charset="0"/>
+                            </a:rPr>
+                            <m:t>𝜋</m:t>
+                          </m:r>
+                        </m:e>
+                        <m:sub>
+                          <m:r>
+                            <a:rPr kumimoji="1" lang="en-US" altLang="ja-JP" sz="3200" b="0" i="1" smtClean="0">
+                              <a:latin typeface="Cambria Math" panose="02040503050406030204" pitchFamily="18" charset="0"/>
+                            </a:rPr>
+                            <m:t>𝑗</m:t>
+                          </m:r>
+                        </m:sub>
+                      </m:sSub>
+                      <m:r>
+                        <a:rPr kumimoji="1" lang="en-US" altLang="ja-JP" sz="3200" b="0" i="1" smtClean="0">
+                          <a:latin typeface="Cambria Math" panose="02040503050406030204" pitchFamily="18" charset="0"/>
+                        </a:rPr>
+                        <m:t>𝑃</m:t>
+                      </m:r>
+                      <m:r>
+                        <a:rPr kumimoji="1" lang="en-US" altLang="ja-JP" sz="3200" b="0" i="1" smtClean="0">
+                          <a:latin typeface="Cambria Math" panose="02040503050406030204" pitchFamily="18" charset="0"/>
+                        </a:rPr>
+                        <m:t>(</m:t>
+                      </m:r>
+                      <m:r>
+                        <a:rPr kumimoji="1" lang="en-US" altLang="ja-JP" sz="3200" b="0" i="1" smtClean="0">
+                          <a:latin typeface="Cambria Math" panose="02040503050406030204" pitchFamily="18" charset="0"/>
+                        </a:rPr>
+                        <m:t>𝑗</m:t>
+                      </m:r>
+                      <m:r>
+                        <a:rPr kumimoji="1" lang="en-US" altLang="ja-JP" sz="3200" b="0" i="1" smtClean="0">
+                          <a:latin typeface="Cambria Math" panose="02040503050406030204" pitchFamily="18" charset="0"/>
+                        </a:rPr>
+                        <m:t>→</m:t>
+                      </m:r>
+                      <m:r>
+                        <a:rPr kumimoji="1" lang="en-US" altLang="ja-JP" sz="3200" b="0" i="1" smtClean="0">
+                          <a:latin typeface="Cambria Math" panose="02040503050406030204" pitchFamily="18" charset="0"/>
+                        </a:rPr>
+                        <m:t>𝑖</m:t>
+                      </m:r>
+                      <m:r>
+                        <a:rPr kumimoji="1" lang="en-US" altLang="ja-JP" sz="3200" b="0" i="1" smtClean="0">
+                          <a:latin typeface="Cambria Math" panose="02040503050406030204" pitchFamily="18" charset="0"/>
+                        </a:rPr>
+                        <m:t>)</m:t>
+                      </m:r>
+                    </m:oMath>
+                  </m:oMathPara>
+                </a14:m>
+                <a:endParaRPr kumimoji="1" lang="ja-JP" altLang="en-US" sz="3200"/>
+              </a:p>
+            </p:txBody>
+          </p:sp>
+        </mc:Choice>
+        <mc:Fallback>
+          <p:sp>
+            <p:nvSpPr>
+              <p:cNvPr id="17" name="テキスト ボックス 16">
+                <a:extLst>
+                  <a:ext uri="{FF2B5EF4-FFF2-40B4-BE49-F238E27FC236}">
+                    <a16:creationId xmlns:a16="http://schemas.microsoft.com/office/drawing/2014/main" id="{0FE7EA76-9E6C-DCE3-5C46-15381492C990}"/>
+                  </a:ext>
+                </a:extLst>
+              </p:cNvPr>
+              <p:cNvSpPr txBox="1">
+                <a:spLocks noRot="1" noChangeAspect="1" noMove="1" noResize="1" noEditPoints="1" noAdjustHandles="1" noChangeArrowheads="1" noChangeShapeType="1" noTextEdit="1"/>
+              </p:cNvSpPr>
+              <p:nvPr/>
+            </p:nvSpPr>
+            <p:spPr>
+              <a:xfrm>
+                <a:off x="2206817" y="4186420"/>
+                <a:ext cx="4535088" cy="624338"/>
+              </a:xfrm>
+              <a:prstGeom prst="rect">
+                <a:avLst/>
+              </a:prstGeom>
+              <a:blipFill>
+                <a:blip r:embed="rId7"/>
+                <a:stretch>
+                  <a:fillRect r="-559" b="-16000"/>
+                </a:stretch>
+              </a:blipFill>
+            </p:spPr>
+            <p:txBody>
+              <a:bodyPr/>
+              <a:lstStyle/>
+              <a:p>
+                <a:r>
+                  <a:rPr lang="ja-JP" altLang="en-US">
+                    <a:noFill/>
+                  </a:rPr>
+                  <a:t> </a:t>
+                </a:r>
+              </a:p>
+            </p:txBody>
+          </p:sp>
+        </mc:Fallback>
+      </mc:AlternateContent>
+    </p:spTree>
+    <p:extLst>
+      <p:ext uri="{BB962C8B-B14F-4D97-AF65-F5344CB8AC3E}">
+        <p14:creationId xmlns:p14="http://schemas.microsoft.com/office/powerpoint/2010/main" val="446494532"/>
+      </p:ext>
+    </p:extLst>
+  </p:cSld>
+  <p:clrMapOvr>
+    <a:masterClrMapping/>
+  </p:clrMapOvr>
+</p:sld>
+</file>
+
+<file path=ppt/slides/slide17.xml><?xml version="1.0" encoding="utf-8"?>
 <p:sld xmlns:a="http://schemas.openxmlformats.org/drawingml/2006/main" xmlns:r="http://schemas.openxmlformats.org/officeDocument/2006/relationships" xmlns:p="http://schemas.openxmlformats.org/presentationml/2006/main">
   <p:cSld>
     <p:spTree>
@@ -3567,7 +12132,7 @@
 </p:sld>
 </file>
 
-<file path=ppt/slides/slide12.xml><?xml version="1.0" encoding="utf-8"?>
+<file path=ppt/slides/slide18.xml><?xml version="1.0" encoding="utf-8"?>
 <p:sld xmlns:a="http://schemas.openxmlformats.org/drawingml/2006/main" xmlns:r="http://schemas.openxmlformats.org/officeDocument/2006/relationships" xmlns:p="http://schemas.openxmlformats.org/presentationml/2006/main">
   <p:cSld>
     <p:spTree>
@@ -4270,14 +12835,14 @@
               <a:buChar char="•"/>
             </a:pPr>
             <a:r>
-              <a:rPr kumimoji="1" lang="en-US" altLang="ja-JP" sz="2000"/>
+              <a:rPr kumimoji="1" lang="en-US" altLang="ja-JP" sz="2000" dirty="0"/>
               <a:t>3</a:t>
             </a:r>
             <a:r>
               <a:rPr kumimoji="1" lang="ja-JP" altLang="en-US" sz="2000"/>
               <a:t>つのマスがある「すごろく」を考える</a:t>
             </a:r>
-            <a:endParaRPr kumimoji="1" lang="en-US" altLang="ja-JP" sz="2000"/>
+            <a:endParaRPr kumimoji="1" lang="en-US" altLang="ja-JP" sz="2000" dirty="0"/>
           </a:p>
           <a:p>
             <a:pPr marL="285750" indent="-285750">
@@ -4289,7 +12854,7 @@
               <a:t>マスをそれぞれ「マス</a:t>
             </a:r>
             <a:r>
-              <a:rPr lang="en-US" altLang="ja-JP" sz="2000"/>
+              <a:rPr lang="en-US" altLang="ja-JP" sz="2000" dirty="0"/>
               <a:t>1</a:t>
             </a:r>
             <a:r>
@@ -4297,7 +12862,7 @@
               <a:t>」「マス</a:t>
             </a:r>
             <a:r>
-              <a:rPr lang="en-US" altLang="ja-JP" sz="2000"/>
+              <a:rPr lang="en-US" altLang="ja-JP" sz="2000" dirty="0"/>
               <a:t>2</a:t>
             </a:r>
             <a:r>
@@ -4305,14 +12870,14 @@
               <a:t>」「マス</a:t>
             </a:r>
             <a:r>
-              <a:rPr lang="en-US" altLang="ja-JP" sz="2000"/>
+              <a:rPr lang="en-US" altLang="ja-JP" sz="2000" dirty="0"/>
               <a:t>3</a:t>
             </a:r>
             <a:r>
               <a:rPr lang="ja-JP" altLang="en-US" sz="2000"/>
               <a:t>」と名前をつける</a:t>
             </a:r>
-            <a:endParaRPr lang="en-US" altLang="ja-JP" sz="2000"/>
+            <a:endParaRPr lang="en-US" altLang="ja-JP" sz="2000" dirty="0"/>
           </a:p>
         </p:txBody>
       </p:sp>
@@ -9352,15 +17917,7 @@
             </a:pPr>
             <a:r>
               <a:rPr lang="ja-JP" altLang="en-US" sz="2000"/>
-              <a:t>十分に時間が経過したとき、状態</a:t>
-            </a:r>
-            <a:r>
-              <a:rPr lang="en-US" altLang="ja-JP" sz="2000" dirty="0"/>
-              <a:t>1</a:t>
-            </a:r>
-            <a:r>
-              <a:rPr lang="ja-JP" altLang="en-US" sz="2000"/>
-              <a:t>にいる確率</a:t>
+              <a:t>十分に時間が経過したとき、各状態にいる確率</a:t>
             </a:r>
             <a:endParaRPr kumimoji="1" lang="ja-JP" altLang="en-US" sz="2000"/>
           </a:p>
@@ -10639,8 +19196,8 @@
           </a:p>
         </p:txBody>
       </p:sp>
-      <mc:AlternateContent xmlns:mc="http://schemas.openxmlformats.org/markup-compatibility/2006">
-        <mc:Choice xmlns:a14="http://schemas.microsoft.com/office/drawing/2010/main" Requires="a14">
+      <mc:AlternateContent xmlns:mc="http://schemas.openxmlformats.org/markup-compatibility/2006" xmlns:a14="http://schemas.microsoft.com/office/drawing/2010/main">
+        <mc:Choice Requires="a14">
           <p:sp>
             <p:nvSpPr>
               <p:cNvPr id="3" name="テキスト ボックス 2">
@@ -10669,6 +19226,7 @@
               </a:bodyPr>
               <a:lstStyle/>
               <a:p>
+                <a:pPr/>
                 <a14:m>
                   <m:oMathPara xmlns:m="http://schemas.openxmlformats.org/officeDocument/2006/math">
                     <m:oMathParaPr>
@@ -10726,7 +19284,7 @@
             </p:txBody>
           </p:sp>
         </mc:Choice>
-        <mc:Fallback>
+        <mc:Fallback xmlns="">
           <p:sp>
             <p:nvSpPr>
               <p:cNvPr id="3" name="テキスト ボックス 2">
@@ -10771,8 +19329,8 @@
           </p:sp>
         </mc:Fallback>
       </mc:AlternateContent>
-      <mc:AlternateContent xmlns:mc="http://schemas.openxmlformats.org/markup-compatibility/2006">
-        <mc:Choice xmlns:a14="http://schemas.microsoft.com/office/drawing/2010/main" Requires="a14">
+      <mc:AlternateContent xmlns:mc="http://schemas.openxmlformats.org/markup-compatibility/2006" xmlns:a14="http://schemas.microsoft.com/office/drawing/2010/main">
+        <mc:Choice Requires="a14">
           <p:sp>
             <p:nvSpPr>
               <p:cNvPr id="4" name="テキスト ボックス 3">
@@ -10838,7 +19396,7 @@
             </p:txBody>
           </p:sp>
         </mc:Choice>
-        <mc:Fallback>
+        <mc:Fallback xmlns="">
           <p:sp>
             <p:nvSpPr>
               <p:cNvPr id="4" name="テキスト ボックス 3">
@@ -10883,8 +19441,8 @@
           </p:sp>
         </mc:Fallback>
       </mc:AlternateContent>
-      <mc:AlternateContent xmlns:mc="http://schemas.openxmlformats.org/markup-compatibility/2006">
-        <mc:Choice xmlns:a14="http://schemas.microsoft.com/office/drawing/2010/main" Requires="a14">
+      <mc:AlternateContent xmlns:mc="http://schemas.openxmlformats.org/markup-compatibility/2006" xmlns:a14="http://schemas.microsoft.com/office/drawing/2010/main">
+        <mc:Choice Requires="a14">
           <p:sp>
             <p:nvSpPr>
               <p:cNvPr id="50" name="テキスト ボックス 49">
@@ -11221,6 +19779,7 @@
                 <a:endParaRPr lang="en-US" altLang="ja-JP" sz="2400" dirty="0"/>
               </a:p>
               <a:p>
+                <a:pPr/>
                 <a14:m>
                   <m:oMathPara xmlns:m="http://schemas.openxmlformats.org/officeDocument/2006/math">
                     <m:oMathParaPr>
@@ -11528,6 +20087,7 @@
                 <a:endParaRPr kumimoji="1" lang="ja-JP" altLang="en-US" sz="2400"/>
               </a:p>
               <a:p>
+                <a:pPr/>
                 <a14:m>
                   <m:oMathPara xmlns:m="http://schemas.openxmlformats.org/officeDocument/2006/math">
                     <m:oMathParaPr>
@@ -11837,7 +20397,7 @@
             </p:txBody>
           </p:sp>
         </mc:Choice>
-        <mc:Fallback>
+        <mc:Fallback xmlns="">
           <p:sp>
             <p:nvSpPr>
               <p:cNvPr id="50" name="テキスト ボックス 49">
@@ -13190,8 +21750,8 @@
           </a:p>
         </p:txBody>
       </p:sp>
-      <mc:AlternateContent xmlns:mc="http://schemas.openxmlformats.org/markup-compatibility/2006">
-        <mc:Choice xmlns:a14="http://schemas.microsoft.com/office/drawing/2010/main" Requires="a14">
+      <mc:AlternateContent xmlns:mc="http://schemas.openxmlformats.org/markup-compatibility/2006" xmlns:a14="http://schemas.microsoft.com/office/drawing/2010/main">
+        <mc:Choice Requires="a14">
           <p:sp>
             <p:nvSpPr>
               <p:cNvPr id="3" name="テキスト ボックス 2">
@@ -13220,6 +21780,7 @@
               </a:bodyPr>
               <a:lstStyle/>
               <a:p>
+                <a:pPr/>
                 <a14:m>
                   <m:oMathPara xmlns:m="http://schemas.openxmlformats.org/officeDocument/2006/math">
                     <m:oMathParaPr>
@@ -13452,7 +22013,7 @@
             </p:txBody>
           </p:sp>
         </mc:Choice>
-        <mc:Fallback>
+        <mc:Fallback xmlns="">
           <p:sp>
             <p:nvSpPr>
               <p:cNvPr id="3" name="テキスト ボックス 2">
@@ -13540,8 +22101,8 @@
           </a:p>
         </p:txBody>
       </p:sp>
-      <mc:AlternateContent xmlns:mc="http://schemas.openxmlformats.org/markup-compatibility/2006">
-        <mc:Choice xmlns:a14="http://schemas.microsoft.com/office/drawing/2010/main" Requires="a14">
+      <mc:AlternateContent xmlns:mc="http://schemas.openxmlformats.org/markup-compatibility/2006" xmlns:a14="http://schemas.microsoft.com/office/drawing/2010/main">
+        <mc:Choice Requires="a14">
           <p:sp>
             <p:nvSpPr>
               <p:cNvPr id="5" name="テキスト ボックス 4">
@@ -13570,6 +22131,7 @@
               </a:bodyPr>
               <a:lstStyle/>
               <a:p>
+                <a:pPr/>
                 <a14:m>
                   <m:oMathPara xmlns:m="http://schemas.openxmlformats.org/officeDocument/2006/math">
                     <m:oMathParaPr>
@@ -13673,7 +22235,7 @@
             </p:txBody>
           </p:sp>
         </mc:Choice>
-        <mc:Fallback>
+        <mc:Fallback xmlns="">
           <p:sp>
             <p:nvSpPr>
               <p:cNvPr id="5" name="テキスト ボックス 4">
@@ -13718,8 +22280,8 @@
           </p:sp>
         </mc:Fallback>
       </mc:AlternateContent>
-      <mc:AlternateContent xmlns:mc="http://schemas.openxmlformats.org/markup-compatibility/2006">
-        <mc:Choice xmlns:a14="http://schemas.microsoft.com/office/drawing/2010/main" Requires="a14">
+      <mc:AlternateContent xmlns:mc="http://schemas.openxmlformats.org/markup-compatibility/2006" xmlns:a14="http://schemas.microsoft.com/office/drawing/2010/main">
+        <mc:Choice Requires="a14">
           <p:sp>
             <p:nvSpPr>
               <p:cNvPr id="6" name="テキスト ボックス 5">
@@ -13748,6 +22310,7 @@
               </a:bodyPr>
               <a:lstStyle/>
               <a:p>
+                <a:pPr/>
                 <a14:m>
                   <m:oMathPara xmlns:m="http://schemas.openxmlformats.org/officeDocument/2006/math">
                     <m:oMathParaPr>
@@ -13800,7 +22363,13 @@
                                   <a:rPr lang="en-US" altLang="ja-JP" sz="3600" b="0" i="1" smtClean="0">
                                     <a:latin typeface="Cambria Math" panose="02040503050406030204" pitchFamily="18" charset="0"/>
                                   </a:rPr>
-                                  <m:t>1/6</m:t>
+                                  <m:t>1</m:t>
+                                </m:r>
+                                <m:r>
+                                  <a:rPr lang="en-US" altLang="ja-JP" sz="3600" b="0" i="1" smtClean="0">
+                                    <a:latin typeface="Cambria Math" panose="02040503050406030204" pitchFamily="18" charset="0"/>
+                                  </a:rPr>
+                                  <m:t>/6</m:t>
                                 </m:r>
                               </m:e>
                               <m:e>
@@ -13883,7 +22452,7 @@
             </p:txBody>
           </p:sp>
         </mc:Choice>
-        <mc:Fallback>
+        <mc:Fallback xmlns="">
           <p:sp>
             <p:nvSpPr>
               <p:cNvPr id="6" name="テキスト ボックス 5">
@@ -14172,8 +22741,8 @@
           </a:p>
         </p:txBody>
       </p:sp>
-      <mc:AlternateContent xmlns:mc="http://schemas.openxmlformats.org/markup-compatibility/2006">
-        <mc:Choice xmlns:a14="http://schemas.microsoft.com/office/drawing/2010/main" Requires="a14">
+      <mc:AlternateContent xmlns:mc="http://schemas.openxmlformats.org/markup-compatibility/2006" xmlns:a14="http://schemas.microsoft.com/office/drawing/2010/main">
+        <mc:Choice Requires="a14">
           <p:sp>
             <p:nvSpPr>
               <p:cNvPr id="5" name="テキスト ボックス 4">
@@ -14202,6 +22771,7 @@
               </a:bodyPr>
               <a:lstStyle/>
               <a:p>
+                <a:pPr/>
                 <a14:m>
                   <m:oMathPara xmlns:m="http://schemas.openxmlformats.org/officeDocument/2006/math">
                     <m:oMathParaPr>
@@ -14254,7 +22824,13 @@
                                   <a:rPr lang="en-US" altLang="ja-JP" sz="3600" b="0" i="1" smtClean="0">
                                     <a:latin typeface="Cambria Math" panose="02040503050406030204" pitchFamily="18" charset="0"/>
                                   </a:rPr>
-                                  <m:t>1/6</m:t>
+                                  <m:t>1</m:t>
+                                </m:r>
+                                <m:r>
+                                  <a:rPr lang="en-US" altLang="ja-JP" sz="3600" b="0" i="1" smtClean="0">
+                                    <a:latin typeface="Cambria Math" panose="02040503050406030204" pitchFamily="18" charset="0"/>
+                                  </a:rPr>
+                                  <m:t>/6</m:t>
                                 </m:r>
                               </m:e>
                               <m:e>
@@ -14337,7 +22913,7 @@
             </p:txBody>
           </p:sp>
         </mc:Choice>
-        <mc:Fallback>
+        <mc:Fallback xmlns="">
           <p:sp>
             <p:nvSpPr>
               <p:cNvPr id="5" name="テキスト ボックス 4">
@@ -14555,7 +23131,7 @@
         </p:nvSpPr>
         <p:spPr>
           <a:xfrm>
-            <a:off x="683568" y="4368468"/>
+            <a:off x="683568" y="3972639"/>
             <a:ext cx="6628738" cy="400110"/>
           </a:xfrm>
           <a:prstGeom prst="rect">
@@ -14596,7 +23172,7 @@
             </p:nvSpPr>
             <p:spPr>
               <a:xfrm>
-                <a:off x="2627784" y="4736757"/>
+                <a:off x="2627784" y="4340928"/>
                 <a:ext cx="3216329" cy="492443"/>
               </a:xfrm>
               <a:prstGeom prst="rect">
@@ -14610,6 +23186,7 @@
               </a:bodyPr>
               <a:lstStyle/>
               <a:p>
+                <a:pPr/>
                 <a14:m>
                   <m:oMathPara xmlns:m="http://schemas.openxmlformats.org/officeDocument/2006/math">
                     <m:oMathParaPr>
@@ -14730,7 +23307,7 @@
             </p:nvSpPr>
             <p:spPr>
               <a:xfrm>
-                <a:off x="2627784" y="4736757"/>
+                <a:off x="2627784" y="4340928"/>
                 <a:ext cx="3216329" cy="492443"/>
               </a:xfrm>
               <a:prstGeom prst="rect">
@@ -14772,7 +23349,7 @@
         </p:nvSpPr>
         <p:spPr>
           <a:xfrm>
-            <a:off x="683568" y="5308118"/>
+            <a:off x="683568" y="4912289"/>
             <a:ext cx="6401111" cy="400110"/>
           </a:xfrm>
           <a:prstGeom prst="rect">
@@ -14825,7 +23402,7 @@
             </p:nvSpPr>
             <p:spPr>
               <a:xfrm>
-                <a:off x="2627783" y="5826813"/>
+                <a:off x="2627784" y="5326809"/>
                 <a:ext cx="3447482" cy="492443"/>
               </a:xfrm>
               <a:prstGeom prst="rect">
@@ -14839,6 +23416,7 @@
               </a:bodyPr>
               <a:lstStyle/>
               <a:p>
+                <a:pPr/>
                 <a14:m>
                   <m:oMathPara xmlns:m="http://schemas.openxmlformats.org/officeDocument/2006/math">
                     <m:oMathParaPr>
@@ -14984,7 +23562,7 @@
             </p:nvSpPr>
             <p:spPr>
               <a:xfrm>
-                <a:off x="2627783" y="5826813"/>
+                <a:off x="2627784" y="5326809"/>
                 <a:ext cx="3447482" cy="492443"/>
               </a:xfrm>
               <a:prstGeom prst="rect">
@@ -14993,7 +23571,7 @@
               <a:blipFill>
                 <a:blip r:embed="rId4"/>
                 <a:stretch>
-                  <a:fillRect l="-1832" t="-35000" r="-3297" b="-37500"/>
+                  <a:fillRect l="-1832" t="-35000" r="-3297" b="-35000"/>
                 </a:stretch>
               </a:blipFill>
             </p:spPr>
@@ -15012,6 +23590,104 @@
           </p:sp>
         </mc:Fallback>
       </mc:AlternateContent>
+      <p:sp>
+        <p:nvSpPr>
+          <p:cNvPr id="3" name="テキスト ボックス 2">
+            <a:extLst>
+              <a:ext uri="{FF2B5EF4-FFF2-40B4-BE49-F238E27FC236}">
+                <a16:creationId xmlns:a16="http://schemas.microsoft.com/office/drawing/2014/main" id="{FC48AF28-2FBF-FC9F-8624-41F0F1AE879B}"/>
+              </a:ext>
+            </a:extLst>
+          </p:cNvPr>
+          <p:cNvSpPr txBox="1"/>
+          <p:nvPr/>
+        </p:nvSpPr>
+        <p:spPr>
+          <a:xfrm>
+            <a:off x="545096" y="5949280"/>
+            <a:ext cx="7027886" cy="400110"/>
+          </a:xfrm>
+          <a:prstGeom prst="rect">
+            <a:avLst/>
+          </a:prstGeom>
+          <a:noFill/>
+        </p:spPr>
+        <p:txBody>
+          <a:bodyPr wrap="none" rtlCol="0">
+            <a:spAutoFit/>
+          </a:bodyPr>
+          <a:lstStyle/>
+          <a:p>
+            <a:pPr marL="285750" indent="-285750">
+              <a:buFont typeface="Arial" panose="020B0604020202020204" pitchFamily="34" charset="0"/>
+              <a:buChar char="•"/>
+            </a:pPr>
+            <a:r>
+              <a:rPr kumimoji="1" lang="ja-JP" altLang="en-US" sz="2000">
+                <a:solidFill>
+                  <a:srgbClr val="FF0000"/>
+                </a:solidFill>
+              </a:rPr>
+              <a:t>最大固有値は</a:t>
+            </a:r>
+            <a:r>
+              <a:rPr kumimoji="1" lang="en-US" altLang="ja-JP" sz="2000" dirty="0">
+                <a:solidFill>
+                  <a:srgbClr val="FF0000"/>
+                </a:solidFill>
+              </a:rPr>
+              <a:t>1</a:t>
+            </a:r>
+            <a:r>
+              <a:rPr kumimoji="1" lang="ja-JP" altLang="en-US" sz="2000">
+                <a:solidFill>
+                  <a:srgbClr val="FF0000"/>
+                </a:solidFill>
+              </a:rPr>
+              <a:t>であり、対応する固有ベクトルが定常状態</a:t>
+            </a:r>
+          </a:p>
+        </p:txBody>
+      </p:sp>
+      <p:sp>
+        <p:nvSpPr>
+          <p:cNvPr id="13" name="テキスト ボックス 12">
+            <a:extLst>
+              <a:ext uri="{FF2B5EF4-FFF2-40B4-BE49-F238E27FC236}">
+                <a16:creationId xmlns:a16="http://schemas.microsoft.com/office/drawing/2014/main" id="{D57656CC-F2E4-5651-C2C2-50D1320F0483}"/>
+              </a:ext>
+            </a:extLst>
+          </p:cNvPr>
+          <p:cNvSpPr txBox="1"/>
+          <p:nvPr/>
+        </p:nvSpPr>
+        <p:spPr>
+          <a:xfrm>
+            <a:off x="2639232" y="6409902"/>
+            <a:ext cx="4673074" cy="307777"/>
+          </a:xfrm>
+          <a:prstGeom prst="rect">
+            <a:avLst/>
+          </a:prstGeom>
+          <a:noFill/>
+        </p:spPr>
+        <p:txBody>
+          <a:bodyPr wrap="none" rtlCol="0">
+            <a:spAutoFit/>
+          </a:bodyPr>
+          <a:lstStyle/>
+          <a:p>
+            <a:r>
+              <a:rPr kumimoji="1" lang="en-US" altLang="ja-JP" sz="1400" dirty="0"/>
+              <a:t>※</a:t>
+            </a:r>
+            <a:r>
+              <a:rPr kumimoji="1" lang="ja-JP" altLang="en-US" sz="1400"/>
+              <a:t>マルコフ過程が非周期的、正再帰的、既約である場合</a:t>
+            </a:r>
+          </a:p>
+        </p:txBody>
+      </p:sp>
     </p:spTree>
     <p:extLst>
       <p:ext uri="{BB962C8B-B14F-4D97-AF65-F5344CB8AC3E}">
